--- a/Project 2/Part2/CS554_EuroTeam_Project2_OP5_mikko.pptx
+++ b/Project 2/Part2/CS554_EuroTeam_Project2_OP5_mikko.pptx
@@ -5,34 +5,36 @@
     <p:sldMasterId id="2147483660" r:id="rId2"/>
   </p:sldMasterIdLst>
   <p:notesMasterIdLst>
-    <p:notesMasterId r:id="rId25"/>
+    <p:notesMasterId r:id="rId27"/>
   </p:notesMasterIdLst>
   <p:handoutMasterIdLst>
-    <p:handoutMasterId r:id="rId26"/>
+    <p:handoutMasterId r:id="rId28"/>
   </p:handoutMasterIdLst>
   <p:sldIdLst>
     <p:sldId id="256" r:id="rId3"/>
     <p:sldId id="261" r:id="rId4"/>
     <p:sldId id="344" r:id="rId5"/>
-    <p:sldId id="345" r:id="rId6"/>
-    <p:sldId id="351" r:id="rId7"/>
-    <p:sldId id="352" r:id="rId8"/>
-    <p:sldId id="343" r:id="rId9"/>
-    <p:sldId id="335" r:id="rId10"/>
-    <p:sldId id="347" r:id="rId11"/>
-    <p:sldId id="348" r:id="rId12"/>
-    <p:sldId id="349" r:id="rId13"/>
-    <p:sldId id="336" r:id="rId14"/>
-    <p:sldId id="346" r:id="rId15"/>
-    <p:sldId id="334" r:id="rId16"/>
-    <p:sldId id="357" r:id="rId17"/>
-    <p:sldId id="337" r:id="rId18"/>
-    <p:sldId id="353" r:id="rId19"/>
-    <p:sldId id="354" r:id="rId20"/>
-    <p:sldId id="355" r:id="rId21"/>
-    <p:sldId id="356" r:id="rId22"/>
-    <p:sldId id="350" r:id="rId23"/>
-    <p:sldId id="286" r:id="rId24"/>
+    <p:sldId id="358" r:id="rId6"/>
+    <p:sldId id="359" r:id="rId7"/>
+    <p:sldId id="345" r:id="rId8"/>
+    <p:sldId id="351" r:id="rId9"/>
+    <p:sldId id="352" r:id="rId10"/>
+    <p:sldId id="343" r:id="rId11"/>
+    <p:sldId id="335" r:id="rId12"/>
+    <p:sldId id="347" r:id="rId13"/>
+    <p:sldId id="348" r:id="rId14"/>
+    <p:sldId id="349" r:id="rId15"/>
+    <p:sldId id="336" r:id="rId16"/>
+    <p:sldId id="346" r:id="rId17"/>
+    <p:sldId id="334" r:id="rId18"/>
+    <p:sldId id="357" r:id="rId19"/>
+    <p:sldId id="337" r:id="rId20"/>
+    <p:sldId id="353" r:id="rId21"/>
+    <p:sldId id="354" r:id="rId22"/>
+    <p:sldId id="355" r:id="rId23"/>
+    <p:sldId id="356" r:id="rId24"/>
+    <p:sldId id="350" r:id="rId25"/>
+    <p:sldId id="286" r:id="rId26"/>
   </p:sldIdLst>
   <p:sldSz cx="9144000" cy="6858000" type="screen4x3"/>
   <p:notesSz cx="7099300" cy="10234613"/>
@@ -4101,6 +4103,1193 @@
       </p:grpSpPr>
       <p:sp>
         <p:nvSpPr>
+          <p:cNvPr id="2" name="Titre 1"/>
+          <p:cNvSpPr>
+            <a:spLocks noGrp="1"/>
+          </p:cNvSpPr>
+          <p:nvPr>
+            <p:ph type="ctrTitle"/>
+          </p:nvPr>
+        </p:nvSpPr>
+        <p:spPr/>
+        <p:txBody>
+          <a:bodyPr/>
+          <a:lstStyle/>
+          <a:p>
+            <a:r>
+              <a:rPr smtClean="0"/>
+              <a:t>3. Acme description</a:t>
+            </a:r>
+            <a:endParaRPr lang="fr-FR" dirty="0"/>
+          </a:p>
+        </p:txBody>
+      </p:sp>
+      <p:sp>
+        <p:nvSpPr>
+          <p:cNvPr id="3" name="Espace réservé du texte 2"/>
+          <p:cNvSpPr>
+            <a:spLocks noGrp="1"/>
+          </p:cNvSpPr>
+          <p:nvPr>
+            <p:ph type="body" sz="quarter" idx="10"/>
+          </p:nvPr>
+        </p:nvSpPr>
+        <p:spPr/>
+        <p:txBody>
+          <a:bodyPr/>
+          <a:lstStyle/>
+          <a:p>
+            <a:r>
+              <a:rPr lang="en-US" dirty="0" smtClean="0"/>
+              <a:t>ACME describes a whole system thanks to</a:t>
+            </a:r>
+          </a:p>
+          <a:p>
+            <a:pPr lvl="1"/>
+            <a:r>
+              <a:rPr lang="en-US" dirty="0" smtClean="0"/>
+              <a:t>Library of 7 architectural elements</a:t>
+            </a:r>
+          </a:p>
+          <a:p>
+            <a:pPr lvl="2"/>
+            <a:r>
+              <a:rPr lang="en-US" dirty="0" smtClean="0"/>
+              <a:t>Components</a:t>
+            </a:r>
+          </a:p>
+          <a:p>
+            <a:pPr lvl="2"/>
+            <a:r>
+              <a:rPr lang="en-US" dirty="0" smtClean="0"/>
+              <a:t>Connectors</a:t>
+            </a:r>
+          </a:p>
+          <a:p>
+            <a:pPr lvl="2"/>
+            <a:r>
+              <a:rPr lang="en-US" dirty="0" smtClean="0"/>
+              <a:t>Systems</a:t>
+            </a:r>
+          </a:p>
+          <a:p>
+            <a:pPr lvl="2"/>
+            <a:r>
+              <a:rPr lang="en-US" dirty="0" smtClean="0"/>
+              <a:t>Ports</a:t>
+            </a:r>
+          </a:p>
+          <a:p>
+            <a:pPr lvl="2"/>
+            <a:r>
+              <a:rPr lang="en-US" dirty="0" smtClean="0"/>
+              <a:t>Roles</a:t>
+            </a:r>
+          </a:p>
+          <a:p>
+            <a:pPr lvl="2"/>
+            <a:r>
+              <a:rPr lang="en-US" dirty="0" smtClean="0"/>
+              <a:t>Representations</a:t>
+            </a:r>
+          </a:p>
+          <a:p>
+            <a:pPr lvl="2"/>
+            <a:r>
+              <a:rPr lang="en-US" dirty="0" smtClean="0"/>
+              <a:t>Representation maps</a:t>
+            </a:r>
+          </a:p>
+          <a:p>
+            <a:pPr lvl="1"/>
+            <a:r>
+              <a:rPr smtClean="0"/>
+              <a:t>Architectural families</a:t>
+            </a:r>
+          </a:p>
+          <a:p>
+            <a:pPr lvl="2"/>
+            <a:r>
+              <a:rPr smtClean="0"/>
+              <a:t>Tiered</a:t>
+            </a:r>
+          </a:p>
+          <a:p>
+            <a:pPr lvl="2"/>
+            <a:r>
+              <a:rPr smtClean="0"/>
+              <a:t>Pipe &amp; filters</a:t>
+            </a:r>
+          </a:p>
+          <a:p>
+            <a:pPr lvl="2"/>
+            <a:r>
+              <a:rPr smtClean="0"/>
+              <a:t>Client &amp; servers</a:t>
+            </a:r>
+          </a:p>
+          <a:p>
+            <a:pPr lvl="2"/>
+            <a:r>
+              <a:rPr smtClean="0"/>
+              <a:t>Pub-Sub</a:t>
+            </a:r>
+          </a:p>
+          <a:p>
+            <a:pPr lvl="2"/>
+            <a:r>
+              <a:rPr smtClean="0"/>
+              <a:t>Shared data</a:t>
+            </a:r>
+          </a:p>
+          <a:p>
+            <a:pPr lvl="2"/>
+            <a:r>
+              <a:rPr lang="fr-FR" dirty="0" smtClean="0"/>
+              <a:t>T</a:t>
+            </a:r>
+            <a:r>
+              <a:rPr smtClean="0"/>
+              <a:t>hree-tiered</a:t>
+            </a:r>
+          </a:p>
+          <a:p>
+            <a:pPr lvl="1"/>
+            <a:endParaRPr smtClean="0"/>
+          </a:p>
+          <a:p>
+            <a:pPr lvl="1">
+              <a:buNone/>
+            </a:pPr>
+            <a:endParaRPr smtClean="0"/>
+          </a:p>
+        </p:txBody>
+      </p:sp>
+      <p:sp>
+        <p:nvSpPr>
+          <p:cNvPr id="4" name="ZoneTexte 3"/>
+          <p:cNvSpPr txBox="1"/>
+          <p:nvPr/>
+        </p:nvSpPr>
+        <p:spPr>
+          <a:xfrm>
+            <a:off x="500034" y="0"/>
+            <a:ext cx="1558440" cy="276999"/>
+          </a:xfrm>
+          <a:prstGeom prst="rect">
+            <a:avLst/>
+          </a:prstGeom>
+          <a:noFill/>
+          <a:ln>
+            <a:noFill/>
+          </a:ln>
+        </p:spPr>
+        <p:txBody>
+          <a:bodyPr wrap="none" rtlCol="0">
+            <a:spAutoFit/>
+          </a:bodyPr>
+          <a:lstStyle/>
+          <a:p>
+            <a:pPr marL="0" marR="0" indent="0" algn="l" defTabSz="914400" rtl="0" eaLnBrk="1" fontAlgn="auto" latinLnBrk="0" hangingPunct="1">
+              <a:lnSpc>
+                <a:spcPct val="100000"/>
+              </a:lnSpc>
+              <a:spcBef>
+                <a:spcPct val="20000"/>
+              </a:spcBef>
+              <a:spcAft>
+                <a:spcPts val="0"/>
+              </a:spcAft>
+              <a:buClrTx/>
+              <a:buSzTx/>
+              <a:buFontTx/>
+              <a:buNone/>
+              <a:tabLst/>
+            </a:pPr>
+            <a:r>
+              <a:rPr lang="fr-FR" sz="1200" kern="0" dirty="0" err="1" smtClean="0">
+                <a:solidFill>
+                  <a:schemeClr val="tx1">
+                    <a:lumMod val="50000"/>
+                    <a:lumOff val="50000"/>
+                  </a:schemeClr>
+                </a:solidFill>
+                <a:latin typeface="+mn-lt"/>
+                <a:cs typeface="+mn-cs"/>
+              </a:rPr>
+              <a:t>Why</a:t>
+            </a:r>
+            <a:r>
+              <a:rPr lang="fr-FR" sz="1200" kern="0" dirty="0" smtClean="0">
+                <a:solidFill>
+                  <a:schemeClr val="tx1">
+                    <a:lumMod val="50000"/>
+                    <a:lumOff val="50000"/>
+                  </a:schemeClr>
+                </a:solidFill>
+                <a:latin typeface="+mn-lt"/>
+                <a:cs typeface="+mn-cs"/>
+              </a:rPr>
+              <a:t> do </a:t>
+            </a:r>
+            <a:r>
+              <a:rPr lang="fr-FR" sz="1200" kern="0" dirty="0" err="1" smtClean="0">
+                <a:solidFill>
+                  <a:schemeClr val="tx1">
+                    <a:lumMod val="50000"/>
+                    <a:lumOff val="50000"/>
+                  </a:schemeClr>
+                </a:solidFill>
+                <a:latin typeface="+mn-lt"/>
+                <a:cs typeface="+mn-cs"/>
+              </a:rPr>
+              <a:t>we</a:t>
+            </a:r>
+            <a:r>
+              <a:rPr lang="fr-FR" sz="1200" kern="0" dirty="0" smtClean="0">
+                <a:solidFill>
+                  <a:schemeClr val="tx1">
+                    <a:lumMod val="50000"/>
+                    <a:lumOff val="50000"/>
+                  </a:schemeClr>
+                </a:solidFill>
+                <a:latin typeface="+mn-lt"/>
+                <a:cs typeface="+mn-cs"/>
+              </a:rPr>
+              <a:t> use </a:t>
+            </a:r>
+            <a:r>
+              <a:rPr lang="fr-FR" sz="1200" kern="0" dirty="0" err="1" smtClean="0">
+                <a:solidFill>
+                  <a:schemeClr val="tx1">
+                    <a:lumMod val="50000"/>
+                    <a:lumOff val="50000"/>
+                  </a:schemeClr>
+                </a:solidFill>
+                <a:latin typeface="+mn-lt"/>
+                <a:cs typeface="+mn-cs"/>
+              </a:rPr>
+              <a:t>ADLs</a:t>
+            </a:r>
+            <a:r>
+              <a:rPr lang="fr-FR" sz="1200" kern="0" dirty="0" smtClean="0">
+                <a:solidFill>
+                  <a:schemeClr val="tx1">
+                    <a:lumMod val="50000"/>
+                    <a:lumOff val="50000"/>
+                  </a:schemeClr>
+                </a:solidFill>
+                <a:latin typeface="+mn-lt"/>
+                <a:cs typeface="+mn-cs"/>
+              </a:rPr>
+              <a:t>?</a:t>
+            </a:r>
+            <a:endParaRPr kumimoji="0" lang="fr-FR" sz="1200" b="1" i="0" u="sng" strike="noStrike" kern="0" cap="none" spc="0" normalizeH="0" baseline="0" noProof="0" dirty="0" smtClean="0">
+              <a:ln>
+                <a:noFill/>
+              </a:ln>
+              <a:effectLst/>
+              <a:uLnTx/>
+              <a:uFillTx/>
+              <a:latin typeface="+mn-lt"/>
+              <a:ea typeface="+mn-ea"/>
+              <a:cs typeface="+mn-cs"/>
+            </a:endParaRPr>
+          </a:p>
+        </p:txBody>
+      </p:sp>
+      <p:sp>
+        <p:nvSpPr>
+          <p:cNvPr id="5" name="ZoneTexte 4"/>
+          <p:cNvSpPr txBox="1"/>
+          <p:nvPr/>
+        </p:nvSpPr>
+        <p:spPr>
+          <a:xfrm>
+            <a:off x="2786050" y="0"/>
+            <a:ext cx="889987" cy="276999"/>
+          </a:xfrm>
+          <a:prstGeom prst="rect">
+            <a:avLst/>
+          </a:prstGeom>
+          <a:noFill/>
+          <a:ln>
+            <a:noFill/>
+          </a:ln>
+        </p:spPr>
+        <p:txBody>
+          <a:bodyPr wrap="none" rtlCol="0">
+            <a:spAutoFit/>
+          </a:bodyPr>
+          <a:lstStyle/>
+          <a:p>
+            <a:pPr fontAlgn="auto">
+              <a:spcBef>
+                <a:spcPct val="20000"/>
+              </a:spcBef>
+              <a:spcAft>
+                <a:spcPts val="0"/>
+              </a:spcAft>
+            </a:pPr>
+            <a:r>
+              <a:rPr lang="fr-FR" sz="1200" kern="0" dirty="0" smtClean="0">
+                <a:solidFill>
+                  <a:schemeClr val="tx1">
+                    <a:lumMod val="50000"/>
+                    <a:lumOff val="50000"/>
+                  </a:schemeClr>
+                </a:solidFill>
+                <a:latin typeface="+mn-lt"/>
+                <a:cs typeface="+mn-cs"/>
+              </a:rPr>
+              <a:t>ADL </a:t>
+            </a:r>
+            <a:r>
+              <a:rPr lang="fr-FR" sz="1200" kern="0" dirty="0" err="1" smtClean="0">
+                <a:solidFill>
+                  <a:schemeClr val="tx1">
+                    <a:lumMod val="50000"/>
+                    <a:lumOff val="50000"/>
+                  </a:schemeClr>
+                </a:solidFill>
+                <a:latin typeface="+mn-lt"/>
+                <a:cs typeface="+mn-cs"/>
+              </a:rPr>
+              <a:t>Choice</a:t>
+            </a:r>
+            <a:endParaRPr lang="fr-FR" sz="1200" kern="0" dirty="0" smtClean="0">
+              <a:solidFill>
+                <a:schemeClr val="tx1">
+                  <a:lumMod val="50000"/>
+                  <a:lumOff val="50000"/>
+                </a:schemeClr>
+              </a:solidFill>
+              <a:latin typeface="+mn-lt"/>
+              <a:cs typeface="+mn-cs"/>
+            </a:endParaRPr>
+          </a:p>
+        </p:txBody>
+      </p:sp>
+      <p:sp>
+        <p:nvSpPr>
+          <p:cNvPr id="6" name="ZoneTexte 5"/>
+          <p:cNvSpPr txBox="1"/>
+          <p:nvPr/>
+        </p:nvSpPr>
+        <p:spPr>
+          <a:xfrm>
+            <a:off x="4572000" y="0"/>
+            <a:ext cx="1418978" cy="276999"/>
+          </a:xfrm>
+          <a:prstGeom prst="rect">
+            <a:avLst/>
+          </a:prstGeom>
+          <a:noFill/>
+          <a:ln>
+            <a:noFill/>
+          </a:ln>
+        </p:spPr>
+        <p:txBody>
+          <a:bodyPr wrap="none" rtlCol="0">
+            <a:spAutoFit/>
+          </a:bodyPr>
+          <a:lstStyle/>
+          <a:p>
+            <a:pPr marL="0" marR="0" indent="0" algn="l" defTabSz="914400" rtl="0" eaLnBrk="1" fontAlgn="auto" latinLnBrk="0" hangingPunct="1">
+              <a:lnSpc>
+                <a:spcPct val="100000"/>
+              </a:lnSpc>
+              <a:spcBef>
+                <a:spcPct val="20000"/>
+              </a:spcBef>
+              <a:spcAft>
+                <a:spcPts val="0"/>
+              </a:spcAft>
+              <a:buClrTx/>
+              <a:buSzTx/>
+              <a:buFontTx/>
+              <a:buNone/>
+              <a:tabLst/>
+            </a:pPr>
+            <a:r>
+              <a:rPr lang="fr-FR" sz="1200" b="1" u="sng" kern="0" dirty="0" smtClean="0">
+                <a:latin typeface="+mn-lt"/>
+                <a:cs typeface="+mn-cs"/>
+              </a:rPr>
+              <a:t>ACME</a:t>
+            </a:r>
+            <a:r>
+              <a:rPr kumimoji="0" lang="fr-FR" sz="1200" i="0" u="none" strike="noStrike" kern="0" cap="none" spc="0" normalizeH="0" baseline="0" noProof="0" dirty="0" smtClean="0">
+                <a:ln>
+                  <a:noFill/>
+                </a:ln>
+                <a:solidFill>
+                  <a:schemeClr val="tx1">
+                    <a:lumMod val="50000"/>
+                    <a:lumOff val="50000"/>
+                  </a:schemeClr>
+                </a:solidFill>
+                <a:effectLst/>
+                <a:uLnTx/>
+                <a:uFillTx/>
+                <a:latin typeface="+mn-lt"/>
+                <a:ea typeface="+mn-ea"/>
+                <a:cs typeface="+mn-cs"/>
+              </a:rPr>
+              <a:t> </a:t>
+            </a:r>
+            <a:r>
+              <a:rPr lang="fr-FR" sz="1200" b="1" u="sng" kern="0" dirty="0" err="1" smtClean="0">
+                <a:latin typeface="+mn-lt"/>
+                <a:cs typeface="+mn-cs"/>
+              </a:rPr>
+              <a:t>Presentation</a:t>
+            </a:r>
+            <a:endParaRPr lang="fr-FR" sz="1200" b="1" u="sng" kern="0" dirty="0" smtClean="0">
+              <a:latin typeface="+mn-lt"/>
+              <a:cs typeface="+mn-cs"/>
+            </a:endParaRPr>
+          </a:p>
+        </p:txBody>
+      </p:sp>
+      <p:sp>
+        <p:nvSpPr>
+          <p:cNvPr id="7" name="ZoneTexte 6"/>
+          <p:cNvSpPr txBox="1"/>
+          <p:nvPr/>
+        </p:nvSpPr>
+        <p:spPr>
+          <a:xfrm>
+            <a:off x="6786578" y="0"/>
+            <a:ext cx="1382110" cy="276999"/>
+          </a:xfrm>
+          <a:prstGeom prst="rect">
+            <a:avLst/>
+          </a:prstGeom>
+          <a:noFill/>
+          <a:ln>
+            <a:noFill/>
+          </a:ln>
+        </p:spPr>
+        <p:txBody>
+          <a:bodyPr wrap="none" rtlCol="0">
+            <a:spAutoFit/>
+          </a:bodyPr>
+          <a:lstStyle/>
+          <a:p>
+            <a:pPr marL="0" marR="0" indent="0" algn="l" defTabSz="914400" rtl="0" eaLnBrk="1" fontAlgn="auto" latinLnBrk="0" hangingPunct="1">
+              <a:lnSpc>
+                <a:spcPct val="100000"/>
+              </a:lnSpc>
+              <a:spcBef>
+                <a:spcPct val="20000"/>
+              </a:spcBef>
+              <a:spcAft>
+                <a:spcPts val="0"/>
+              </a:spcAft>
+              <a:buClrTx/>
+              <a:buSzTx/>
+              <a:buFontTx/>
+              <a:buNone/>
+              <a:tabLst/>
+            </a:pPr>
+            <a:r>
+              <a:rPr kumimoji="0" lang="fr-FR" sz="1200" i="0" u="none" strike="noStrike" kern="0" cap="none" spc="0" normalizeH="0" baseline="0" noProof="0" dirty="0" smtClean="0">
+                <a:ln>
+                  <a:noFill/>
+                </a:ln>
+                <a:solidFill>
+                  <a:schemeClr val="tx1">
+                    <a:lumMod val="50000"/>
+                    <a:lumOff val="50000"/>
+                  </a:schemeClr>
+                </a:solidFill>
+                <a:effectLst/>
+                <a:uLnTx/>
+                <a:uFillTx/>
+                <a:latin typeface="+mn-lt"/>
+                <a:ea typeface="+mn-ea"/>
+                <a:cs typeface="+mn-cs"/>
+              </a:rPr>
+              <a:t>ATAM introduction</a:t>
+            </a:r>
+          </a:p>
+        </p:txBody>
+      </p:sp>
+      <p:pic>
+        <p:nvPicPr>
+          <p:cNvPr id="8" name="Picture 2" descr="D:\Bureau\ElementsOfAnAcmeDescription.png"/>
+          <p:cNvPicPr>
+            <a:picLocks noChangeAspect="1" noChangeArrowheads="1"/>
+          </p:cNvPicPr>
+          <p:nvPr/>
+        </p:nvPicPr>
+        <p:blipFill>
+          <a:blip r:embed="rId2">
+            <a:clrChange>
+              <a:clrFrom>
+                <a:srgbClr val="FFFFFF"/>
+              </a:clrFrom>
+              <a:clrTo>
+                <a:srgbClr val="FFFFFF">
+                  <a:alpha val="0"/>
+                </a:srgbClr>
+              </a:clrTo>
+            </a:clrChange>
+          </a:blip>
+          <a:srcRect t="8887" b="8908"/>
+          <a:stretch>
+            <a:fillRect/>
+          </a:stretch>
+        </p:blipFill>
+        <p:spPr bwMode="auto">
+          <a:xfrm>
+            <a:off x="3857620" y="2357430"/>
+            <a:ext cx="4572032" cy="1990179"/>
+          </a:xfrm>
+          <a:prstGeom prst="rect">
+            <a:avLst/>
+          </a:prstGeom>
+          <a:noFill/>
+        </p:spPr>
+      </p:pic>
+    </p:spTree>
+  </p:cSld>
+  <p:clrMapOvr>
+    <a:masterClrMapping/>
+  </p:clrMapOvr>
+  <p:timing>
+    <p:tnLst>
+      <p:par>
+        <p:cTn id="1" dur="indefinite" restart="never" nodeType="tmRoot"/>
+      </p:par>
+    </p:tnLst>
+  </p:timing>
+</p:sld>
+</file>
+
+<file path=ppt/slides/slide11.xml><?xml version="1.0" encoding="utf-8"?>
+<p:sld xmlns:a="http://schemas.openxmlformats.org/drawingml/2006/main" xmlns:r="http://schemas.openxmlformats.org/officeDocument/2006/relationships" xmlns:mc="http://schemas.openxmlformats.org/markup-compatibility/2006" xmlns:mv="urn:schemas-microsoft-com:mac:vml" xmlns:p="http://schemas.openxmlformats.org/presentationml/2006/main" mc:Ignorable="mv" mc:PreserveAttributes="mv:*">
+  <p:cSld>
+    <p:spTree>
+      <p:nvGrpSpPr>
+        <p:cNvPr id="1" name=""/>
+        <p:cNvGrpSpPr/>
+        <p:nvPr/>
+      </p:nvGrpSpPr>
+      <p:grpSpPr>
+        <a:xfrm>
+          <a:off x="0" y="0"/>
+          <a:ext cx="0" cy="0"/>
+          <a:chOff x="0" y="0"/>
+          <a:chExt cx="0" cy="0"/>
+        </a:xfrm>
+      </p:grpSpPr>
+      <p:sp>
+        <p:nvSpPr>
+          <p:cNvPr id="2" name="Titre 1"/>
+          <p:cNvSpPr>
+            <a:spLocks noGrp="1"/>
+          </p:cNvSpPr>
+          <p:nvPr>
+            <p:ph type="ctrTitle"/>
+          </p:nvPr>
+        </p:nvSpPr>
+        <p:spPr/>
+        <p:txBody>
+          <a:bodyPr/>
+          <a:lstStyle/>
+          <a:p>
+            <a:r>
+              <a:rPr smtClean="0"/>
+              <a:t>3. Acme description</a:t>
+            </a:r>
+            <a:endParaRPr lang="fr-FR" dirty="0"/>
+          </a:p>
+        </p:txBody>
+      </p:sp>
+      <p:sp>
+        <p:nvSpPr>
+          <p:cNvPr id="3" name="Espace réservé du texte 2"/>
+          <p:cNvSpPr>
+            <a:spLocks noGrp="1"/>
+          </p:cNvSpPr>
+          <p:nvPr>
+            <p:ph type="body" sz="quarter" idx="10"/>
+          </p:nvPr>
+        </p:nvSpPr>
+        <p:spPr/>
+        <p:txBody>
+          <a:bodyPr/>
+          <a:lstStyle/>
+          <a:p>
+            <a:r>
+              <a:rPr smtClean="0"/>
+              <a:t>Component</a:t>
+            </a:r>
+          </a:p>
+          <a:p>
+            <a:pPr lvl="1"/>
+            <a:r>
+              <a:rPr lang="fr-FR" dirty="0" smtClean="0"/>
+              <a:t>P</a:t>
+            </a:r>
+            <a:r>
+              <a:rPr smtClean="0"/>
+              <a:t>rimary computational elements &amp; data stores</a:t>
+            </a:r>
+          </a:p>
+          <a:p>
+            <a:pPr lvl="2"/>
+            <a:r>
+              <a:rPr smtClean="0"/>
+              <a:t>Filter</a:t>
+            </a:r>
+          </a:p>
+          <a:p>
+            <a:pPr lvl="2"/>
+            <a:r>
+              <a:rPr smtClean="0"/>
+              <a:t>Object</a:t>
+            </a:r>
+          </a:p>
+          <a:p>
+            <a:pPr lvl="2"/>
+            <a:r>
+              <a:rPr smtClean="0"/>
+              <a:t>Client/Server</a:t>
+            </a:r>
+          </a:p>
+          <a:p>
+            <a:pPr lvl="2"/>
+            <a:r>
+              <a:rPr smtClean="0"/>
+              <a:t>Database</a:t>
+            </a:r>
+          </a:p>
+          <a:p>
+            <a:pPr lvl="2"/>
+            <a:r>
+              <a:rPr smtClean="0"/>
+              <a:t>Black board</a:t>
+            </a:r>
+          </a:p>
+          <a:p>
+            <a:pPr lvl="2"/>
+            <a:endParaRPr smtClean="0"/>
+          </a:p>
+          <a:p>
+            <a:pPr lvl="2"/>
+            <a:endParaRPr smtClean="0"/>
+          </a:p>
+          <a:p>
+            <a:endParaRPr smtClean="0"/>
+          </a:p>
+          <a:p>
+            <a:r>
+              <a:rPr smtClean="0"/>
+              <a:t>Connectors</a:t>
+            </a:r>
+          </a:p>
+          <a:p>
+            <a:pPr lvl="1"/>
+            <a:r>
+              <a:rPr smtClean="0"/>
+              <a:t>Interaction among components</a:t>
+            </a:r>
+          </a:p>
+          <a:p>
+            <a:pPr lvl="1"/>
+            <a:r>
+              <a:rPr smtClean="0"/>
+              <a:t>Communication &amp; coordination among components</a:t>
+            </a:r>
+          </a:p>
+        </p:txBody>
+      </p:sp>
+      <p:sp>
+        <p:nvSpPr>
+          <p:cNvPr id="6" name="Rectangle 5"/>
+          <p:cNvSpPr/>
+          <p:nvPr/>
+        </p:nvSpPr>
+        <p:spPr>
+          <a:xfrm>
+            <a:off x="6929454" y="1643050"/>
+            <a:ext cx="1857388" cy="1071570"/>
+          </a:xfrm>
+          <a:prstGeom prst="rect">
+            <a:avLst/>
+          </a:prstGeom>
+          <a:effectLst>
+            <a:outerShdw blurRad="50800" dist="38100" dir="2700000" algn="tl" rotWithShape="0">
+              <a:prstClr val="black">
+                <a:alpha val="40000"/>
+              </a:prstClr>
+            </a:outerShdw>
+          </a:effectLst>
+        </p:spPr>
+        <p:style>
+          <a:lnRef idx="2">
+            <a:schemeClr val="accent6"/>
+          </a:lnRef>
+          <a:fillRef idx="1">
+            <a:schemeClr val="lt1"/>
+          </a:fillRef>
+          <a:effectRef idx="0">
+            <a:schemeClr val="accent6"/>
+          </a:effectRef>
+          <a:fontRef idx="minor">
+            <a:schemeClr val="dk1"/>
+          </a:fontRef>
+        </p:style>
+        <p:txBody>
+          <a:bodyPr rtlCol="0" anchor="ctr"/>
+          <a:lstStyle/>
+          <a:p>
+            <a:pPr algn="ctr"/>
+            <a:r>
+              <a:rPr lang="fr-FR" dirty="0" smtClean="0"/>
+              <a:t>Component</a:t>
+            </a:r>
+            <a:endParaRPr lang="fr-FR" dirty="0"/>
+          </a:p>
+        </p:txBody>
+      </p:sp>
+      <p:sp>
+        <p:nvSpPr>
+          <p:cNvPr id="7" name="Flèche droite 6"/>
+          <p:cNvSpPr/>
+          <p:nvPr/>
+        </p:nvSpPr>
+        <p:spPr>
+          <a:xfrm>
+            <a:off x="6929454" y="4786322"/>
+            <a:ext cx="1785950" cy="642942"/>
+          </a:xfrm>
+          <a:prstGeom prst="rightArrow">
+            <a:avLst/>
+          </a:prstGeom>
+          <a:effectLst>
+            <a:outerShdw blurRad="50800" dist="38100" dir="2700000" algn="tl" rotWithShape="0">
+              <a:prstClr val="black">
+                <a:alpha val="40000"/>
+              </a:prstClr>
+            </a:outerShdw>
+          </a:effectLst>
+        </p:spPr>
+        <p:style>
+          <a:lnRef idx="2">
+            <a:schemeClr val="accent6"/>
+          </a:lnRef>
+          <a:fillRef idx="1">
+            <a:schemeClr val="lt1"/>
+          </a:fillRef>
+          <a:effectRef idx="0">
+            <a:schemeClr val="accent6"/>
+          </a:effectRef>
+          <a:fontRef idx="minor">
+            <a:schemeClr val="dk1"/>
+          </a:fontRef>
+        </p:style>
+        <p:txBody>
+          <a:bodyPr rtlCol="0" anchor="ctr"/>
+          <a:lstStyle/>
+          <a:p>
+            <a:pPr algn="ctr"/>
+            <a:r>
+              <a:rPr lang="fr-FR" dirty="0" err="1" smtClean="0"/>
+              <a:t>Connector</a:t>
+            </a:r>
+            <a:endParaRPr lang="fr-FR" dirty="0"/>
+          </a:p>
+        </p:txBody>
+      </p:sp>
+      <p:sp>
+        <p:nvSpPr>
+          <p:cNvPr id="8" name="ZoneTexte 7"/>
+          <p:cNvSpPr txBox="1"/>
+          <p:nvPr/>
+        </p:nvSpPr>
+        <p:spPr>
+          <a:xfrm>
+            <a:off x="500034" y="0"/>
+            <a:ext cx="1558440" cy="276999"/>
+          </a:xfrm>
+          <a:prstGeom prst="rect">
+            <a:avLst/>
+          </a:prstGeom>
+          <a:noFill/>
+          <a:ln>
+            <a:noFill/>
+          </a:ln>
+        </p:spPr>
+        <p:txBody>
+          <a:bodyPr wrap="none" rtlCol="0">
+            <a:spAutoFit/>
+          </a:bodyPr>
+          <a:lstStyle/>
+          <a:p>
+            <a:pPr marL="0" marR="0" indent="0" algn="l" defTabSz="914400" rtl="0" eaLnBrk="1" fontAlgn="auto" latinLnBrk="0" hangingPunct="1">
+              <a:lnSpc>
+                <a:spcPct val="100000"/>
+              </a:lnSpc>
+              <a:spcBef>
+                <a:spcPct val="20000"/>
+              </a:spcBef>
+              <a:spcAft>
+                <a:spcPts val="0"/>
+              </a:spcAft>
+              <a:buClrTx/>
+              <a:buSzTx/>
+              <a:buFontTx/>
+              <a:buNone/>
+              <a:tabLst/>
+            </a:pPr>
+            <a:r>
+              <a:rPr lang="fr-FR" sz="1200" kern="0" dirty="0" err="1" smtClean="0">
+                <a:solidFill>
+                  <a:schemeClr val="tx1">
+                    <a:lumMod val="50000"/>
+                    <a:lumOff val="50000"/>
+                  </a:schemeClr>
+                </a:solidFill>
+                <a:latin typeface="+mn-lt"/>
+                <a:cs typeface="+mn-cs"/>
+              </a:rPr>
+              <a:t>Why</a:t>
+            </a:r>
+            <a:r>
+              <a:rPr lang="fr-FR" sz="1200" kern="0" dirty="0" smtClean="0">
+                <a:solidFill>
+                  <a:schemeClr val="tx1">
+                    <a:lumMod val="50000"/>
+                    <a:lumOff val="50000"/>
+                  </a:schemeClr>
+                </a:solidFill>
+                <a:latin typeface="+mn-lt"/>
+                <a:cs typeface="+mn-cs"/>
+              </a:rPr>
+              <a:t> do </a:t>
+            </a:r>
+            <a:r>
+              <a:rPr lang="fr-FR" sz="1200" kern="0" dirty="0" err="1" smtClean="0">
+                <a:solidFill>
+                  <a:schemeClr val="tx1">
+                    <a:lumMod val="50000"/>
+                    <a:lumOff val="50000"/>
+                  </a:schemeClr>
+                </a:solidFill>
+                <a:latin typeface="+mn-lt"/>
+                <a:cs typeface="+mn-cs"/>
+              </a:rPr>
+              <a:t>we</a:t>
+            </a:r>
+            <a:r>
+              <a:rPr lang="fr-FR" sz="1200" kern="0" dirty="0" smtClean="0">
+                <a:solidFill>
+                  <a:schemeClr val="tx1">
+                    <a:lumMod val="50000"/>
+                    <a:lumOff val="50000"/>
+                  </a:schemeClr>
+                </a:solidFill>
+                <a:latin typeface="+mn-lt"/>
+                <a:cs typeface="+mn-cs"/>
+              </a:rPr>
+              <a:t> use </a:t>
+            </a:r>
+            <a:r>
+              <a:rPr lang="fr-FR" sz="1200" kern="0" dirty="0" err="1" smtClean="0">
+                <a:solidFill>
+                  <a:schemeClr val="tx1">
+                    <a:lumMod val="50000"/>
+                    <a:lumOff val="50000"/>
+                  </a:schemeClr>
+                </a:solidFill>
+                <a:latin typeface="+mn-lt"/>
+                <a:cs typeface="+mn-cs"/>
+              </a:rPr>
+              <a:t>ADLs</a:t>
+            </a:r>
+            <a:r>
+              <a:rPr lang="fr-FR" sz="1200" kern="0" dirty="0" smtClean="0">
+                <a:solidFill>
+                  <a:schemeClr val="tx1">
+                    <a:lumMod val="50000"/>
+                    <a:lumOff val="50000"/>
+                  </a:schemeClr>
+                </a:solidFill>
+                <a:latin typeface="+mn-lt"/>
+                <a:cs typeface="+mn-cs"/>
+              </a:rPr>
+              <a:t>?</a:t>
+            </a:r>
+            <a:endParaRPr kumimoji="0" lang="fr-FR" sz="1200" b="1" i="0" u="sng" strike="noStrike" kern="0" cap="none" spc="0" normalizeH="0" baseline="0" noProof="0" dirty="0" smtClean="0">
+              <a:ln>
+                <a:noFill/>
+              </a:ln>
+              <a:effectLst/>
+              <a:uLnTx/>
+              <a:uFillTx/>
+              <a:latin typeface="+mn-lt"/>
+              <a:ea typeface="+mn-ea"/>
+              <a:cs typeface="+mn-cs"/>
+            </a:endParaRPr>
+          </a:p>
+        </p:txBody>
+      </p:sp>
+      <p:sp>
+        <p:nvSpPr>
+          <p:cNvPr id="9" name="ZoneTexte 8"/>
+          <p:cNvSpPr txBox="1"/>
+          <p:nvPr/>
+        </p:nvSpPr>
+        <p:spPr>
+          <a:xfrm>
+            <a:off x="2786050" y="0"/>
+            <a:ext cx="889987" cy="276999"/>
+          </a:xfrm>
+          <a:prstGeom prst="rect">
+            <a:avLst/>
+          </a:prstGeom>
+          <a:noFill/>
+          <a:ln>
+            <a:noFill/>
+          </a:ln>
+        </p:spPr>
+        <p:txBody>
+          <a:bodyPr wrap="none" rtlCol="0">
+            <a:spAutoFit/>
+          </a:bodyPr>
+          <a:lstStyle/>
+          <a:p>
+            <a:pPr fontAlgn="auto">
+              <a:spcBef>
+                <a:spcPct val="20000"/>
+              </a:spcBef>
+              <a:spcAft>
+                <a:spcPts val="0"/>
+              </a:spcAft>
+            </a:pPr>
+            <a:r>
+              <a:rPr lang="fr-FR" sz="1200" kern="0" dirty="0" smtClean="0">
+                <a:solidFill>
+                  <a:schemeClr val="tx1">
+                    <a:lumMod val="50000"/>
+                    <a:lumOff val="50000"/>
+                  </a:schemeClr>
+                </a:solidFill>
+                <a:latin typeface="+mn-lt"/>
+                <a:cs typeface="+mn-cs"/>
+              </a:rPr>
+              <a:t>ADL </a:t>
+            </a:r>
+            <a:r>
+              <a:rPr lang="fr-FR" sz="1200" kern="0" dirty="0" err="1" smtClean="0">
+                <a:solidFill>
+                  <a:schemeClr val="tx1">
+                    <a:lumMod val="50000"/>
+                    <a:lumOff val="50000"/>
+                  </a:schemeClr>
+                </a:solidFill>
+                <a:latin typeface="+mn-lt"/>
+                <a:cs typeface="+mn-cs"/>
+              </a:rPr>
+              <a:t>Choice</a:t>
+            </a:r>
+            <a:endParaRPr lang="fr-FR" sz="1200" kern="0" dirty="0" smtClean="0">
+              <a:solidFill>
+                <a:schemeClr val="tx1">
+                  <a:lumMod val="50000"/>
+                  <a:lumOff val="50000"/>
+                </a:schemeClr>
+              </a:solidFill>
+              <a:latin typeface="+mn-lt"/>
+              <a:cs typeface="+mn-cs"/>
+            </a:endParaRPr>
+          </a:p>
+        </p:txBody>
+      </p:sp>
+      <p:sp>
+        <p:nvSpPr>
+          <p:cNvPr id="10" name="ZoneTexte 9"/>
+          <p:cNvSpPr txBox="1"/>
+          <p:nvPr/>
+        </p:nvSpPr>
+        <p:spPr>
+          <a:xfrm>
+            <a:off x="4572000" y="0"/>
+            <a:ext cx="1418978" cy="276999"/>
+          </a:xfrm>
+          <a:prstGeom prst="rect">
+            <a:avLst/>
+          </a:prstGeom>
+          <a:noFill/>
+          <a:ln>
+            <a:noFill/>
+          </a:ln>
+        </p:spPr>
+        <p:txBody>
+          <a:bodyPr wrap="none" rtlCol="0">
+            <a:spAutoFit/>
+          </a:bodyPr>
+          <a:lstStyle/>
+          <a:p>
+            <a:pPr marL="0" marR="0" indent="0" algn="l" defTabSz="914400" rtl="0" eaLnBrk="1" fontAlgn="auto" latinLnBrk="0" hangingPunct="1">
+              <a:lnSpc>
+                <a:spcPct val="100000"/>
+              </a:lnSpc>
+              <a:spcBef>
+                <a:spcPct val="20000"/>
+              </a:spcBef>
+              <a:spcAft>
+                <a:spcPts val="0"/>
+              </a:spcAft>
+              <a:buClrTx/>
+              <a:buSzTx/>
+              <a:buFontTx/>
+              <a:buNone/>
+              <a:tabLst/>
+            </a:pPr>
+            <a:r>
+              <a:rPr lang="fr-FR" sz="1200" b="1" u="sng" kern="0" dirty="0" smtClean="0">
+                <a:latin typeface="+mn-lt"/>
+                <a:cs typeface="+mn-cs"/>
+              </a:rPr>
+              <a:t>ACME</a:t>
+            </a:r>
+            <a:r>
+              <a:rPr kumimoji="0" lang="fr-FR" sz="1200" i="0" u="none" strike="noStrike" kern="0" cap="none" spc="0" normalizeH="0" baseline="0" noProof="0" dirty="0" smtClean="0">
+                <a:ln>
+                  <a:noFill/>
+                </a:ln>
+                <a:solidFill>
+                  <a:schemeClr val="tx1">
+                    <a:lumMod val="50000"/>
+                    <a:lumOff val="50000"/>
+                  </a:schemeClr>
+                </a:solidFill>
+                <a:effectLst/>
+                <a:uLnTx/>
+                <a:uFillTx/>
+                <a:latin typeface="+mn-lt"/>
+                <a:ea typeface="+mn-ea"/>
+                <a:cs typeface="+mn-cs"/>
+              </a:rPr>
+              <a:t> </a:t>
+            </a:r>
+            <a:r>
+              <a:rPr lang="fr-FR" sz="1200" b="1" u="sng" kern="0" dirty="0" err="1" smtClean="0">
+                <a:latin typeface="+mn-lt"/>
+                <a:cs typeface="+mn-cs"/>
+              </a:rPr>
+              <a:t>Presentation</a:t>
+            </a:r>
+            <a:endParaRPr lang="fr-FR" sz="1200" b="1" u="sng" kern="0" dirty="0" smtClean="0">
+              <a:latin typeface="+mn-lt"/>
+              <a:cs typeface="+mn-cs"/>
+            </a:endParaRPr>
+          </a:p>
+        </p:txBody>
+      </p:sp>
+      <p:sp>
+        <p:nvSpPr>
+          <p:cNvPr id="11" name="ZoneTexte 10"/>
+          <p:cNvSpPr txBox="1"/>
+          <p:nvPr/>
+        </p:nvSpPr>
+        <p:spPr>
+          <a:xfrm>
+            <a:off x="6786578" y="0"/>
+            <a:ext cx="1382110" cy="276999"/>
+          </a:xfrm>
+          <a:prstGeom prst="rect">
+            <a:avLst/>
+          </a:prstGeom>
+          <a:noFill/>
+          <a:ln>
+            <a:noFill/>
+          </a:ln>
+        </p:spPr>
+        <p:txBody>
+          <a:bodyPr wrap="none" rtlCol="0">
+            <a:spAutoFit/>
+          </a:bodyPr>
+          <a:lstStyle/>
+          <a:p>
+            <a:pPr marL="0" marR="0" indent="0" algn="l" defTabSz="914400" rtl="0" eaLnBrk="1" fontAlgn="auto" latinLnBrk="0" hangingPunct="1">
+              <a:lnSpc>
+                <a:spcPct val="100000"/>
+              </a:lnSpc>
+              <a:spcBef>
+                <a:spcPct val="20000"/>
+              </a:spcBef>
+              <a:spcAft>
+                <a:spcPts val="0"/>
+              </a:spcAft>
+              <a:buClrTx/>
+              <a:buSzTx/>
+              <a:buFontTx/>
+              <a:buNone/>
+              <a:tabLst/>
+            </a:pPr>
+            <a:r>
+              <a:rPr kumimoji="0" lang="fr-FR" sz="1200" i="0" u="none" strike="noStrike" kern="0" cap="none" spc="0" normalizeH="0" baseline="0" noProof="0" dirty="0" smtClean="0">
+                <a:ln>
+                  <a:noFill/>
+                </a:ln>
+                <a:solidFill>
+                  <a:schemeClr val="tx1">
+                    <a:lumMod val="50000"/>
+                    <a:lumOff val="50000"/>
+                  </a:schemeClr>
+                </a:solidFill>
+                <a:effectLst/>
+                <a:uLnTx/>
+                <a:uFillTx/>
+                <a:latin typeface="+mn-lt"/>
+                <a:ea typeface="+mn-ea"/>
+                <a:cs typeface="+mn-cs"/>
+              </a:rPr>
+              <a:t>ATAM introduction</a:t>
+            </a:r>
+          </a:p>
+        </p:txBody>
+      </p:sp>
+    </p:spTree>
+  </p:cSld>
+  <p:clrMapOvr>
+    <a:masterClrMapping/>
+  </p:clrMapOvr>
+  <p:timing>
+    <p:tnLst>
+      <p:par>
+        <p:cTn id="1" dur="indefinite" restart="never" nodeType="tmRoot"/>
+      </p:par>
+    </p:tnLst>
+  </p:timing>
+</p:sld>
+</file>
+
+<file path=ppt/slides/slide12.xml><?xml version="1.0" encoding="utf-8"?>
+<p:sld xmlns:a="http://schemas.openxmlformats.org/drawingml/2006/main" xmlns:r="http://schemas.openxmlformats.org/officeDocument/2006/relationships" xmlns:mc="http://schemas.openxmlformats.org/markup-compatibility/2006" xmlns:mv="urn:schemas-microsoft-com:mac:vml" xmlns:p="http://schemas.openxmlformats.org/presentationml/2006/main" mc:Ignorable="mv" mc:PreserveAttributes="mv:*">
+  <p:cSld>
+    <p:spTree>
+      <p:nvGrpSpPr>
+        <p:cNvPr id="1" name=""/>
+        <p:cNvGrpSpPr/>
+        <p:nvPr/>
+      </p:nvGrpSpPr>
+      <p:grpSpPr>
+        <a:xfrm>
+          <a:off x="0" y="0"/>
+          <a:ext cx="0" cy="0"/>
+          <a:chOff x="0" y="0"/>
+          <a:chExt cx="0" cy="0"/>
+        </a:xfrm>
+      </p:grpSpPr>
+      <p:sp>
+        <p:nvSpPr>
           <p:cNvPr id="18" name="Ellipse 17"/>
           <p:cNvSpPr/>
           <p:nvPr/>
@@ -5045,7 +6234,7 @@
 </p:sld>
 </file>
 
-<file path=ppt/slides/slide11.xml><?xml version="1.0" encoding="utf-8"?>
+<file path=ppt/slides/slide13.xml><?xml version="1.0" encoding="utf-8"?>
 <p:sld xmlns:a="http://schemas.openxmlformats.org/drawingml/2006/main" xmlns:r="http://schemas.openxmlformats.org/officeDocument/2006/relationships" xmlns:mc="http://schemas.openxmlformats.org/markup-compatibility/2006" xmlns:mv="urn:schemas-microsoft-com:mac:vml" xmlns:p="http://schemas.openxmlformats.org/presentationml/2006/main" mc:Ignorable="mv" mc:PreserveAttributes="mv:*">
   <p:cSld>
     <p:spTree>
@@ -6151,7 +7340,7 @@
 </p:sld>
 </file>
 
-<file path=ppt/slides/slide12.xml><?xml version="1.0" encoding="utf-8"?>
+<file path=ppt/slides/slide14.xml><?xml version="1.0" encoding="utf-8"?>
 <p:sld xmlns:a="http://schemas.openxmlformats.org/drawingml/2006/main" xmlns:r="http://schemas.openxmlformats.org/officeDocument/2006/relationships" xmlns:mc="http://schemas.openxmlformats.org/markup-compatibility/2006" xmlns:mv="urn:schemas-microsoft-com:mac:vml" xmlns:p="http://schemas.openxmlformats.org/presentationml/2006/main" mc:Ignorable="mv" mc:PreserveAttributes="mv:*">
   <p:cSld>
     <p:spTree>
@@ -6668,7 +7857,7 @@
 </p:sld>
 </file>
 
-<file path=ppt/slides/slide13.xml><?xml version="1.0" encoding="utf-8"?>
+<file path=ppt/slides/slide15.xml><?xml version="1.0" encoding="utf-8"?>
 <p:sld xmlns:a="http://schemas.openxmlformats.org/drawingml/2006/main" xmlns:r="http://schemas.openxmlformats.org/officeDocument/2006/relationships" xmlns:mc="http://schemas.openxmlformats.org/markup-compatibility/2006" xmlns:mv="urn:schemas-microsoft-com:mac:vml" xmlns:p="http://schemas.openxmlformats.org/presentationml/2006/main" mc:Ignorable="mv" mc:PreserveAttributes="mv:*">
   <p:cSld>
     <p:spTree>
@@ -7168,561 +8357,6 @@
 </p:sld>
 </file>
 
-<file path=ppt/slides/slide14.xml><?xml version="1.0" encoding="utf-8"?>
-<p:sld xmlns:a="http://schemas.openxmlformats.org/drawingml/2006/main" xmlns:r="http://schemas.openxmlformats.org/officeDocument/2006/relationships" xmlns:mc="http://schemas.openxmlformats.org/markup-compatibility/2006" xmlns:mv="urn:schemas-microsoft-com:mac:vml" xmlns:p="http://schemas.openxmlformats.org/presentationml/2006/main" mc:Ignorable="mv" mc:PreserveAttributes="mv:*">
-  <p:cSld>
-    <p:spTree>
-      <p:nvGrpSpPr>
-        <p:cNvPr id="1" name=""/>
-        <p:cNvGrpSpPr/>
-        <p:nvPr/>
-      </p:nvGrpSpPr>
-      <p:grpSpPr>
-        <a:xfrm>
-          <a:off x="0" y="0"/>
-          <a:ext cx="0" cy="0"/>
-          <a:chOff x="0" y="0"/>
-          <a:chExt cx="0" cy="0"/>
-        </a:xfrm>
-      </p:grpSpPr>
-      <p:sp>
-        <p:nvSpPr>
-          <p:cNvPr id="2" name="Titre 1"/>
-          <p:cNvSpPr>
-            <a:spLocks noGrp="1"/>
-          </p:cNvSpPr>
-          <p:nvPr>
-            <p:ph type="ctrTitle"/>
-          </p:nvPr>
-        </p:nvSpPr>
-        <p:spPr/>
-        <p:txBody>
-          <a:bodyPr/>
-          <a:lstStyle/>
-          <a:p>
-            <a:r>
-              <a:rPr lang="fr-FR" dirty="0" smtClean="0"/>
-              <a:t>3. A</a:t>
-            </a:r>
-            <a:r>
-              <a:rPr smtClean="0"/>
-              <a:t>cme language</a:t>
-            </a:r>
-            <a:endParaRPr lang="fr-FR" dirty="0"/>
-          </a:p>
-        </p:txBody>
-      </p:sp>
-      <p:sp>
-        <p:nvSpPr>
-          <p:cNvPr id="3" name="Espace réservé du texte 2"/>
-          <p:cNvSpPr>
-            <a:spLocks noGrp="1"/>
-          </p:cNvSpPr>
-          <p:nvPr>
-            <p:ph type="body" sz="quarter" idx="10"/>
-          </p:nvPr>
-        </p:nvSpPr>
-        <p:spPr/>
-        <p:txBody>
-          <a:bodyPr/>
-          <a:lstStyle/>
-          <a:p>
-            <a:r>
-              <a:rPr smtClean="0"/>
-              <a:t>Language is based on </a:t>
-            </a:r>
-          </a:p>
-          <a:p>
-            <a:pPr lvl="1"/>
-            <a:r>
-              <a:rPr smtClean="0"/>
-              <a:t>First order predicate logic </a:t>
-            </a:r>
-          </a:p>
-          <a:p>
-            <a:pPr lvl="1"/>
-            <a:r>
-              <a:rPr smtClean="0"/>
-              <a:t>Rules checking if architectural model is well formed</a:t>
-            </a:r>
-          </a:p>
-          <a:p>
-            <a:endParaRPr smtClean="0"/>
-          </a:p>
-          <a:p>
-            <a:r>
-              <a:rPr smtClean="0"/>
-              <a:t>Rules can be defined</a:t>
-            </a:r>
-          </a:p>
-          <a:p>
-            <a:pPr lvl="1"/>
-            <a:r>
-              <a:rPr smtClean="0"/>
-              <a:t>By the style designer</a:t>
-            </a:r>
-          </a:p>
-          <a:p>
-            <a:pPr lvl="1"/>
-            <a:r>
-              <a:rPr smtClean="0"/>
-              <a:t>By ourself</a:t>
-            </a:r>
-          </a:p>
-          <a:p>
-            <a:pPr lvl="1"/>
-            <a:endParaRPr smtClean="0"/>
-          </a:p>
-          <a:p>
-            <a:r>
-              <a:rPr smtClean="0"/>
-              <a:t>2 types of rules</a:t>
-            </a:r>
-          </a:p>
-          <a:p>
-            <a:pPr lvl="1"/>
-            <a:r>
-              <a:rPr smtClean="0"/>
-              <a:t>Invariant : violations of which are errors</a:t>
-            </a:r>
-          </a:p>
-          <a:p>
-            <a:pPr lvl="1"/>
-            <a:r>
-              <a:rPr smtClean="0"/>
-              <a:t>Heuristics : violations of which leads to warnings</a:t>
-            </a:r>
-            <a:endParaRPr lang="fr-FR" dirty="0"/>
-          </a:p>
-        </p:txBody>
-      </p:sp>
-      <p:sp>
-        <p:nvSpPr>
-          <p:cNvPr id="4" name="ZoneTexte 3"/>
-          <p:cNvSpPr txBox="1"/>
-          <p:nvPr/>
-        </p:nvSpPr>
-        <p:spPr>
-          <a:xfrm>
-            <a:off x="500034" y="0"/>
-            <a:ext cx="1558440" cy="276999"/>
-          </a:xfrm>
-          <a:prstGeom prst="rect">
-            <a:avLst/>
-          </a:prstGeom>
-          <a:noFill/>
-          <a:ln>
-            <a:noFill/>
-          </a:ln>
-        </p:spPr>
-        <p:txBody>
-          <a:bodyPr wrap="none" rtlCol="0">
-            <a:spAutoFit/>
-          </a:bodyPr>
-          <a:lstStyle/>
-          <a:p>
-            <a:pPr marL="0" marR="0" indent="0" algn="l" defTabSz="914400" rtl="0" eaLnBrk="1" fontAlgn="auto" latinLnBrk="0" hangingPunct="1">
-              <a:lnSpc>
-                <a:spcPct val="100000"/>
-              </a:lnSpc>
-              <a:spcBef>
-                <a:spcPct val="20000"/>
-              </a:spcBef>
-              <a:spcAft>
-                <a:spcPts val="0"/>
-              </a:spcAft>
-              <a:buClrTx/>
-              <a:buSzTx/>
-              <a:buFontTx/>
-              <a:buNone/>
-              <a:tabLst/>
-            </a:pPr>
-            <a:r>
-              <a:rPr lang="fr-FR" sz="1200" kern="0" dirty="0" err="1" smtClean="0">
-                <a:solidFill>
-                  <a:schemeClr val="tx1">
-                    <a:lumMod val="50000"/>
-                    <a:lumOff val="50000"/>
-                  </a:schemeClr>
-                </a:solidFill>
-                <a:latin typeface="+mn-lt"/>
-                <a:cs typeface="+mn-cs"/>
-              </a:rPr>
-              <a:t>Why</a:t>
-            </a:r>
-            <a:r>
-              <a:rPr lang="fr-FR" sz="1200" kern="0" dirty="0" smtClean="0">
-                <a:solidFill>
-                  <a:schemeClr val="tx1">
-                    <a:lumMod val="50000"/>
-                    <a:lumOff val="50000"/>
-                  </a:schemeClr>
-                </a:solidFill>
-                <a:latin typeface="+mn-lt"/>
-                <a:cs typeface="+mn-cs"/>
-              </a:rPr>
-              <a:t> do </a:t>
-            </a:r>
-            <a:r>
-              <a:rPr lang="fr-FR" sz="1200" kern="0" dirty="0" err="1" smtClean="0">
-                <a:solidFill>
-                  <a:schemeClr val="tx1">
-                    <a:lumMod val="50000"/>
-                    <a:lumOff val="50000"/>
-                  </a:schemeClr>
-                </a:solidFill>
-                <a:latin typeface="+mn-lt"/>
-                <a:cs typeface="+mn-cs"/>
-              </a:rPr>
-              <a:t>we</a:t>
-            </a:r>
-            <a:r>
-              <a:rPr lang="fr-FR" sz="1200" kern="0" dirty="0" smtClean="0">
-                <a:solidFill>
-                  <a:schemeClr val="tx1">
-                    <a:lumMod val="50000"/>
-                    <a:lumOff val="50000"/>
-                  </a:schemeClr>
-                </a:solidFill>
-                <a:latin typeface="+mn-lt"/>
-                <a:cs typeface="+mn-cs"/>
-              </a:rPr>
-              <a:t> use </a:t>
-            </a:r>
-            <a:r>
-              <a:rPr lang="fr-FR" sz="1200" kern="0" dirty="0" err="1" smtClean="0">
-                <a:solidFill>
-                  <a:schemeClr val="tx1">
-                    <a:lumMod val="50000"/>
-                    <a:lumOff val="50000"/>
-                  </a:schemeClr>
-                </a:solidFill>
-                <a:latin typeface="+mn-lt"/>
-                <a:cs typeface="+mn-cs"/>
-              </a:rPr>
-              <a:t>ADLs</a:t>
-            </a:r>
-            <a:r>
-              <a:rPr lang="fr-FR" sz="1200" kern="0" dirty="0" smtClean="0">
-                <a:solidFill>
-                  <a:schemeClr val="tx1">
-                    <a:lumMod val="50000"/>
-                    <a:lumOff val="50000"/>
-                  </a:schemeClr>
-                </a:solidFill>
-                <a:latin typeface="+mn-lt"/>
-                <a:cs typeface="+mn-cs"/>
-              </a:rPr>
-              <a:t>?</a:t>
-            </a:r>
-            <a:endParaRPr kumimoji="0" lang="fr-FR" sz="1200" b="1" i="0" u="sng" strike="noStrike" kern="0" cap="none" spc="0" normalizeH="0" baseline="0" noProof="0" dirty="0" smtClean="0">
-              <a:ln>
-                <a:noFill/>
-              </a:ln>
-              <a:effectLst/>
-              <a:uLnTx/>
-              <a:uFillTx/>
-              <a:latin typeface="+mn-lt"/>
-              <a:ea typeface="+mn-ea"/>
-              <a:cs typeface="+mn-cs"/>
-            </a:endParaRPr>
-          </a:p>
-        </p:txBody>
-      </p:sp>
-      <p:sp>
-        <p:nvSpPr>
-          <p:cNvPr id="5" name="ZoneTexte 4"/>
-          <p:cNvSpPr txBox="1"/>
-          <p:nvPr/>
-        </p:nvSpPr>
-        <p:spPr>
-          <a:xfrm>
-            <a:off x="2786050" y="0"/>
-            <a:ext cx="889987" cy="276999"/>
-          </a:xfrm>
-          <a:prstGeom prst="rect">
-            <a:avLst/>
-          </a:prstGeom>
-          <a:noFill/>
-          <a:ln>
-            <a:noFill/>
-          </a:ln>
-        </p:spPr>
-        <p:txBody>
-          <a:bodyPr wrap="none" rtlCol="0">
-            <a:spAutoFit/>
-          </a:bodyPr>
-          <a:lstStyle/>
-          <a:p>
-            <a:pPr fontAlgn="auto">
-              <a:spcBef>
-                <a:spcPct val="20000"/>
-              </a:spcBef>
-              <a:spcAft>
-                <a:spcPts val="0"/>
-              </a:spcAft>
-            </a:pPr>
-            <a:r>
-              <a:rPr lang="fr-FR" sz="1200" kern="0" dirty="0" smtClean="0">
-                <a:solidFill>
-                  <a:schemeClr val="tx1">
-                    <a:lumMod val="50000"/>
-                    <a:lumOff val="50000"/>
-                  </a:schemeClr>
-                </a:solidFill>
-                <a:latin typeface="+mn-lt"/>
-                <a:cs typeface="+mn-cs"/>
-              </a:rPr>
-              <a:t>ADL </a:t>
-            </a:r>
-            <a:r>
-              <a:rPr lang="fr-FR" sz="1200" kern="0" dirty="0" err="1" smtClean="0">
-                <a:solidFill>
-                  <a:schemeClr val="tx1">
-                    <a:lumMod val="50000"/>
-                    <a:lumOff val="50000"/>
-                  </a:schemeClr>
-                </a:solidFill>
-                <a:latin typeface="+mn-lt"/>
-                <a:cs typeface="+mn-cs"/>
-              </a:rPr>
-              <a:t>Choice</a:t>
-            </a:r>
-            <a:endParaRPr lang="fr-FR" sz="1200" kern="0" dirty="0" smtClean="0">
-              <a:solidFill>
-                <a:schemeClr val="tx1">
-                  <a:lumMod val="50000"/>
-                  <a:lumOff val="50000"/>
-                </a:schemeClr>
-              </a:solidFill>
-              <a:latin typeface="+mn-lt"/>
-              <a:cs typeface="+mn-cs"/>
-            </a:endParaRPr>
-          </a:p>
-        </p:txBody>
-      </p:sp>
-      <p:sp>
-        <p:nvSpPr>
-          <p:cNvPr id="6" name="ZoneTexte 5"/>
-          <p:cNvSpPr txBox="1"/>
-          <p:nvPr/>
-        </p:nvSpPr>
-        <p:spPr>
-          <a:xfrm>
-            <a:off x="4572000" y="0"/>
-            <a:ext cx="1418978" cy="276999"/>
-          </a:xfrm>
-          <a:prstGeom prst="rect">
-            <a:avLst/>
-          </a:prstGeom>
-          <a:noFill/>
-          <a:ln>
-            <a:noFill/>
-          </a:ln>
-        </p:spPr>
-        <p:txBody>
-          <a:bodyPr wrap="none" rtlCol="0">
-            <a:spAutoFit/>
-          </a:bodyPr>
-          <a:lstStyle/>
-          <a:p>
-            <a:pPr marL="0" marR="0" indent="0" algn="l" defTabSz="914400" rtl="0" eaLnBrk="1" fontAlgn="auto" latinLnBrk="0" hangingPunct="1">
-              <a:lnSpc>
-                <a:spcPct val="100000"/>
-              </a:lnSpc>
-              <a:spcBef>
-                <a:spcPct val="20000"/>
-              </a:spcBef>
-              <a:spcAft>
-                <a:spcPts val="0"/>
-              </a:spcAft>
-              <a:buClrTx/>
-              <a:buSzTx/>
-              <a:buFontTx/>
-              <a:buNone/>
-              <a:tabLst/>
-            </a:pPr>
-            <a:r>
-              <a:rPr lang="fr-FR" sz="1200" b="1" u="sng" kern="0" dirty="0" smtClean="0">
-                <a:latin typeface="+mn-lt"/>
-                <a:cs typeface="+mn-cs"/>
-              </a:rPr>
-              <a:t>ACME</a:t>
-            </a:r>
-            <a:r>
-              <a:rPr kumimoji="0" lang="fr-FR" sz="1200" i="0" u="none" strike="noStrike" kern="0" cap="none" spc="0" normalizeH="0" baseline="0" noProof="0" dirty="0" smtClean="0">
-                <a:ln>
-                  <a:noFill/>
-                </a:ln>
-                <a:solidFill>
-                  <a:schemeClr val="tx1">
-                    <a:lumMod val="50000"/>
-                    <a:lumOff val="50000"/>
-                  </a:schemeClr>
-                </a:solidFill>
-                <a:effectLst/>
-                <a:uLnTx/>
-                <a:uFillTx/>
-                <a:latin typeface="+mn-lt"/>
-                <a:ea typeface="+mn-ea"/>
-                <a:cs typeface="+mn-cs"/>
-              </a:rPr>
-              <a:t> </a:t>
-            </a:r>
-            <a:r>
-              <a:rPr lang="fr-FR" sz="1200" b="1" u="sng" kern="0" dirty="0" err="1" smtClean="0">
-                <a:latin typeface="+mn-lt"/>
-                <a:cs typeface="+mn-cs"/>
-              </a:rPr>
-              <a:t>Presentation</a:t>
-            </a:r>
-            <a:endParaRPr lang="fr-FR" sz="1200" b="1" u="sng" kern="0" dirty="0" smtClean="0">
-              <a:latin typeface="+mn-lt"/>
-              <a:cs typeface="+mn-cs"/>
-            </a:endParaRPr>
-          </a:p>
-        </p:txBody>
-      </p:sp>
-      <p:sp>
-        <p:nvSpPr>
-          <p:cNvPr id="7" name="ZoneTexte 6"/>
-          <p:cNvSpPr txBox="1"/>
-          <p:nvPr/>
-        </p:nvSpPr>
-        <p:spPr>
-          <a:xfrm>
-            <a:off x="6786578" y="0"/>
-            <a:ext cx="1382110" cy="276999"/>
-          </a:xfrm>
-          <a:prstGeom prst="rect">
-            <a:avLst/>
-          </a:prstGeom>
-          <a:noFill/>
-          <a:ln>
-            <a:noFill/>
-          </a:ln>
-        </p:spPr>
-        <p:txBody>
-          <a:bodyPr wrap="none" rtlCol="0">
-            <a:spAutoFit/>
-          </a:bodyPr>
-          <a:lstStyle/>
-          <a:p>
-            <a:pPr marL="0" marR="0" indent="0" algn="l" defTabSz="914400" rtl="0" eaLnBrk="1" fontAlgn="auto" latinLnBrk="0" hangingPunct="1">
-              <a:lnSpc>
-                <a:spcPct val="100000"/>
-              </a:lnSpc>
-              <a:spcBef>
-                <a:spcPct val="20000"/>
-              </a:spcBef>
-              <a:spcAft>
-                <a:spcPts val="0"/>
-              </a:spcAft>
-              <a:buClrTx/>
-              <a:buSzTx/>
-              <a:buFontTx/>
-              <a:buNone/>
-              <a:tabLst/>
-            </a:pPr>
-            <a:r>
-              <a:rPr kumimoji="0" lang="fr-FR" sz="1200" i="0" u="none" strike="noStrike" kern="0" cap="none" spc="0" normalizeH="0" baseline="0" noProof="0" dirty="0" smtClean="0">
-                <a:ln>
-                  <a:noFill/>
-                </a:ln>
-                <a:solidFill>
-                  <a:schemeClr val="tx1">
-                    <a:lumMod val="50000"/>
-                    <a:lumOff val="50000"/>
-                  </a:schemeClr>
-                </a:solidFill>
-                <a:effectLst/>
-                <a:uLnTx/>
-                <a:uFillTx/>
-                <a:latin typeface="+mn-lt"/>
-                <a:ea typeface="+mn-ea"/>
-                <a:cs typeface="+mn-cs"/>
-              </a:rPr>
-              <a:t>ATAM introduction</a:t>
-            </a:r>
-          </a:p>
-        </p:txBody>
-      </p:sp>
-    </p:spTree>
-  </p:cSld>
-  <p:clrMapOvr>
-    <a:masterClrMapping/>
-  </p:clrMapOvr>
-  <p:transition/>
-</p:sld>
-</file>
-
-<file path=ppt/slides/slide15.xml><?xml version="1.0" encoding="utf-8"?>
-<p:sld xmlns:a="http://schemas.openxmlformats.org/drawingml/2006/main" xmlns:r="http://schemas.openxmlformats.org/officeDocument/2006/relationships" xmlns:mc="http://schemas.openxmlformats.org/markup-compatibility/2006" xmlns:mv="urn:schemas-microsoft-com:mac:vml" xmlns:p="http://schemas.openxmlformats.org/presentationml/2006/main" mc:Ignorable="mv" mc:PreserveAttributes="mv:*">
-  <p:cSld>
-    <p:spTree>
-      <p:nvGrpSpPr>
-        <p:cNvPr id="1" name=""/>
-        <p:cNvGrpSpPr/>
-        <p:nvPr/>
-      </p:nvGrpSpPr>
-      <p:grpSpPr>
-        <a:xfrm>
-          <a:off x="0" y="0"/>
-          <a:ext cx="0" cy="0"/>
-          <a:chOff x="0" y="0"/>
-          <a:chExt cx="0" cy="0"/>
-        </a:xfrm>
-      </p:grpSpPr>
-      <p:sp>
-        <p:nvSpPr>
-          <p:cNvPr id="2" name="Titre 1"/>
-          <p:cNvSpPr>
-            <a:spLocks noGrp="1"/>
-          </p:cNvSpPr>
-          <p:nvPr>
-            <p:ph type="ctrTitle"/>
-          </p:nvPr>
-        </p:nvSpPr>
-        <p:spPr/>
-        <p:txBody>
-          <a:bodyPr/>
-          <a:lstStyle/>
-          <a:p>
-            <a:r>
-              <a:rPr lang="en-US" dirty="0" smtClean="0"/>
-              <a:t>3. ADLs COMPARISON</a:t>
-            </a:r>
-            <a:endParaRPr lang="en-US" dirty="0"/>
-          </a:p>
-        </p:txBody>
-      </p:sp>
-      <p:sp>
-        <p:nvSpPr>
-          <p:cNvPr id="3" name="Espace réservé du texte 2"/>
-          <p:cNvSpPr>
-            <a:spLocks noGrp="1"/>
-          </p:cNvSpPr>
-          <p:nvPr>
-            <p:ph type="body" sz="quarter" idx="10"/>
-          </p:nvPr>
-        </p:nvSpPr>
-        <p:spPr/>
-        <p:txBody>
-          <a:bodyPr/>
-          <a:lstStyle/>
-          <a:p>
-            <a:endParaRPr lang="en-US" dirty="0"/>
-          </a:p>
-        </p:txBody>
-      </p:sp>
-    </p:spTree>
-  </p:cSld>
-  <p:clrMapOvr>
-    <a:masterClrMapping/>
-  </p:clrMapOvr>
-</p:sld>
-</file>
-
 <file path=ppt/slides/slide16.xml><?xml version="1.0" encoding="utf-8"?>
 <p:sld xmlns:a="http://schemas.openxmlformats.org/drawingml/2006/main" xmlns:r="http://schemas.openxmlformats.org/officeDocument/2006/relationships" xmlns:mc="http://schemas.openxmlformats.org/markup-compatibility/2006" xmlns:mv="urn:schemas-microsoft-com:mac:vml" xmlns:p="http://schemas.openxmlformats.org/presentationml/2006/main" mc:Ignorable="mv" mc:PreserveAttributes="mv:*">
   <p:cSld>
@@ -7756,8 +8390,12 @@
           <a:lstStyle/>
           <a:p>
             <a:r>
+              <a:rPr lang="fr-FR" dirty="0" smtClean="0"/>
+              <a:t>3. A</a:t>
+            </a:r>
+            <a:r>
               <a:rPr smtClean="0"/>
-              <a:t>3. Acme tool</a:t>
+              <a:t>cme language</a:t>
             </a:r>
             <a:endParaRPr lang="fr-FR" dirty="0"/>
           </a:p>
@@ -7779,107 +8417,71 @@
           <a:lstStyle/>
           <a:p>
             <a:r>
-              <a:rPr lang="en-US" b="1" i="1" dirty="0" smtClean="0"/>
-              <a:t>Eclipse</a:t>
-            </a:r>
-            <a:r>
-              <a:rPr lang="en-US" dirty="0" smtClean="0"/>
-              <a:t> plug-in software : </a:t>
-            </a:r>
-            <a:r>
-              <a:rPr lang="en-US" b="1" i="1" dirty="0" err="1" smtClean="0"/>
-              <a:t>AcmeStudio</a:t>
-            </a:r>
-            <a:endParaRPr lang="en-US" b="1" i="1" dirty="0" smtClean="0"/>
-          </a:p>
-          <a:p>
-            <a:endParaRPr lang="en-US" sz="1600" dirty="0" smtClean="0"/>
-          </a:p>
-          <a:p>
-            <a:r>
-              <a:rPr lang="en-US" b="1" i="1" dirty="0" err="1" smtClean="0"/>
-              <a:t>AcmeStudio</a:t>
-            </a:r>
-            <a:endParaRPr lang="en-US" b="1" i="1" dirty="0" smtClean="0"/>
+              <a:rPr smtClean="0"/>
+              <a:t>Language is based on </a:t>
+            </a:r>
           </a:p>
           <a:p>
             <a:pPr lvl="1"/>
             <a:r>
               <a:rPr smtClean="0"/>
-              <a:t>Graphical interface</a:t>
+              <a:t>First order predicate logic </a:t>
             </a:r>
           </a:p>
           <a:p>
             <a:pPr lvl="1"/>
             <a:r>
               <a:rPr smtClean="0"/>
-              <a:t>Architecture drawing</a:t>
+              <a:t>Rules checking if architectural model is well formed</a:t>
+            </a:r>
+          </a:p>
+          <a:p>
+            <a:endParaRPr smtClean="0"/>
+          </a:p>
+          <a:p>
+            <a:r>
+              <a:rPr smtClean="0"/>
+              <a:t>Rules can be defined</a:t>
             </a:r>
           </a:p>
           <a:p>
             <a:pPr lvl="1"/>
             <a:r>
               <a:rPr smtClean="0"/>
-              <a:t>Design analyze</a:t>
+              <a:t>By the style designer</a:t>
             </a:r>
           </a:p>
           <a:p>
             <a:pPr lvl="1"/>
             <a:r>
               <a:rPr smtClean="0"/>
-              <a:t>Language description (development)</a:t>
+              <a:t>By ourself</a:t>
             </a:r>
           </a:p>
           <a:p>
             <a:pPr lvl="1"/>
-            <a:endParaRPr lang="en-US" sz="1400" dirty="0" smtClean="0"/>
-          </a:p>
-          <a:p>
-            <a:r>
-              <a:rPr lang="en-US" dirty="0" smtClean="0"/>
-              <a:t>Features</a:t>
+            <a:endParaRPr smtClean="0"/>
+          </a:p>
+          <a:p>
+            <a:r>
+              <a:rPr smtClean="0"/>
+              <a:t>2 types of rules</a:t>
             </a:r>
           </a:p>
           <a:p>
             <a:pPr lvl="1"/>
             <a:r>
-              <a:rPr lang="en-US" dirty="0" smtClean="0"/>
-              <a:t>Create or edit families</a:t>
+              <a:rPr smtClean="0"/>
+              <a:t>Invariant : violations of which are errors</a:t>
             </a:r>
           </a:p>
           <a:p>
             <a:pPr lvl="1"/>
             <a:r>
-              <a:rPr lang="en-US" dirty="0" smtClean="0"/>
-              <a:t>Edit visualization</a:t>
-            </a:r>
-          </a:p>
-          <a:p>
-            <a:pPr lvl="1"/>
-            <a:r>
-              <a:rPr lang="en-US" dirty="0" smtClean="0"/>
-              <a:t>Edit and check rules</a:t>
-            </a:r>
-          </a:p>
-          <a:p>
-            <a:pPr lvl="1"/>
-            <a:r>
-              <a:rPr lang="en-US" dirty="0" smtClean="0"/>
-              <a:t>Edit properties</a:t>
-            </a:r>
-          </a:p>
-          <a:p>
-            <a:pPr lvl="1"/>
-            <a:r>
-              <a:rPr lang="en-US" dirty="0" smtClean="0"/>
-              <a:t>Etc…</a:t>
-            </a:r>
-          </a:p>
-          <a:p>
-            <a:endParaRPr lang="en-US" dirty="0" smtClean="0"/>
-          </a:p>
-          <a:p>
-            <a:endParaRPr lang="en-US" dirty="0" smtClean="0"/>
+              <a:rPr smtClean="0"/>
+              <a:t>Heuristics : violations of which leads to warnings</a:t>
+            </a:r>
+            <a:endParaRPr lang="fr-FR" dirty="0"/>
           </a:p>
         </p:txBody>
       </p:sp>
@@ -8239,13 +8841,7 @@
   <p:clrMapOvr>
     <a:masterClrMapping/>
   </p:clrMapOvr>
-  <p:timing>
-    <p:tnLst>
-      <p:par>
-        <p:cTn id="1" dur="indefinite" restart="never" nodeType="tmRoot"/>
-      </p:par>
-    </p:tnLst>
-  </p:timing>
+  <p:transition/>
 </p:sld>
 </file>
 
@@ -8282,10 +8878,10 @@
           <a:lstStyle/>
           <a:p>
             <a:r>
-              <a:rPr smtClean="0"/>
-              <a:t>3. ACMESTUDIO</a:t>
-            </a:r>
-            <a:endParaRPr lang="fr-FR" dirty="0"/>
+              <a:rPr lang="en-US" dirty="0" smtClean="0"/>
+              <a:t>3. ADLs COMPARISON</a:t>
+            </a:r>
+            <a:endParaRPr lang="en-US" dirty="0"/>
           </a:p>
         </p:txBody>
       </p:sp>
@@ -8304,397 +8900,7 @@
           <a:bodyPr/>
           <a:lstStyle/>
           <a:p>
-            <a:endParaRPr lang="fr-FR"/>
-          </a:p>
-        </p:txBody>
-      </p:sp>
-      <p:pic>
-        <p:nvPicPr>
-          <p:cNvPr id="1026" name="Picture 2"/>
-          <p:cNvPicPr>
-            <a:picLocks noChangeAspect="1" noChangeArrowheads="1"/>
-          </p:cNvPicPr>
-          <p:nvPr/>
-        </p:nvPicPr>
-        <p:blipFill>
-          <a:blip r:embed="rId2"/>
-          <a:srcRect b="3437"/>
-          <a:stretch>
-            <a:fillRect/>
-          </a:stretch>
-        </p:blipFill>
-        <p:spPr bwMode="auto">
-          <a:xfrm>
-            <a:off x="71406" y="1000108"/>
-            <a:ext cx="9001156" cy="5432359"/>
-          </a:xfrm>
-          <a:prstGeom prst="rect">
-            <a:avLst/>
-          </a:prstGeom>
-          <a:noFill/>
-          <a:ln w="9525">
-            <a:noFill/>
-            <a:miter lim="800000"/>
-            <a:headEnd/>
-            <a:tailEnd/>
-          </a:ln>
-          <a:effectLst>
-            <a:outerShdw blurRad="50800" dist="38100" dir="2700000" algn="tl" rotWithShape="0">
-              <a:prstClr val="black">
-                <a:alpha val="40000"/>
-              </a:prstClr>
-            </a:outerShdw>
-          </a:effectLst>
-        </p:spPr>
-      </p:pic>
-      <p:sp>
-        <p:nvSpPr>
-          <p:cNvPr id="5" name="ZoneTexte 4"/>
-          <p:cNvSpPr txBox="1"/>
-          <p:nvPr/>
-        </p:nvSpPr>
-        <p:spPr>
-          <a:xfrm>
-            <a:off x="500034" y="0"/>
-            <a:ext cx="1558440" cy="276999"/>
-          </a:xfrm>
-          <a:prstGeom prst="rect">
-            <a:avLst/>
-          </a:prstGeom>
-          <a:noFill/>
-          <a:ln>
-            <a:noFill/>
-          </a:ln>
-        </p:spPr>
-        <p:txBody>
-          <a:bodyPr wrap="none" rtlCol="0">
-            <a:spAutoFit/>
-          </a:bodyPr>
-          <a:lstStyle/>
-          <a:p>
-            <a:pPr marL="0" marR="0" indent="0" algn="l" defTabSz="914400" rtl="0" eaLnBrk="1" fontAlgn="auto" latinLnBrk="0" hangingPunct="1">
-              <a:lnSpc>
-                <a:spcPct val="100000"/>
-              </a:lnSpc>
-              <a:spcBef>
-                <a:spcPct val="20000"/>
-              </a:spcBef>
-              <a:spcAft>
-                <a:spcPts val="0"/>
-              </a:spcAft>
-              <a:buClrTx/>
-              <a:buSzTx/>
-              <a:buFontTx/>
-              <a:buNone/>
-              <a:tabLst/>
-            </a:pPr>
-            <a:r>
-              <a:rPr lang="fr-FR" sz="1200" kern="0" dirty="0" err="1" smtClean="0">
-                <a:solidFill>
-                  <a:schemeClr val="tx1">
-                    <a:lumMod val="50000"/>
-                    <a:lumOff val="50000"/>
-                  </a:schemeClr>
-                </a:solidFill>
-                <a:latin typeface="+mn-lt"/>
-                <a:cs typeface="+mn-cs"/>
-              </a:rPr>
-              <a:t>Why</a:t>
-            </a:r>
-            <a:r>
-              <a:rPr lang="fr-FR" sz="1200" kern="0" dirty="0" smtClean="0">
-                <a:solidFill>
-                  <a:schemeClr val="tx1">
-                    <a:lumMod val="50000"/>
-                    <a:lumOff val="50000"/>
-                  </a:schemeClr>
-                </a:solidFill>
-                <a:latin typeface="+mn-lt"/>
-                <a:cs typeface="+mn-cs"/>
-              </a:rPr>
-              <a:t> do </a:t>
-            </a:r>
-            <a:r>
-              <a:rPr lang="fr-FR" sz="1200" kern="0" dirty="0" err="1" smtClean="0">
-                <a:solidFill>
-                  <a:schemeClr val="tx1">
-                    <a:lumMod val="50000"/>
-                    <a:lumOff val="50000"/>
-                  </a:schemeClr>
-                </a:solidFill>
-                <a:latin typeface="+mn-lt"/>
-                <a:cs typeface="+mn-cs"/>
-              </a:rPr>
-              <a:t>we</a:t>
-            </a:r>
-            <a:r>
-              <a:rPr lang="fr-FR" sz="1200" kern="0" dirty="0" smtClean="0">
-                <a:solidFill>
-                  <a:schemeClr val="tx1">
-                    <a:lumMod val="50000"/>
-                    <a:lumOff val="50000"/>
-                  </a:schemeClr>
-                </a:solidFill>
-                <a:latin typeface="+mn-lt"/>
-                <a:cs typeface="+mn-cs"/>
-              </a:rPr>
-              <a:t> use </a:t>
-            </a:r>
-            <a:r>
-              <a:rPr lang="fr-FR" sz="1200" kern="0" dirty="0" err="1" smtClean="0">
-                <a:solidFill>
-                  <a:schemeClr val="tx1">
-                    <a:lumMod val="50000"/>
-                    <a:lumOff val="50000"/>
-                  </a:schemeClr>
-                </a:solidFill>
-                <a:latin typeface="+mn-lt"/>
-                <a:cs typeface="+mn-cs"/>
-              </a:rPr>
-              <a:t>ADLs</a:t>
-            </a:r>
-            <a:r>
-              <a:rPr lang="fr-FR" sz="1200" kern="0" dirty="0" smtClean="0">
-                <a:solidFill>
-                  <a:schemeClr val="tx1">
-                    <a:lumMod val="50000"/>
-                    <a:lumOff val="50000"/>
-                  </a:schemeClr>
-                </a:solidFill>
-                <a:latin typeface="+mn-lt"/>
-                <a:cs typeface="+mn-cs"/>
-              </a:rPr>
-              <a:t>?</a:t>
-            </a:r>
-            <a:endParaRPr kumimoji="0" lang="fr-FR" sz="1200" b="1" i="0" u="sng" strike="noStrike" kern="0" cap="none" spc="0" normalizeH="0" baseline="0" noProof="0" dirty="0" smtClean="0">
-              <a:ln>
-                <a:noFill/>
-              </a:ln>
-              <a:effectLst/>
-              <a:uLnTx/>
-              <a:uFillTx/>
-              <a:latin typeface="+mn-lt"/>
-              <a:ea typeface="+mn-ea"/>
-              <a:cs typeface="+mn-cs"/>
-            </a:endParaRPr>
-          </a:p>
-        </p:txBody>
-      </p:sp>
-      <p:sp>
-        <p:nvSpPr>
-          <p:cNvPr id="6" name="ZoneTexte 5"/>
-          <p:cNvSpPr txBox="1"/>
-          <p:nvPr/>
-        </p:nvSpPr>
-        <p:spPr>
-          <a:xfrm>
-            <a:off x="2786050" y="0"/>
-            <a:ext cx="889987" cy="276999"/>
-          </a:xfrm>
-          <a:prstGeom prst="rect">
-            <a:avLst/>
-          </a:prstGeom>
-          <a:noFill/>
-          <a:ln>
-            <a:noFill/>
-          </a:ln>
-        </p:spPr>
-        <p:txBody>
-          <a:bodyPr wrap="none" rtlCol="0">
-            <a:spAutoFit/>
-          </a:bodyPr>
-          <a:lstStyle/>
-          <a:p>
-            <a:pPr fontAlgn="auto">
-              <a:spcBef>
-                <a:spcPct val="20000"/>
-              </a:spcBef>
-              <a:spcAft>
-                <a:spcPts val="0"/>
-              </a:spcAft>
-            </a:pPr>
-            <a:r>
-              <a:rPr lang="fr-FR" sz="1200" kern="0" dirty="0" smtClean="0">
-                <a:solidFill>
-                  <a:schemeClr val="tx1">
-                    <a:lumMod val="50000"/>
-                    <a:lumOff val="50000"/>
-                  </a:schemeClr>
-                </a:solidFill>
-                <a:latin typeface="+mn-lt"/>
-                <a:cs typeface="+mn-cs"/>
-              </a:rPr>
-              <a:t>ADL </a:t>
-            </a:r>
-            <a:r>
-              <a:rPr lang="fr-FR" sz="1200" kern="0" dirty="0" err="1" smtClean="0">
-                <a:solidFill>
-                  <a:schemeClr val="tx1">
-                    <a:lumMod val="50000"/>
-                    <a:lumOff val="50000"/>
-                  </a:schemeClr>
-                </a:solidFill>
-                <a:latin typeface="+mn-lt"/>
-                <a:cs typeface="+mn-cs"/>
-              </a:rPr>
-              <a:t>Choice</a:t>
-            </a:r>
-            <a:endParaRPr lang="fr-FR" sz="1200" kern="0" dirty="0" smtClean="0">
-              <a:solidFill>
-                <a:schemeClr val="tx1">
-                  <a:lumMod val="50000"/>
-                  <a:lumOff val="50000"/>
-                </a:schemeClr>
-              </a:solidFill>
-              <a:latin typeface="+mn-lt"/>
-              <a:cs typeface="+mn-cs"/>
-            </a:endParaRPr>
-          </a:p>
-        </p:txBody>
-      </p:sp>
-      <p:sp>
-        <p:nvSpPr>
-          <p:cNvPr id="7" name="ZoneTexte 6"/>
-          <p:cNvSpPr txBox="1"/>
-          <p:nvPr/>
-        </p:nvSpPr>
-        <p:spPr>
-          <a:xfrm>
-            <a:off x="4572000" y="0"/>
-            <a:ext cx="1418978" cy="276999"/>
-          </a:xfrm>
-          <a:prstGeom prst="rect">
-            <a:avLst/>
-          </a:prstGeom>
-          <a:noFill/>
-          <a:ln>
-            <a:noFill/>
-          </a:ln>
-        </p:spPr>
-        <p:txBody>
-          <a:bodyPr wrap="none" rtlCol="0">
-            <a:spAutoFit/>
-          </a:bodyPr>
-          <a:lstStyle/>
-          <a:p>
-            <a:pPr marL="0" marR="0" indent="0" algn="l" defTabSz="914400" rtl="0" eaLnBrk="1" fontAlgn="auto" latinLnBrk="0" hangingPunct="1">
-              <a:lnSpc>
-                <a:spcPct val="100000"/>
-              </a:lnSpc>
-              <a:spcBef>
-                <a:spcPct val="20000"/>
-              </a:spcBef>
-              <a:spcAft>
-                <a:spcPts val="0"/>
-              </a:spcAft>
-              <a:buClrTx/>
-              <a:buSzTx/>
-              <a:buFontTx/>
-              <a:buNone/>
-              <a:tabLst/>
-            </a:pPr>
-            <a:r>
-              <a:rPr lang="fr-FR" sz="1200" b="1" u="sng" kern="0" dirty="0" smtClean="0">
-                <a:latin typeface="+mn-lt"/>
-                <a:cs typeface="+mn-cs"/>
-              </a:rPr>
-              <a:t>ACME</a:t>
-            </a:r>
-            <a:r>
-              <a:rPr kumimoji="0" lang="fr-FR" sz="1200" i="0" u="none" strike="noStrike" kern="0" cap="none" spc="0" normalizeH="0" baseline="0" noProof="0" dirty="0" smtClean="0">
-                <a:ln>
-                  <a:noFill/>
-                </a:ln>
-                <a:solidFill>
-                  <a:schemeClr val="tx1">
-                    <a:lumMod val="50000"/>
-                    <a:lumOff val="50000"/>
-                  </a:schemeClr>
-                </a:solidFill>
-                <a:effectLst/>
-                <a:uLnTx/>
-                <a:uFillTx/>
-                <a:latin typeface="+mn-lt"/>
-                <a:ea typeface="+mn-ea"/>
-                <a:cs typeface="+mn-cs"/>
-              </a:rPr>
-              <a:t> </a:t>
-            </a:r>
-            <a:r>
-              <a:rPr lang="fr-FR" sz="1200" b="1" u="sng" kern="0" dirty="0" err="1" smtClean="0">
-                <a:latin typeface="+mn-lt"/>
-                <a:cs typeface="+mn-cs"/>
-              </a:rPr>
-              <a:t>Presentation</a:t>
-            </a:r>
-            <a:endParaRPr lang="fr-FR" sz="1200" b="1" u="sng" kern="0" dirty="0" smtClean="0">
-              <a:latin typeface="+mn-lt"/>
-              <a:cs typeface="+mn-cs"/>
-            </a:endParaRPr>
-          </a:p>
-        </p:txBody>
-      </p:sp>
-      <p:sp>
-        <p:nvSpPr>
-          <p:cNvPr id="8" name="ZoneTexte 7"/>
-          <p:cNvSpPr txBox="1"/>
-          <p:nvPr/>
-        </p:nvSpPr>
-        <p:spPr>
-          <a:xfrm>
-            <a:off x="6786578" y="0"/>
-            <a:ext cx="1382110" cy="276999"/>
-          </a:xfrm>
-          <a:prstGeom prst="rect">
-            <a:avLst/>
-          </a:prstGeom>
-          <a:noFill/>
-          <a:ln>
-            <a:noFill/>
-          </a:ln>
-        </p:spPr>
-        <p:txBody>
-          <a:bodyPr wrap="none" rtlCol="0">
-            <a:spAutoFit/>
-          </a:bodyPr>
-          <a:lstStyle/>
-          <a:p>
-            <a:pPr marL="0" marR="0" indent="0" algn="l" defTabSz="914400" rtl="0" eaLnBrk="1" fontAlgn="auto" latinLnBrk="0" hangingPunct="1">
-              <a:lnSpc>
-                <a:spcPct val="100000"/>
-              </a:lnSpc>
-              <a:spcBef>
-                <a:spcPct val="20000"/>
-              </a:spcBef>
-              <a:spcAft>
-                <a:spcPts val="0"/>
-              </a:spcAft>
-              <a:buClrTx/>
-              <a:buSzTx/>
-              <a:buFontTx/>
-              <a:buNone/>
-              <a:tabLst/>
-            </a:pPr>
-            <a:r>
-              <a:rPr kumimoji="0" lang="fr-FR" sz="1200" i="0" u="none" strike="noStrike" kern="0" cap="none" spc="0" normalizeH="0" baseline="0" noProof="0" dirty="0" smtClean="0">
-                <a:ln>
-                  <a:noFill/>
-                </a:ln>
-                <a:solidFill>
-                  <a:schemeClr val="tx1">
-                    <a:lumMod val="50000"/>
-                    <a:lumOff val="50000"/>
-                  </a:schemeClr>
-                </a:solidFill>
-                <a:effectLst/>
-                <a:uLnTx/>
-                <a:uFillTx/>
-                <a:latin typeface="+mn-lt"/>
-                <a:ea typeface="+mn-ea"/>
-                <a:cs typeface="+mn-cs"/>
-              </a:rPr>
-              <a:t>ATAM introduction</a:t>
-            </a:r>
+            <a:endParaRPr lang="en-US" dirty="0"/>
           </a:p>
         </p:txBody>
       </p:sp>
@@ -8703,13 +8909,6 @@
   <p:clrMapOvr>
     <a:masterClrMapping/>
   </p:clrMapOvr>
-  <p:timing>
-    <p:tnLst>
-      <p:par>
-        <p:cTn id="1" dur="indefinite" restart="never" nodeType="tmRoot"/>
-      </p:par>
-    </p:tnLst>
-  </p:timing>
 </p:sld>
 </file>
 
@@ -8747,7 +8946,7 @@
           <a:p>
             <a:r>
               <a:rPr smtClean="0"/>
-              <a:t>3. ACMESTUDIO (cont.)</a:t>
+              <a:t>3. Acme tool</a:t>
             </a:r>
             <a:endParaRPr lang="fr-FR" dirty="0"/>
           </a:p>
@@ -8768,52 +8967,114 @@
           <a:bodyPr/>
           <a:lstStyle/>
           <a:p>
-            <a:endParaRPr lang="fr-FR"/>
-          </a:p>
-        </p:txBody>
-      </p:sp>
-      <p:pic>
-        <p:nvPicPr>
-          <p:cNvPr id="2050" name="Picture 2"/>
-          <p:cNvPicPr>
-            <a:picLocks noChangeAspect="1" noChangeArrowheads="1"/>
-          </p:cNvPicPr>
-          <p:nvPr/>
-        </p:nvPicPr>
-        <p:blipFill>
-          <a:blip r:embed="rId2"/>
-          <a:srcRect b="3749"/>
-          <a:stretch>
-            <a:fillRect/>
-          </a:stretch>
-        </p:blipFill>
-        <p:spPr bwMode="auto">
-          <a:xfrm>
-            <a:off x="142876" y="1071546"/>
-            <a:ext cx="8929718" cy="5371821"/>
-          </a:xfrm>
-          <a:prstGeom prst="rect">
-            <a:avLst/>
-          </a:prstGeom>
-          <a:noFill/>
-          <a:ln w="9525">
-            <a:noFill/>
-            <a:miter lim="800000"/>
-            <a:headEnd/>
-            <a:tailEnd/>
-          </a:ln>
-          <a:effectLst>
-            <a:outerShdw blurRad="50800" dist="38100" dir="2700000" algn="tl" rotWithShape="0">
-              <a:prstClr val="black">
-                <a:alpha val="40000"/>
-              </a:prstClr>
-            </a:outerShdw>
-          </a:effectLst>
-        </p:spPr>
-      </p:pic>
-      <p:sp>
-        <p:nvSpPr>
-          <p:cNvPr id="5" name="ZoneTexte 4"/>
+            <a:r>
+              <a:rPr lang="en-US" b="1" i="1" dirty="0" smtClean="0"/>
+              <a:t>Eclipse</a:t>
+            </a:r>
+            <a:r>
+              <a:rPr lang="en-US" dirty="0" smtClean="0"/>
+              <a:t> plug-in software : </a:t>
+            </a:r>
+            <a:r>
+              <a:rPr lang="en-US" b="1" i="1" dirty="0" err="1" smtClean="0"/>
+              <a:t>AcmeStudio</a:t>
+            </a:r>
+            <a:endParaRPr lang="en-US" b="1" i="1" dirty="0" smtClean="0"/>
+          </a:p>
+          <a:p>
+            <a:endParaRPr lang="en-US" sz="1600" dirty="0" smtClean="0"/>
+          </a:p>
+          <a:p>
+            <a:r>
+              <a:rPr lang="en-US" b="1" i="1" dirty="0" err="1" smtClean="0"/>
+              <a:t>AcmeStudio</a:t>
+            </a:r>
+            <a:endParaRPr lang="en-US" b="1" i="1" dirty="0" smtClean="0"/>
+          </a:p>
+          <a:p>
+            <a:pPr lvl="1"/>
+            <a:r>
+              <a:rPr smtClean="0"/>
+              <a:t>Graphical interface</a:t>
+            </a:r>
+          </a:p>
+          <a:p>
+            <a:pPr lvl="1"/>
+            <a:r>
+              <a:rPr smtClean="0"/>
+              <a:t>Architecture drawing</a:t>
+            </a:r>
+          </a:p>
+          <a:p>
+            <a:pPr lvl="1"/>
+            <a:r>
+              <a:rPr smtClean="0"/>
+              <a:t>Design analyze</a:t>
+            </a:r>
+          </a:p>
+          <a:p>
+            <a:pPr lvl="1"/>
+            <a:r>
+              <a:rPr smtClean="0"/>
+              <a:t>Language description (development)</a:t>
+            </a:r>
+          </a:p>
+          <a:p>
+            <a:pPr lvl="1"/>
+            <a:endParaRPr lang="en-US" sz="1400" dirty="0" smtClean="0"/>
+          </a:p>
+          <a:p>
+            <a:r>
+              <a:rPr lang="en-US" dirty="0" smtClean="0"/>
+              <a:t>Features</a:t>
+            </a:r>
+          </a:p>
+          <a:p>
+            <a:pPr lvl="1"/>
+            <a:r>
+              <a:rPr lang="en-US" dirty="0" smtClean="0"/>
+              <a:t>Create or edit families</a:t>
+            </a:r>
+          </a:p>
+          <a:p>
+            <a:pPr lvl="1"/>
+            <a:r>
+              <a:rPr lang="en-US" dirty="0" smtClean="0"/>
+              <a:t>Edit visualization</a:t>
+            </a:r>
+          </a:p>
+          <a:p>
+            <a:pPr lvl="1"/>
+            <a:r>
+              <a:rPr lang="en-US" dirty="0" smtClean="0"/>
+              <a:t>Edit and check rules</a:t>
+            </a:r>
+          </a:p>
+          <a:p>
+            <a:pPr lvl="1"/>
+            <a:r>
+              <a:rPr lang="en-US" dirty="0" smtClean="0"/>
+              <a:t>Edit properties</a:t>
+            </a:r>
+          </a:p>
+          <a:p>
+            <a:pPr lvl="1"/>
+            <a:r>
+              <a:rPr lang="en-US" dirty="0" smtClean="0"/>
+              <a:t>Etc…</a:t>
+            </a:r>
+          </a:p>
+          <a:p>
+            <a:endParaRPr lang="en-US" dirty="0" smtClean="0"/>
+          </a:p>
+          <a:p>
+            <a:endParaRPr lang="en-US" dirty="0" smtClean="0"/>
+          </a:p>
+        </p:txBody>
+      </p:sp>
+      <p:sp>
+        <p:nvSpPr>
+          <p:cNvPr id="4" name="ZoneTexte 3"/>
           <p:cNvSpPr txBox="1"/>
           <p:nvPr/>
         </p:nvSpPr>
@@ -8946,7 +9207,7 @@
       </p:sp>
       <p:sp>
         <p:nvSpPr>
-          <p:cNvPr id="6" name="ZoneTexte 5"/>
+          <p:cNvPr id="5" name="ZoneTexte 4"/>
           <p:cNvSpPr txBox="1"/>
           <p:nvPr/>
         </p:nvSpPr>
@@ -9018,7 +9279,7 @@
       </p:sp>
       <p:sp>
         <p:nvSpPr>
-          <p:cNvPr id="7" name="ZoneTexte 6"/>
+          <p:cNvPr id="6" name="ZoneTexte 5"/>
           <p:cNvSpPr txBox="1"/>
           <p:nvPr/>
         </p:nvSpPr>
@@ -9100,7 +9361,7 @@
       </p:sp>
       <p:sp>
         <p:nvSpPr>
-          <p:cNvPr id="8" name="ZoneTexte 7"/>
+          <p:cNvPr id="7" name="ZoneTexte 6"/>
           <p:cNvSpPr txBox="1"/>
           <p:nvPr/>
         </p:nvSpPr>
@@ -9211,7 +9472,7 @@
           <a:p>
             <a:r>
               <a:rPr smtClean="0"/>
-              <a:t>3. ACMESTUDIO (cont.)</a:t>
+              <a:t>3. ACMESTUDIO</a:t>
             </a:r>
             <a:endParaRPr lang="fr-FR" dirty="0"/>
           </a:p>
@@ -9238,7 +9499,7 @@
       </p:sp>
       <p:pic>
         <p:nvPicPr>
-          <p:cNvPr id="3074" name="Picture 2"/>
+          <p:cNvPr id="1026" name="Picture 2"/>
           <p:cNvPicPr>
             <a:picLocks noChangeAspect="1" noChangeArrowheads="1"/>
           </p:cNvPicPr>
@@ -9246,15 +9507,15 @@
         </p:nvPicPr>
         <p:blipFill>
           <a:blip r:embed="rId2"/>
-          <a:srcRect b="4516"/>
+          <a:srcRect b="3437"/>
           <a:stretch>
             <a:fillRect/>
           </a:stretch>
         </p:blipFill>
         <p:spPr bwMode="auto">
           <a:xfrm>
-            <a:off x="142844" y="1142983"/>
-            <a:ext cx="8858312" cy="5286413"/>
+            <a:off x="71406" y="1000108"/>
+            <a:ext cx="9001156" cy="5432359"/>
           </a:xfrm>
           <a:prstGeom prst="rect">
             <a:avLst/>
@@ -9947,7 +10208,7 @@
       </p:sp>
       <p:pic>
         <p:nvPicPr>
-          <p:cNvPr id="4098" name="Picture 2"/>
+          <p:cNvPr id="2050" name="Picture 2"/>
           <p:cNvPicPr>
             <a:picLocks noChangeAspect="1" noChangeArrowheads="1"/>
           </p:cNvPicPr>
@@ -9955,15 +10216,15 @@
         </p:nvPicPr>
         <p:blipFill>
           <a:blip r:embed="rId2"/>
-          <a:srcRect b="4269"/>
+          <a:srcRect b="3749"/>
           <a:stretch>
             <a:fillRect/>
           </a:stretch>
         </p:blipFill>
         <p:spPr bwMode="auto">
           <a:xfrm>
-            <a:off x="142844" y="1158020"/>
-            <a:ext cx="8929718" cy="5342814"/>
+            <a:off x="142876" y="1071546"/>
+            <a:ext cx="8929718" cy="5371821"/>
           </a:xfrm>
           <a:prstGeom prst="rect">
             <a:avLst/>
@@ -9986,7 +10247,7 @@
       </p:pic>
       <p:sp>
         <p:nvSpPr>
-          <p:cNvPr id="6" name="ZoneTexte 5"/>
+          <p:cNvPr id="5" name="ZoneTexte 4"/>
           <p:cNvSpPr txBox="1"/>
           <p:nvPr/>
         </p:nvSpPr>
@@ -10119,7 +10380,7 @@
       </p:sp>
       <p:sp>
         <p:nvSpPr>
-          <p:cNvPr id="7" name="ZoneTexte 6"/>
+          <p:cNvPr id="6" name="ZoneTexte 5"/>
           <p:cNvSpPr txBox="1"/>
           <p:nvPr/>
         </p:nvSpPr>
@@ -10191,7 +10452,7 @@
       </p:sp>
       <p:sp>
         <p:nvSpPr>
-          <p:cNvPr id="8" name="ZoneTexte 7"/>
+          <p:cNvPr id="7" name="ZoneTexte 6"/>
           <p:cNvSpPr txBox="1"/>
           <p:nvPr/>
         </p:nvSpPr>
@@ -10273,7 +10534,7 @@
       </p:sp>
       <p:sp>
         <p:nvSpPr>
-          <p:cNvPr id="9" name="ZoneTexte 8"/>
+          <p:cNvPr id="8" name="ZoneTexte 7"/>
           <p:cNvSpPr txBox="1"/>
           <p:nvPr/>
         </p:nvSpPr>
@@ -10351,6 +10612,934 @@
 </file>
 
 <file path=ppt/slides/slide21.xml><?xml version="1.0" encoding="utf-8"?>
+<p:sld xmlns:a="http://schemas.openxmlformats.org/drawingml/2006/main" xmlns:r="http://schemas.openxmlformats.org/officeDocument/2006/relationships" xmlns:mc="http://schemas.openxmlformats.org/markup-compatibility/2006" xmlns:mv="urn:schemas-microsoft-com:mac:vml" xmlns:p="http://schemas.openxmlformats.org/presentationml/2006/main" mc:Ignorable="mv" mc:PreserveAttributes="mv:*">
+  <p:cSld>
+    <p:spTree>
+      <p:nvGrpSpPr>
+        <p:cNvPr id="1" name=""/>
+        <p:cNvGrpSpPr/>
+        <p:nvPr/>
+      </p:nvGrpSpPr>
+      <p:grpSpPr>
+        <a:xfrm>
+          <a:off x="0" y="0"/>
+          <a:ext cx="0" cy="0"/>
+          <a:chOff x="0" y="0"/>
+          <a:chExt cx="0" cy="0"/>
+        </a:xfrm>
+      </p:grpSpPr>
+      <p:sp>
+        <p:nvSpPr>
+          <p:cNvPr id="2" name="Titre 1"/>
+          <p:cNvSpPr>
+            <a:spLocks noGrp="1"/>
+          </p:cNvSpPr>
+          <p:nvPr>
+            <p:ph type="ctrTitle"/>
+          </p:nvPr>
+        </p:nvSpPr>
+        <p:spPr/>
+        <p:txBody>
+          <a:bodyPr/>
+          <a:lstStyle/>
+          <a:p>
+            <a:r>
+              <a:rPr smtClean="0"/>
+              <a:t>3. ACMESTUDIO (cont.)</a:t>
+            </a:r>
+            <a:endParaRPr lang="fr-FR" dirty="0"/>
+          </a:p>
+        </p:txBody>
+      </p:sp>
+      <p:sp>
+        <p:nvSpPr>
+          <p:cNvPr id="3" name="Espace réservé du texte 2"/>
+          <p:cNvSpPr>
+            <a:spLocks noGrp="1"/>
+          </p:cNvSpPr>
+          <p:nvPr>
+            <p:ph type="body" sz="quarter" idx="10"/>
+          </p:nvPr>
+        </p:nvSpPr>
+        <p:spPr/>
+        <p:txBody>
+          <a:bodyPr/>
+          <a:lstStyle/>
+          <a:p>
+            <a:endParaRPr lang="fr-FR"/>
+          </a:p>
+        </p:txBody>
+      </p:sp>
+      <p:pic>
+        <p:nvPicPr>
+          <p:cNvPr id="3074" name="Picture 2"/>
+          <p:cNvPicPr>
+            <a:picLocks noChangeAspect="1" noChangeArrowheads="1"/>
+          </p:cNvPicPr>
+          <p:nvPr/>
+        </p:nvPicPr>
+        <p:blipFill>
+          <a:blip r:embed="rId2"/>
+          <a:srcRect b="4516"/>
+          <a:stretch>
+            <a:fillRect/>
+          </a:stretch>
+        </p:blipFill>
+        <p:spPr bwMode="auto">
+          <a:xfrm>
+            <a:off x="142844" y="1142983"/>
+            <a:ext cx="8858312" cy="5286413"/>
+          </a:xfrm>
+          <a:prstGeom prst="rect">
+            <a:avLst/>
+          </a:prstGeom>
+          <a:noFill/>
+          <a:ln w="9525">
+            <a:noFill/>
+            <a:miter lim="800000"/>
+            <a:headEnd/>
+            <a:tailEnd/>
+          </a:ln>
+          <a:effectLst>
+            <a:outerShdw blurRad="50800" dist="38100" dir="2700000" algn="tl" rotWithShape="0">
+              <a:prstClr val="black">
+                <a:alpha val="40000"/>
+              </a:prstClr>
+            </a:outerShdw>
+          </a:effectLst>
+        </p:spPr>
+      </p:pic>
+      <p:sp>
+        <p:nvSpPr>
+          <p:cNvPr id="5" name="ZoneTexte 4"/>
+          <p:cNvSpPr txBox="1"/>
+          <p:nvPr/>
+        </p:nvSpPr>
+        <p:spPr>
+          <a:xfrm>
+            <a:off x="500034" y="0"/>
+            <a:ext cx="1558440" cy="276999"/>
+          </a:xfrm>
+          <a:prstGeom prst="rect">
+            <a:avLst/>
+          </a:prstGeom>
+          <a:noFill/>
+          <a:ln>
+            <a:noFill/>
+          </a:ln>
+        </p:spPr>
+        <p:txBody>
+          <a:bodyPr wrap="none" rtlCol="0">
+            <a:spAutoFit/>
+          </a:bodyPr>
+          <a:lstStyle/>
+          <a:p>
+            <a:pPr marL="0" marR="0" indent="0" algn="l" defTabSz="914400" rtl="0" eaLnBrk="1" fontAlgn="auto" latinLnBrk="0" hangingPunct="1">
+              <a:lnSpc>
+                <a:spcPct val="100000"/>
+              </a:lnSpc>
+              <a:spcBef>
+                <a:spcPct val="20000"/>
+              </a:spcBef>
+              <a:spcAft>
+                <a:spcPts val="0"/>
+              </a:spcAft>
+              <a:buClrTx/>
+              <a:buSzTx/>
+              <a:buFontTx/>
+              <a:buNone/>
+              <a:tabLst/>
+            </a:pPr>
+            <a:r>
+              <a:rPr lang="fr-FR" sz="1200" kern="0" dirty="0" err="1" smtClean="0">
+                <a:solidFill>
+                  <a:schemeClr val="tx1">
+                    <a:lumMod val="50000"/>
+                    <a:lumOff val="50000"/>
+                  </a:schemeClr>
+                </a:solidFill>
+                <a:latin typeface="+mn-lt"/>
+                <a:cs typeface="+mn-cs"/>
+              </a:rPr>
+              <a:t>Why</a:t>
+            </a:r>
+            <a:r>
+              <a:rPr lang="fr-FR" sz="1200" kern="0" dirty="0" smtClean="0">
+                <a:solidFill>
+                  <a:schemeClr val="tx1">
+                    <a:lumMod val="50000"/>
+                    <a:lumOff val="50000"/>
+                  </a:schemeClr>
+                </a:solidFill>
+                <a:latin typeface="+mn-lt"/>
+                <a:cs typeface="+mn-cs"/>
+              </a:rPr>
+              <a:t> do </a:t>
+            </a:r>
+            <a:r>
+              <a:rPr lang="fr-FR" sz="1200" kern="0" dirty="0" err="1" smtClean="0">
+                <a:solidFill>
+                  <a:schemeClr val="tx1">
+                    <a:lumMod val="50000"/>
+                    <a:lumOff val="50000"/>
+                  </a:schemeClr>
+                </a:solidFill>
+                <a:latin typeface="+mn-lt"/>
+                <a:cs typeface="+mn-cs"/>
+              </a:rPr>
+              <a:t>we</a:t>
+            </a:r>
+            <a:r>
+              <a:rPr lang="fr-FR" sz="1200" kern="0" dirty="0" smtClean="0">
+                <a:solidFill>
+                  <a:schemeClr val="tx1">
+                    <a:lumMod val="50000"/>
+                    <a:lumOff val="50000"/>
+                  </a:schemeClr>
+                </a:solidFill>
+                <a:latin typeface="+mn-lt"/>
+                <a:cs typeface="+mn-cs"/>
+              </a:rPr>
+              <a:t> use </a:t>
+            </a:r>
+            <a:r>
+              <a:rPr lang="fr-FR" sz="1200" kern="0" dirty="0" err="1" smtClean="0">
+                <a:solidFill>
+                  <a:schemeClr val="tx1">
+                    <a:lumMod val="50000"/>
+                    <a:lumOff val="50000"/>
+                  </a:schemeClr>
+                </a:solidFill>
+                <a:latin typeface="+mn-lt"/>
+                <a:cs typeface="+mn-cs"/>
+              </a:rPr>
+              <a:t>ADLs</a:t>
+            </a:r>
+            <a:r>
+              <a:rPr lang="fr-FR" sz="1200" kern="0" dirty="0" smtClean="0">
+                <a:solidFill>
+                  <a:schemeClr val="tx1">
+                    <a:lumMod val="50000"/>
+                    <a:lumOff val="50000"/>
+                  </a:schemeClr>
+                </a:solidFill>
+                <a:latin typeface="+mn-lt"/>
+                <a:cs typeface="+mn-cs"/>
+              </a:rPr>
+              <a:t>?</a:t>
+            </a:r>
+            <a:endParaRPr kumimoji="0" lang="fr-FR" sz="1200" b="1" i="0" u="sng" strike="noStrike" kern="0" cap="none" spc="0" normalizeH="0" baseline="0" noProof="0" dirty="0" smtClean="0">
+              <a:ln>
+                <a:noFill/>
+              </a:ln>
+              <a:effectLst/>
+              <a:uLnTx/>
+              <a:uFillTx/>
+              <a:latin typeface="+mn-lt"/>
+              <a:ea typeface="+mn-ea"/>
+              <a:cs typeface="+mn-cs"/>
+            </a:endParaRPr>
+          </a:p>
+        </p:txBody>
+      </p:sp>
+      <p:sp>
+        <p:nvSpPr>
+          <p:cNvPr id="6" name="ZoneTexte 5"/>
+          <p:cNvSpPr txBox="1"/>
+          <p:nvPr/>
+        </p:nvSpPr>
+        <p:spPr>
+          <a:xfrm>
+            <a:off x="2786050" y="0"/>
+            <a:ext cx="889987" cy="276999"/>
+          </a:xfrm>
+          <a:prstGeom prst="rect">
+            <a:avLst/>
+          </a:prstGeom>
+          <a:noFill/>
+          <a:ln>
+            <a:noFill/>
+          </a:ln>
+        </p:spPr>
+        <p:txBody>
+          <a:bodyPr wrap="none" rtlCol="0">
+            <a:spAutoFit/>
+          </a:bodyPr>
+          <a:lstStyle/>
+          <a:p>
+            <a:pPr fontAlgn="auto">
+              <a:spcBef>
+                <a:spcPct val="20000"/>
+              </a:spcBef>
+              <a:spcAft>
+                <a:spcPts val="0"/>
+              </a:spcAft>
+            </a:pPr>
+            <a:r>
+              <a:rPr lang="fr-FR" sz="1200" kern="0" dirty="0" smtClean="0">
+                <a:solidFill>
+                  <a:schemeClr val="tx1">
+                    <a:lumMod val="50000"/>
+                    <a:lumOff val="50000"/>
+                  </a:schemeClr>
+                </a:solidFill>
+                <a:latin typeface="+mn-lt"/>
+                <a:cs typeface="+mn-cs"/>
+              </a:rPr>
+              <a:t>ADL </a:t>
+            </a:r>
+            <a:r>
+              <a:rPr lang="fr-FR" sz="1200" kern="0" dirty="0" err="1" smtClean="0">
+                <a:solidFill>
+                  <a:schemeClr val="tx1">
+                    <a:lumMod val="50000"/>
+                    <a:lumOff val="50000"/>
+                  </a:schemeClr>
+                </a:solidFill>
+                <a:latin typeface="+mn-lt"/>
+                <a:cs typeface="+mn-cs"/>
+              </a:rPr>
+              <a:t>Choice</a:t>
+            </a:r>
+            <a:endParaRPr lang="fr-FR" sz="1200" kern="0" dirty="0" smtClean="0">
+              <a:solidFill>
+                <a:schemeClr val="tx1">
+                  <a:lumMod val="50000"/>
+                  <a:lumOff val="50000"/>
+                </a:schemeClr>
+              </a:solidFill>
+              <a:latin typeface="+mn-lt"/>
+              <a:cs typeface="+mn-cs"/>
+            </a:endParaRPr>
+          </a:p>
+        </p:txBody>
+      </p:sp>
+      <p:sp>
+        <p:nvSpPr>
+          <p:cNvPr id="7" name="ZoneTexte 6"/>
+          <p:cNvSpPr txBox="1"/>
+          <p:nvPr/>
+        </p:nvSpPr>
+        <p:spPr>
+          <a:xfrm>
+            <a:off x="4572000" y="0"/>
+            <a:ext cx="1418978" cy="276999"/>
+          </a:xfrm>
+          <a:prstGeom prst="rect">
+            <a:avLst/>
+          </a:prstGeom>
+          <a:noFill/>
+          <a:ln>
+            <a:noFill/>
+          </a:ln>
+        </p:spPr>
+        <p:txBody>
+          <a:bodyPr wrap="none" rtlCol="0">
+            <a:spAutoFit/>
+          </a:bodyPr>
+          <a:lstStyle/>
+          <a:p>
+            <a:pPr marL="0" marR="0" indent="0" algn="l" defTabSz="914400" rtl="0" eaLnBrk="1" fontAlgn="auto" latinLnBrk="0" hangingPunct="1">
+              <a:lnSpc>
+                <a:spcPct val="100000"/>
+              </a:lnSpc>
+              <a:spcBef>
+                <a:spcPct val="20000"/>
+              </a:spcBef>
+              <a:spcAft>
+                <a:spcPts val="0"/>
+              </a:spcAft>
+              <a:buClrTx/>
+              <a:buSzTx/>
+              <a:buFontTx/>
+              <a:buNone/>
+              <a:tabLst/>
+            </a:pPr>
+            <a:r>
+              <a:rPr lang="fr-FR" sz="1200" b="1" u="sng" kern="0" dirty="0" smtClean="0">
+                <a:latin typeface="+mn-lt"/>
+                <a:cs typeface="+mn-cs"/>
+              </a:rPr>
+              <a:t>ACME</a:t>
+            </a:r>
+            <a:r>
+              <a:rPr kumimoji="0" lang="fr-FR" sz="1200" i="0" u="none" strike="noStrike" kern="0" cap="none" spc="0" normalizeH="0" baseline="0" noProof="0" dirty="0" smtClean="0">
+                <a:ln>
+                  <a:noFill/>
+                </a:ln>
+                <a:solidFill>
+                  <a:schemeClr val="tx1">
+                    <a:lumMod val="50000"/>
+                    <a:lumOff val="50000"/>
+                  </a:schemeClr>
+                </a:solidFill>
+                <a:effectLst/>
+                <a:uLnTx/>
+                <a:uFillTx/>
+                <a:latin typeface="+mn-lt"/>
+                <a:ea typeface="+mn-ea"/>
+                <a:cs typeface="+mn-cs"/>
+              </a:rPr>
+              <a:t> </a:t>
+            </a:r>
+            <a:r>
+              <a:rPr lang="fr-FR" sz="1200" b="1" u="sng" kern="0" dirty="0" err="1" smtClean="0">
+                <a:latin typeface="+mn-lt"/>
+                <a:cs typeface="+mn-cs"/>
+              </a:rPr>
+              <a:t>Presentation</a:t>
+            </a:r>
+            <a:endParaRPr lang="fr-FR" sz="1200" b="1" u="sng" kern="0" dirty="0" smtClean="0">
+              <a:latin typeface="+mn-lt"/>
+              <a:cs typeface="+mn-cs"/>
+            </a:endParaRPr>
+          </a:p>
+        </p:txBody>
+      </p:sp>
+      <p:sp>
+        <p:nvSpPr>
+          <p:cNvPr id="8" name="ZoneTexte 7"/>
+          <p:cNvSpPr txBox="1"/>
+          <p:nvPr/>
+        </p:nvSpPr>
+        <p:spPr>
+          <a:xfrm>
+            <a:off x="6786578" y="0"/>
+            <a:ext cx="1382110" cy="276999"/>
+          </a:xfrm>
+          <a:prstGeom prst="rect">
+            <a:avLst/>
+          </a:prstGeom>
+          <a:noFill/>
+          <a:ln>
+            <a:noFill/>
+          </a:ln>
+        </p:spPr>
+        <p:txBody>
+          <a:bodyPr wrap="none" rtlCol="0">
+            <a:spAutoFit/>
+          </a:bodyPr>
+          <a:lstStyle/>
+          <a:p>
+            <a:pPr marL="0" marR="0" indent="0" algn="l" defTabSz="914400" rtl="0" eaLnBrk="1" fontAlgn="auto" latinLnBrk="0" hangingPunct="1">
+              <a:lnSpc>
+                <a:spcPct val="100000"/>
+              </a:lnSpc>
+              <a:spcBef>
+                <a:spcPct val="20000"/>
+              </a:spcBef>
+              <a:spcAft>
+                <a:spcPts val="0"/>
+              </a:spcAft>
+              <a:buClrTx/>
+              <a:buSzTx/>
+              <a:buFontTx/>
+              <a:buNone/>
+              <a:tabLst/>
+            </a:pPr>
+            <a:r>
+              <a:rPr kumimoji="0" lang="fr-FR" sz="1200" i="0" u="none" strike="noStrike" kern="0" cap="none" spc="0" normalizeH="0" baseline="0" noProof="0" dirty="0" smtClean="0">
+                <a:ln>
+                  <a:noFill/>
+                </a:ln>
+                <a:solidFill>
+                  <a:schemeClr val="tx1">
+                    <a:lumMod val="50000"/>
+                    <a:lumOff val="50000"/>
+                  </a:schemeClr>
+                </a:solidFill>
+                <a:effectLst/>
+                <a:uLnTx/>
+                <a:uFillTx/>
+                <a:latin typeface="+mn-lt"/>
+                <a:ea typeface="+mn-ea"/>
+                <a:cs typeface="+mn-cs"/>
+              </a:rPr>
+              <a:t>ATAM introduction</a:t>
+            </a:r>
+          </a:p>
+        </p:txBody>
+      </p:sp>
+    </p:spTree>
+  </p:cSld>
+  <p:clrMapOvr>
+    <a:masterClrMapping/>
+  </p:clrMapOvr>
+  <p:timing>
+    <p:tnLst>
+      <p:par>
+        <p:cTn id="1" dur="indefinite" restart="never" nodeType="tmRoot"/>
+      </p:par>
+    </p:tnLst>
+  </p:timing>
+</p:sld>
+</file>
+
+<file path=ppt/slides/slide22.xml><?xml version="1.0" encoding="utf-8"?>
+<p:sld xmlns:a="http://schemas.openxmlformats.org/drawingml/2006/main" xmlns:r="http://schemas.openxmlformats.org/officeDocument/2006/relationships" xmlns:mc="http://schemas.openxmlformats.org/markup-compatibility/2006" xmlns:mv="urn:schemas-microsoft-com:mac:vml" xmlns:p="http://schemas.openxmlformats.org/presentationml/2006/main" mc:Ignorable="mv" mc:PreserveAttributes="mv:*">
+  <p:cSld>
+    <p:spTree>
+      <p:nvGrpSpPr>
+        <p:cNvPr id="1" name=""/>
+        <p:cNvGrpSpPr/>
+        <p:nvPr/>
+      </p:nvGrpSpPr>
+      <p:grpSpPr>
+        <a:xfrm>
+          <a:off x="0" y="0"/>
+          <a:ext cx="0" cy="0"/>
+          <a:chOff x="0" y="0"/>
+          <a:chExt cx="0" cy="0"/>
+        </a:xfrm>
+      </p:grpSpPr>
+      <p:sp>
+        <p:nvSpPr>
+          <p:cNvPr id="2" name="Titre 1"/>
+          <p:cNvSpPr>
+            <a:spLocks noGrp="1"/>
+          </p:cNvSpPr>
+          <p:nvPr>
+            <p:ph type="ctrTitle"/>
+          </p:nvPr>
+        </p:nvSpPr>
+        <p:spPr/>
+        <p:txBody>
+          <a:bodyPr/>
+          <a:lstStyle/>
+          <a:p>
+            <a:r>
+              <a:rPr smtClean="0"/>
+              <a:t>3. ACMESTUDIO (cont.)</a:t>
+            </a:r>
+            <a:endParaRPr lang="fr-FR" dirty="0"/>
+          </a:p>
+        </p:txBody>
+      </p:sp>
+      <p:sp>
+        <p:nvSpPr>
+          <p:cNvPr id="3" name="Espace réservé du texte 2"/>
+          <p:cNvSpPr>
+            <a:spLocks noGrp="1"/>
+          </p:cNvSpPr>
+          <p:nvPr>
+            <p:ph type="body" sz="quarter" idx="10"/>
+          </p:nvPr>
+        </p:nvSpPr>
+        <p:spPr/>
+        <p:txBody>
+          <a:bodyPr/>
+          <a:lstStyle/>
+          <a:p>
+            <a:endParaRPr lang="fr-FR"/>
+          </a:p>
+        </p:txBody>
+      </p:sp>
+      <p:pic>
+        <p:nvPicPr>
+          <p:cNvPr id="4098" name="Picture 2"/>
+          <p:cNvPicPr>
+            <a:picLocks noChangeAspect="1" noChangeArrowheads="1"/>
+          </p:cNvPicPr>
+          <p:nvPr/>
+        </p:nvPicPr>
+        <p:blipFill>
+          <a:blip r:embed="rId2"/>
+          <a:srcRect b="4269"/>
+          <a:stretch>
+            <a:fillRect/>
+          </a:stretch>
+        </p:blipFill>
+        <p:spPr bwMode="auto">
+          <a:xfrm>
+            <a:off x="142844" y="1158020"/>
+            <a:ext cx="8929718" cy="5342814"/>
+          </a:xfrm>
+          <a:prstGeom prst="rect">
+            <a:avLst/>
+          </a:prstGeom>
+          <a:noFill/>
+          <a:ln w="9525">
+            <a:noFill/>
+            <a:miter lim="800000"/>
+            <a:headEnd/>
+            <a:tailEnd/>
+          </a:ln>
+          <a:effectLst>
+            <a:outerShdw blurRad="50800" dist="38100" dir="2700000" algn="tl" rotWithShape="0">
+              <a:prstClr val="black">
+                <a:alpha val="40000"/>
+              </a:prstClr>
+            </a:outerShdw>
+          </a:effectLst>
+        </p:spPr>
+      </p:pic>
+      <p:sp>
+        <p:nvSpPr>
+          <p:cNvPr id="6" name="ZoneTexte 5"/>
+          <p:cNvSpPr txBox="1"/>
+          <p:nvPr/>
+        </p:nvSpPr>
+        <p:spPr>
+          <a:xfrm>
+            <a:off x="500034" y="0"/>
+            <a:ext cx="1558440" cy="276999"/>
+          </a:xfrm>
+          <a:prstGeom prst="rect">
+            <a:avLst/>
+          </a:prstGeom>
+          <a:noFill/>
+          <a:ln>
+            <a:noFill/>
+          </a:ln>
+        </p:spPr>
+        <p:txBody>
+          <a:bodyPr wrap="none" rtlCol="0">
+            <a:spAutoFit/>
+          </a:bodyPr>
+          <a:lstStyle/>
+          <a:p>
+            <a:pPr marL="0" marR="0" indent="0" algn="l" defTabSz="914400" rtl="0" eaLnBrk="1" fontAlgn="auto" latinLnBrk="0" hangingPunct="1">
+              <a:lnSpc>
+                <a:spcPct val="100000"/>
+              </a:lnSpc>
+              <a:spcBef>
+                <a:spcPct val="20000"/>
+              </a:spcBef>
+              <a:spcAft>
+                <a:spcPts val="0"/>
+              </a:spcAft>
+              <a:buClrTx/>
+              <a:buSzTx/>
+              <a:buFontTx/>
+              <a:buNone/>
+              <a:tabLst/>
+            </a:pPr>
+            <a:r>
+              <a:rPr lang="fr-FR" sz="1200" kern="0" dirty="0" err="1" smtClean="0">
+                <a:solidFill>
+                  <a:schemeClr val="tx1">
+                    <a:lumMod val="50000"/>
+                    <a:lumOff val="50000"/>
+                  </a:schemeClr>
+                </a:solidFill>
+                <a:latin typeface="+mn-lt"/>
+                <a:cs typeface="+mn-cs"/>
+              </a:rPr>
+              <a:t>Why</a:t>
+            </a:r>
+            <a:r>
+              <a:rPr lang="fr-FR" sz="1200" kern="0" dirty="0" smtClean="0">
+                <a:solidFill>
+                  <a:schemeClr val="tx1">
+                    <a:lumMod val="50000"/>
+                    <a:lumOff val="50000"/>
+                  </a:schemeClr>
+                </a:solidFill>
+                <a:latin typeface="+mn-lt"/>
+                <a:cs typeface="+mn-cs"/>
+              </a:rPr>
+              <a:t> do </a:t>
+            </a:r>
+            <a:r>
+              <a:rPr lang="fr-FR" sz="1200" kern="0" dirty="0" err="1" smtClean="0">
+                <a:solidFill>
+                  <a:schemeClr val="tx1">
+                    <a:lumMod val="50000"/>
+                    <a:lumOff val="50000"/>
+                  </a:schemeClr>
+                </a:solidFill>
+                <a:latin typeface="+mn-lt"/>
+                <a:cs typeface="+mn-cs"/>
+              </a:rPr>
+              <a:t>we</a:t>
+            </a:r>
+            <a:r>
+              <a:rPr lang="fr-FR" sz="1200" kern="0" dirty="0" smtClean="0">
+                <a:solidFill>
+                  <a:schemeClr val="tx1">
+                    <a:lumMod val="50000"/>
+                    <a:lumOff val="50000"/>
+                  </a:schemeClr>
+                </a:solidFill>
+                <a:latin typeface="+mn-lt"/>
+                <a:cs typeface="+mn-cs"/>
+              </a:rPr>
+              <a:t> use </a:t>
+            </a:r>
+            <a:r>
+              <a:rPr lang="fr-FR" sz="1200" kern="0" dirty="0" err="1" smtClean="0">
+                <a:solidFill>
+                  <a:schemeClr val="tx1">
+                    <a:lumMod val="50000"/>
+                    <a:lumOff val="50000"/>
+                  </a:schemeClr>
+                </a:solidFill>
+                <a:latin typeface="+mn-lt"/>
+                <a:cs typeface="+mn-cs"/>
+              </a:rPr>
+              <a:t>ADLs</a:t>
+            </a:r>
+            <a:r>
+              <a:rPr lang="fr-FR" sz="1200" kern="0" dirty="0" smtClean="0">
+                <a:solidFill>
+                  <a:schemeClr val="tx1">
+                    <a:lumMod val="50000"/>
+                    <a:lumOff val="50000"/>
+                  </a:schemeClr>
+                </a:solidFill>
+                <a:latin typeface="+mn-lt"/>
+                <a:cs typeface="+mn-cs"/>
+              </a:rPr>
+              <a:t>?</a:t>
+            </a:r>
+            <a:endParaRPr kumimoji="0" lang="fr-FR" sz="1200" b="1" i="0" u="sng" strike="noStrike" kern="0" cap="none" spc="0" normalizeH="0" baseline="0" noProof="0" dirty="0" smtClean="0">
+              <a:ln>
+                <a:noFill/>
+              </a:ln>
+              <a:effectLst/>
+              <a:uLnTx/>
+              <a:uFillTx/>
+              <a:latin typeface="+mn-lt"/>
+              <a:ea typeface="+mn-ea"/>
+              <a:cs typeface="+mn-cs"/>
+            </a:endParaRPr>
+          </a:p>
+        </p:txBody>
+      </p:sp>
+      <p:sp>
+        <p:nvSpPr>
+          <p:cNvPr id="7" name="ZoneTexte 6"/>
+          <p:cNvSpPr txBox="1"/>
+          <p:nvPr/>
+        </p:nvSpPr>
+        <p:spPr>
+          <a:xfrm>
+            <a:off x="2786050" y="0"/>
+            <a:ext cx="889987" cy="276999"/>
+          </a:xfrm>
+          <a:prstGeom prst="rect">
+            <a:avLst/>
+          </a:prstGeom>
+          <a:noFill/>
+          <a:ln>
+            <a:noFill/>
+          </a:ln>
+        </p:spPr>
+        <p:txBody>
+          <a:bodyPr wrap="none" rtlCol="0">
+            <a:spAutoFit/>
+          </a:bodyPr>
+          <a:lstStyle/>
+          <a:p>
+            <a:pPr fontAlgn="auto">
+              <a:spcBef>
+                <a:spcPct val="20000"/>
+              </a:spcBef>
+              <a:spcAft>
+                <a:spcPts val="0"/>
+              </a:spcAft>
+            </a:pPr>
+            <a:r>
+              <a:rPr lang="fr-FR" sz="1200" kern="0" dirty="0" smtClean="0">
+                <a:solidFill>
+                  <a:schemeClr val="tx1">
+                    <a:lumMod val="50000"/>
+                    <a:lumOff val="50000"/>
+                  </a:schemeClr>
+                </a:solidFill>
+                <a:latin typeface="+mn-lt"/>
+                <a:cs typeface="+mn-cs"/>
+              </a:rPr>
+              <a:t>ADL </a:t>
+            </a:r>
+            <a:r>
+              <a:rPr lang="fr-FR" sz="1200" kern="0" dirty="0" err="1" smtClean="0">
+                <a:solidFill>
+                  <a:schemeClr val="tx1">
+                    <a:lumMod val="50000"/>
+                    <a:lumOff val="50000"/>
+                  </a:schemeClr>
+                </a:solidFill>
+                <a:latin typeface="+mn-lt"/>
+                <a:cs typeface="+mn-cs"/>
+              </a:rPr>
+              <a:t>Choice</a:t>
+            </a:r>
+            <a:endParaRPr lang="fr-FR" sz="1200" kern="0" dirty="0" smtClean="0">
+              <a:solidFill>
+                <a:schemeClr val="tx1">
+                  <a:lumMod val="50000"/>
+                  <a:lumOff val="50000"/>
+                </a:schemeClr>
+              </a:solidFill>
+              <a:latin typeface="+mn-lt"/>
+              <a:cs typeface="+mn-cs"/>
+            </a:endParaRPr>
+          </a:p>
+        </p:txBody>
+      </p:sp>
+      <p:sp>
+        <p:nvSpPr>
+          <p:cNvPr id="8" name="ZoneTexte 7"/>
+          <p:cNvSpPr txBox="1"/>
+          <p:nvPr/>
+        </p:nvSpPr>
+        <p:spPr>
+          <a:xfrm>
+            <a:off x="4572000" y="0"/>
+            <a:ext cx="1418978" cy="276999"/>
+          </a:xfrm>
+          <a:prstGeom prst="rect">
+            <a:avLst/>
+          </a:prstGeom>
+          <a:noFill/>
+          <a:ln>
+            <a:noFill/>
+          </a:ln>
+        </p:spPr>
+        <p:txBody>
+          <a:bodyPr wrap="none" rtlCol="0">
+            <a:spAutoFit/>
+          </a:bodyPr>
+          <a:lstStyle/>
+          <a:p>
+            <a:pPr marL="0" marR="0" indent="0" algn="l" defTabSz="914400" rtl="0" eaLnBrk="1" fontAlgn="auto" latinLnBrk="0" hangingPunct="1">
+              <a:lnSpc>
+                <a:spcPct val="100000"/>
+              </a:lnSpc>
+              <a:spcBef>
+                <a:spcPct val="20000"/>
+              </a:spcBef>
+              <a:spcAft>
+                <a:spcPts val="0"/>
+              </a:spcAft>
+              <a:buClrTx/>
+              <a:buSzTx/>
+              <a:buFontTx/>
+              <a:buNone/>
+              <a:tabLst/>
+            </a:pPr>
+            <a:r>
+              <a:rPr lang="fr-FR" sz="1200" b="1" u="sng" kern="0" dirty="0" smtClean="0">
+                <a:latin typeface="+mn-lt"/>
+                <a:cs typeface="+mn-cs"/>
+              </a:rPr>
+              <a:t>ACME</a:t>
+            </a:r>
+            <a:r>
+              <a:rPr kumimoji="0" lang="fr-FR" sz="1200" i="0" u="none" strike="noStrike" kern="0" cap="none" spc="0" normalizeH="0" baseline="0" noProof="0" dirty="0" smtClean="0">
+                <a:ln>
+                  <a:noFill/>
+                </a:ln>
+                <a:solidFill>
+                  <a:schemeClr val="tx1">
+                    <a:lumMod val="50000"/>
+                    <a:lumOff val="50000"/>
+                  </a:schemeClr>
+                </a:solidFill>
+                <a:effectLst/>
+                <a:uLnTx/>
+                <a:uFillTx/>
+                <a:latin typeface="+mn-lt"/>
+                <a:ea typeface="+mn-ea"/>
+                <a:cs typeface="+mn-cs"/>
+              </a:rPr>
+              <a:t> </a:t>
+            </a:r>
+            <a:r>
+              <a:rPr lang="fr-FR" sz="1200" b="1" u="sng" kern="0" dirty="0" err="1" smtClean="0">
+                <a:latin typeface="+mn-lt"/>
+                <a:cs typeface="+mn-cs"/>
+              </a:rPr>
+              <a:t>Presentation</a:t>
+            </a:r>
+            <a:endParaRPr lang="fr-FR" sz="1200" b="1" u="sng" kern="0" dirty="0" smtClean="0">
+              <a:latin typeface="+mn-lt"/>
+              <a:cs typeface="+mn-cs"/>
+            </a:endParaRPr>
+          </a:p>
+        </p:txBody>
+      </p:sp>
+      <p:sp>
+        <p:nvSpPr>
+          <p:cNvPr id="9" name="ZoneTexte 8"/>
+          <p:cNvSpPr txBox="1"/>
+          <p:nvPr/>
+        </p:nvSpPr>
+        <p:spPr>
+          <a:xfrm>
+            <a:off x="6786578" y="0"/>
+            <a:ext cx="1382110" cy="276999"/>
+          </a:xfrm>
+          <a:prstGeom prst="rect">
+            <a:avLst/>
+          </a:prstGeom>
+          <a:noFill/>
+          <a:ln>
+            <a:noFill/>
+          </a:ln>
+        </p:spPr>
+        <p:txBody>
+          <a:bodyPr wrap="none" rtlCol="0">
+            <a:spAutoFit/>
+          </a:bodyPr>
+          <a:lstStyle/>
+          <a:p>
+            <a:pPr marL="0" marR="0" indent="0" algn="l" defTabSz="914400" rtl="0" eaLnBrk="1" fontAlgn="auto" latinLnBrk="0" hangingPunct="1">
+              <a:lnSpc>
+                <a:spcPct val="100000"/>
+              </a:lnSpc>
+              <a:spcBef>
+                <a:spcPct val="20000"/>
+              </a:spcBef>
+              <a:spcAft>
+                <a:spcPts val="0"/>
+              </a:spcAft>
+              <a:buClrTx/>
+              <a:buSzTx/>
+              <a:buFontTx/>
+              <a:buNone/>
+              <a:tabLst/>
+            </a:pPr>
+            <a:r>
+              <a:rPr kumimoji="0" lang="fr-FR" sz="1200" i="0" u="none" strike="noStrike" kern="0" cap="none" spc="0" normalizeH="0" baseline="0" noProof="0" dirty="0" smtClean="0">
+                <a:ln>
+                  <a:noFill/>
+                </a:ln>
+                <a:solidFill>
+                  <a:schemeClr val="tx1">
+                    <a:lumMod val="50000"/>
+                    <a:lumOff val="50000"/>
+                  </a:schemeClr>
+                </a:solidFill>
+                <a:effectLst/>
+                <a:uLnTx/>
+                <a:uFillTx/>
+                <a:latin typeface="+mn-lt"/>
+                <a:ea typeface="+mn-ea"/>
+                <a:cs typeface="+mn-cs"/>
+              </a:rPr>
+              <a:t>ATAM introduction</a:t>
+            </a:r>
+          </a:p>
+        </p:txBody>
+      </p:sp>
+    </p:spTree>
+  </p:cSld>
+  <p:clrMapOvr>
+    <a:masterClrMapping/>
+  </p:clrMapOvr>
+  <p:timing>
+    <p:tnLst>
+      <p:par>
+        <p:cTn id="1" dur="indefinite" restart="never" nodeType="tmRoot"/>
+      </p:par>
+    </p:tnLst>
+  </p:timing>
+</p:sld>
+</file>
+
+<file path=ppt/slides/slide23.xml><?xml version="1.0" encoding="utf-8"?>
 <p:sld xmlns:a="http://schemas.openxmlformats.org/drawingml/2006/main" xmlns:r="http://schemas.openxmlformats.org/officeDocument/2006/relationships" xmlns:mc="http://schemas.openxmlformats.org/markup-compatibility/2006" xmlns:mv="urn:schemas-microsoft-com:mac:vml" xmlns:p="http://schemas.openxmlformats.org/presentationml/2006/main" mc:Ignorable="mv" mc:PreserveAttributes="mv:*">
   <p:cSld>
     <p:spTree>
@@ -10960,7 +12149,7 @@
 </p:sld>
 </file>
 
-<file path=ppt/slides/slide22.xml><?xml version="1.0" encoding="utf-8"?>
+<file path=ppt/slides/slide24.xml><?xml version="1.0" encoding="utf-8"?>
 <p:sld xmlns:a="http://schemas.openxmlformats.org/drawingml/2006/main" xmlns:r="http://schemas.openxmlformats.org/officeDocument/2006/relationships" xmlns:mc="http://schemas.openxmlformats.org/markup-compatibility/2006" xmlns:mv="urn:schemas-microsoft-com:mac:vml" xmlns:p="http://schemas.openxmlformats.org/presentationml/2006/main" mc:Ignorable="mv" mc:PreserveAttributes="mv:*">
   <p:cSld>
     <p:spTree>
@@ -11754,34 +12943,10 @@
           <a:lstStyle/>
           <a:p>
             <a:r>
-              <a:rPr lang="fr-FR" dirty="0" smtClean="0"/>
-              <a:t>1. </a:t>
-            </a:r>
-            <a:r>
-              <a:rPr lang="fr-FR" dirty="0" err="1" smtClean="0"/>
-              <a:t>Why</a:t>
-            </a:r>
-            <a:r>
-              <a:rPr lang="fr-FR" dirty="0" smtClean="0"/>
-              <a:t> do </a:t>
-            </a:r>
-            <a:r>
-              <a:rPr lang="fr-FR" dirty="0" err="1" smtClean="0"/>
-              <a:t>we</a:t>
-            </a:r>
-            <a:r>
-              <a:rPr lang="fr-FR" dirty="0" smtClean="0"/>
-              <a:t> use ADLS ?(</a:t>
-            </a:r>
-            <a:r>
-              <a:rPr lang="fr-FR" dirty="0" err="1" smtClean="0"/>
-              <a:t>cont</a:t>
-            </a:r>
-            <a:r>
-              <a:rPr lang="fr-FR" dirty="0" smtClean="0"/>
-              <a:t>.)</a:t>
-            </a:r>
-            <a:endParaRPr lang="en-GB" dirty="0"/>
+              <a:rPr lang="en-US" dirty="0" smtClean="0"/>
+              <a:t>Acme transformation</a:t>
+            </a:r>
+            <a:endParaRPr lang="en-US" dirty="0"/>
           </a:p>
         </p:txBody>
       </p:sp>
@@ -11795,36 +12960,37 @@
             <p:ph type="body" sz="quarter" idx="10"/>
           </p:nvPr>
         </p:nvSpPr>
-        <p:spPr>
-          <a:xfrm>
-            <a:off x="285750" y="1285860"/>
-            <a:ext cx="8643968" cy="5286390"/>
-          </a:xfrm>
-        </p:spPr>
+        <p:spPr/>
         <p:txBody>
           <a:bodyPr/>
           <a:lstStyle/>
           <a:p>
             <a:r>
               <a:rPr lang="en-US" dirty="0" smtClean="0"/>
-              <a:t>An ADL is a language for modeling a software system’s conceptual architecture, distinguished from the system’s implementation</a:t>
-            </a:r>
-          </a:p>
-          <a:p>
-            <a:endParaRPr lang="en-US" smtClean="0"/>
-          </a:p>
-          <a:p>
+              <a:t>One of </a:t>
+            </a:r>
             <a:r>
               <a:rPr lang="en-US" dirty="0" err="1" smtClean="0"/>
-              <a:t>ADLs</a:t>
+              <a:t>ACME’s</a:t>
             </a:r>
             <a:r>
               <a:rPr lang="en-US" dirty="0" smtClean="0"/>
-              <a:t> </a:t>
-            </a:r>
+              <a:t> goals is to be an ADL interchange format</a:t>
+            </a:r>
+          </a:p>
+          <a:p>
+            <a:pPr lvl="1"/>
             <a:r>
               <a:rPr lang="en-US" dirty="0" smtClean="0"/>
-              <a:t>bring the tools for architecture evolution and reusability</a:t>
+              <a:t>Facilities exist for translating ACME to Aesop, </a:t>
+            </a:r>
+            <a:r>
+              <a:rPr lang="en-US" dirty="0" err="1" smtClean="0"/>
+              <a:t>Rapide</a:t>
+            </a:r>
+            <a:r>
+              <a:rPr lang="en-US" dirty="0" smtClean="0"/>
+              <a:t>, Wright, and back</a:t>
             </a:r>
           </a:p>
           <a:p>
@@ -11833,408 +12999,51 @@
           <a:p>
             <a:r>
               <a:rPr lang="en-US" dirty="0" smtClean="0"/>
-              <a:t>Makes the architecture assessable using external tools or methods</a:t>
-            </a:r>
-          </a:p>
-          <a:p>
-            <a:endParaRPr lang="en-US" dirty="0" smtClean="0"/>
-          </a:p>
-          <a:p>
-            <a:endParaRPr lang="en-GB" dirty="0"/>
-          </a:p>
-        </p:txBody>
-      </p:sp>
-      <p:sp>
-        <p:nvSpPr>
-          <p:cNvPr id="4" name="ZoneTexte 3"/>
-          <p:cNvSpPr txBox="1"/>
-          <p:nvPr/>
-        </p:nvSpPr>
-        <p:spPr>
-          <a:xfrm>
-            <a:off x="500034" y="0"/>
-            <a:ext cx="1643399" cy="276999"/>
-          </a:xfrm>
-          <a:prstGeom prst="rect">
-            <a:avLst/>
-          </a:prstGeom>
-          <a:noFill/>
-          <a:ln>
-            <a:noFill/>
-          </a:ln>
-        </p:spPr>
-        <p:txBody>
-          <a:bodyPr wrap="none" rtlCol="0">
-            <a:spAutoFit/>
-          </a:bodyPr>
-          <a:lstStyle/>
-          <a:p>
-            <a:pPr marL="0" marR="0" indent="0" algn="l" defTabSz="914400" rtl="0" eaLnBrk="1" fontAlgn="auto" latinLnBrk="0" hangingPunct="1">
-              <a:lnSpc>
-                <a:spcPct val="100000"/>
-              </a:lnSpc>
-              <a:spcBef>
-                <a:spcPct val="20000"/>
-              </a:spcBef>
-              <a:spcAft>
-                <a:spcPts val="0"/>
-              </a:spcAft>
-              <a:buClrTx/>
-              <a:buSzTx/>
-              <a:buFontTx/>
-              <a:buNone/>
-              <a:tabLst/>
+              <a:t>Some steps have to be taken to take full advantage of this (e.g. Wright to </a:t>
+            </a:r>
+            <a:r>
+              <a:rPr lang="en-US" dirty="0" err="1" smtClean="0"/>
+              <a:t>Rapide</a:t>
+            </a:r>
+            <a:r>
+              <a:rPr lang="en-US" dirty="0" smtClean="0"/>
+              <a:t>)</a:t>
+            </a:r>
+          </a:p>
+          <a:p>
+            <a:pPr marL="914400" lvl="1" indent="-457200">
+              <a:buFont typeface="+mj-lt"/>
+              <a:buAutoNum type="arabicPeriod"/>
             </a:pPr>
             <a:r>
-              <a:rPr kumimoji="0" lang="fr-FR" sz="1200" b="1" i="0" u="sng" strike="noStrike" kern="0" cap="none" spc="0" normalizeH="0" baseline="0" noProof="0" dirty="0" err="1" smtClean="0">
-                <a:ln>
-                  <a:noFill/>
-                </a:ln>
-                <a:effectLst/>
-                <a:uLnTx/>
-                <a:uFillTx/>
-                <a:latin typeface="+mn-lt"/>
-                <a:ea typeface="+mn-ea"/>
-                <a:cs typeface="+mn-cs"/>
-              </a:rPr>
-              <a:t>Why</a:t>
-            </a:r>
-            <a:r>
-              <a:rPr kumimoji="0" lang="fr-FR" sz="1200" b="1" i="0" u="sng" strike="noStrike" kern="0" cap="none" spc="0" normalizeH="0" baseline="0" noProof="0" dirty="0" smtClean="0">
-                <a:ln>
-                  <a:noFill/>
-                </a:ln>
-                <a:effectLst/>
-                <a:uLnTx/>
-                <a:uFillTx/>
-                <a:latin typeface="+mn-lt"/>
-                <a:ea typeface="+mn-ea"/>
-                <a:cs typeface="+mn-cs"/>
-              </a:rPr>
-              <a:t> do </a:t>
-            </a:r>
-            <a:r>
-              <a:rPr kumimoji="0" lang="fr-FR" sz="1200" b="1" i="0" u="sng" strike="noStrike" kern="0" cap="none" spc="0" normalizeH="0" baseline="0" noProof="0" dirty="0" err="1" smtClean="0">
-                <a:ln>
-                  <a:noFill/>
-                </a:ln>
-                <a:effectLst/>
-                <a:uLnTx/>
-                <a:uFillTx/>
-                <a:latin typeface="+mn-lt"/>
-                <a:ea typeface="+mn-ea"/>
-                <a:cs typeface="+mn-cs"/>
-              </a:rPr>
-              <a:t>we</a:t>
-            </a:r>
-            <a:r>
-              <a:rPr kumimoji="0" lang="fr-FR" sz="1200" b="1" i="0" u="sng" strike="noStrike" kern="0" cap="none" spc="0" normalizeH="0" baseline="0" noProof="0" dirty="0" smtClean="0">
-                <a:ln>
-                  <a:noFill/>
-                </a:ln>
-                <a:effectLst/>
-                <a:uLnTx/>
-                <a:uFillTx/>
-                <a:latin typeface="+mn-lt"/>
-                <a:ea typeface="+mn-ea"/>
-                <a:cs typeface="+mn-cs"/>
-              </a:rPr>
-              <a:t> use </a:t>
-            </a:r>
-            <a:r>
-              <a:rPr kumimoji="0" lang="fr-FR" sz="1200" b="1" i="0" u="sng" strike="noStrike" kern="0" cap="none" spc="0" normalizeH="0" baseline="0" noProof="0" dirty="0" err="1" smtClean="0">
-                <a:ln>
-                  <a:noFill/>
-                </a:ln>
-                <a:effectLst/>
-                <a:uLnTx/>
-                <a:uFillTx/>
-                <a:latin typeface="+mn-lt"/>
-                <a:ea typeface="+mn-ea"/>
-                <a:cs typeface="+mn-cs"/>
-              </a:rPr>
-              <a:t>ADLs</a:t>
-            </a:r>
-            <a:r>
-              <a:rPr kumimoji="0" lang="fr-FR" sz="1200" b="1" i="0" u="sng" strike="noStrike" kern="0" cap="none" spc="0" normalizeH="0" baseline="0" noProof="0" dirty="0" smtClean="0">
-                <a:ln>
-                  <a:noFill/>
-                </a:ln>
-                <a:effectLst/>
-                <a:uLnTx/>
-                <a:uFillTx/>
-                <a:latin typeface="+mn-lt"/>
-                <a:ea typeface="+mn-ea"/>
-                <a:cs typeface="+mn-cs"/>
-              </a:rPr>
-              <a:t>?</a:t>
-            </a:r>
-          </a:p>
-        </p:txBody>
-      </p:sp>
-      <p:sp>
-        <p:nvSpPr>
-          <p:cNvPr id="5" name="ZoneTexte 4"/>
-          <p:cNvSpPr txBox="1"/>
-          <p:nvPr/>
-        </p:nvSpPr>
-        <p:spPr>
-          <a:xfrm>
-            <a:off x="2643174" y="0"/>
-            <a:ext cx="889987" cy="276999"/>
-          </a:xfrm>
-          <a:prstGeom prst="rect">
-            <a:avLst/>
-          </a:prstGeom>
-          <a:noFill/>
-          <a:ln>
-            <a:noFill/>
-          </a:ln>
-        </p:spPr>
-        <p:txBody>
-          <a:bodyPr wrap="none" rtlCol="0">
-            <a:spAutoFit/>
-          </a:bodyPr>
-          <a:lstStyle/>
-          <a:p>
-            <a:pPr marL="0" marR="0" indent="0" algn="l" defTabSz="914400" rtl="0" eaLnBrk="1" fontAlgn="auto" latinLnBrk="0" hangingPunct="1">
-              <a:lnSpc>
-                <a:spcPct val="100000"/>
-              </a:lnSpc>
-              <a:spcBef>
-                <a:spcPct val="20000"/>
-              </a:spcBef>
-              <a:spcAft>
-                <a:spcPts val="0"/>
-              </a:spcAft>
-              <a:buClrTx/>
-              <a:buSzTx/>
-              <a:buFontTx/>
-              <a:buNone/>
-              <a:tabLst/>
+              <a:rPr lang="en-US" dirty="0" smtClean="0"/>
+              <a:t>Translating specification form ADL 1 to ACME specification</a:t>
+            </a:r>
+          </a:p>
+          <a:p>
+            <a:pPr marL="914400" lvl="1" indent="-457200">
+              <a:buFont typeface="+mj-lt"/>
+              <a:buAutoNum type="arabicPeriod"/>
             </a:pPr>
             <a:r>
-              <a:rPr kumimoji="0" lang="fr-FR" sz="1200" i="0" u="none" strike="noStrike" kern="0" cap="none" spc="0" normalizeH="0" baseline="0" noProof="0" dirty="0" smtClean="0">
-                <a:ln>
-                  <a:noFill/>
-                </a:ln>
-                <a:solidFill>
-                  <a:schemeClr val="tx1">
-                    <a:lumMod val="50000"/>
-                    <a:lumOff val="50000"/>
-                  </a:schemeClr>
-                </a:solidFill>
-                <a:effectLst/>
-                <a:uLnTx/>
-                <a:uFillTx/>
-                <a:latin typeface="+mn-lt"/>
-                <a:ea typeface="+mn-ea"/>
-                <a:cs typeface="+mn-cs"/>
-              </a:rPr>
-              <a:t>ADL </a:t>
-            </a:r>
-            <a:r>
-              <a:rPr kumimoji="0" lang="fr-FR" sz="1200" i="0" u="none" strike="noStrike" kern="0" cap="none" spc="0" normalizeH="0" baseline="0" noProof="0" dirty="0" err="1" smtClean="0">
-                <a:ln>
-                  <a:noFill/>
-                </a:ln>
-                <a:solidFill>
-                  <a:schemeClr val="tx1">
-                    <a:lumMod val="50000"/>
-                    <a:lumOff val="50000"/>
-                  </a:schemeClr>
-                </a:solidFill>
-                <a:effectLst/>
-                <a:uLnTx/>
-                <a:uFillTx/>
-                <a:latin typeface="+mn-lt"/>
-                <a:ea typeface="+mn-ea"/>
-                <a:cs typeface="+mn-cs"/>
-              </a:rPr>
-              <a:t>Choice</a:t>
-            </a:r>
-            <a:endParaRPr kumimoji="0" lang="fr-FR" sz="1200" i="0" u="none" strike="noStrike" kern="0" cap="none" spc="0" normalizeH="0" baseline="0" noProof="0" dirty="0" smtClean="0">
-              <a:ln>
-                <a:noFill/>
-              </a:ln>
-              <a:solidFill>
-                <a:schemeClr val="tx1">
-                  <a:lumMod val="50000"/>
-                  <a:lumOff val="50000"/>
-                </a:schemeClr>
-              </a:solidFill>
-              <a:effectLst/>
-              <a:uLnTx/>
-              <a:uFillTx/>
-              <a:latin typeface="+mn-lt"/>
-              <a:ea typeface="+mn-ea"/>
-              <a:cs typeface="+mn-cs"/>
-            </a:endParaRPr>
-          </a:p>
-        </p:txBody>
-      </p:sp>
-      <p:sp>
-        <p:nvSpPr>
-          <p:cNvPr id="6" name="ZoneTexte 5"/>
-          <p:cNvSpPr txBox="1"/>
-          <p:nvPr/>
-        </p:nvSpPr>
-        <p:spPr>
-          <a:xfrm>
-            <a:off x="4572000" y="0"/>
-            <a:ext cx="1399742" cy="276999"/>
-          </a:xfrm>
-          <a:prstGeom prst="rect">
-            <a:avLst/>
-          </a:prstGeom>
-          <a:noFill/>
-          <a:ln>
-            <a:noFill/>
-          </a:ln>
-        </p:spPr>
-        <p:txBody>
-          <a:bodyPr wrap="none" rtlCol="0">
-            <a:spAutoFit/>
-          </a:bodyPr>
-          <a:lstStyle/>
-          <a:p>
-            <a:pPr marL="0" marR="0" indent="0" algn="l" defTabSz="914400" rtl="0" eaLnBrk="1" fontAlgn="auto" latinLnBrk="0" hangingPunct="1">
-              <a:lnSpc>
-                <a:spcPct val="100000"/>
-              </a:lnSpc>
-              <a:spcBef>
-                <a:spcPct val="20000"/>
-              </a:spcBef>
-              <a:spcAft>
-                <a:spcPts val="0"/>
-              </a:spcAft>
-              <a:buClrTx/>
-              <a:buSzTx/>
-              <a:buFontTx/>
-              <a:buNone/>
-              <a:tabLst/>
+              <a:rPr lang="en-US" dirty="0" smtClean="0"/>
+              <a:t>Translating the annotated ACME specification in ACME specification with ADL 2 annotations</a:t>
+            </a:r>
+          </a:p>
+          <a:p>
+            <a:pPr marL="914400" lvl="1" indent="-457200">
+              <a:buFont typeface="+mj-lt"/>
+              <a:buAutoNum type="arabicPeriod"/>
             </a:pPr>
             <a:r>
-              <a:rPr kumimoji="0" lang="fr-FR" sz="1200" i="0" u="none" strike="noStrike" kern="0" cap="none" spc="0" normalizeH="0" baseline="0" noProof="0" dirty="0" smtClean="0">
-                <a:ln>
-                  <a:noFill/>
-                </a:ln>
-                <a:solidFill>
-                  <a:schemeClr val="tx1">
-                    <a:lumMod val="50000"/>
-                    <a:lumOff val="50000"/>
-                  </a:schemeClr>
-                </a:solidFill>
-                <a:effectLst/>
-                <a:uLnTx/>
-                <a:uFillTx/>
-                <a:latin typeface="+mn-lt"/>
-                <a:ea typeface="+mn-ea"/>
-                <a:cs typeface="+mn-cs"/>
-              </a:rPr>
-              <a:t>ACME </a:t>
-            </a:r>
-            <a:r>
-              <a:rPr kumimoji="0" lang="fr-FR" sz="1200" i="0" u="none" strike="noStrike" kern="0" cap="none" spc="0" normalizeH="0" baseline="0" noProof="0" dirty="0" err="1" smtClean="0">
-                <a:ln>
-                  <a:noFill/>
-                </a:ln>
-                <a:solidFill>
-                  <a:schemeClr val="tx1">
-                    <a:lumMod val="50000"/>
-                    <a:lumOff val="50000"/>
-                  </a:schemeClr>
-                </a:solidFill>
-                <a:effectLst/>
-                <a:uLnTx/>
-                <a:uFillTx/>
-                <a:latin typeface="+mn-lt"/>
-                <a:ea typeface="+mn-ea"/>
-                <a:cs typeface="+mn-cs"/>
-              </a:rPr>
-              <a:t>Presentation</a:t>
-            </a:r>
-            <a:endParaRPr kumimoji="0" lang="fr-FR" sz="1200" i="0" u="none" strike="noStrike" kern="0" cap="none" spc="0" normalizeH="0" baseline="0" noProof="0" dirty="0" smtClean="0">
-              <a:ln>
-                <a:noFill/>
-              </a:ln>
-              <a:solidFill>
-                <a:schemeClr val="tx1">
-                  <a:lumMod val="50000"/>
-                  <a:lumOff val="50000"/>
-                </a:schemeClr>
-              </a:solidFill>
-              <a:effectLst/>
-              <a:uLnTx/>
-              <a:uFillTx/>
-              <a:latin typeface="+mn-lt"/>
-              <a:ea typeface="+mn-ea"/>
-              <a:cs typeface="+mn-cs"/>
-            </a:endParaRPr>
-          </a:p>
-        </p:txBody>
-      </p:sp>
-      <p:sp>
-        <p:nvSpPr>
-          <p:cNvPr id="7" name="ZoneTexte 6"/>
-          <p:cNvSpPr txBox="1"/>
-          <p:nvPr/>
-        </p:nvSpPr>
-        <p:spPr>
-          <a:xfrm>
-            <a:off x="6786578" y="0"/>
-            <a:ext cx="1382110" cy="276999"/>
-          </a:xfrm>
-          <a:prstGeom prst="rect">
-            <a:avLst/>
-          </a:prstGeom>
-          <a:noFill/>
-          <a:ln>
-            <a:noFill/>
-          </a:ln>
-        </p:spPr>
-        <p:txBody>
-          <a:bodyPr wrap="none" rtlCol="0">
-            <a:spAutoFit/>
-          </a:bodyPr>
-          <a:lstStyle/>
-          <a:p>
-            <a:pPr marL="0" marR="0" indent="0" algn="l" defTabSz="914400" rtl="0" eaLnBrk="1" fontAlgn="auto" latinLnBrk="0" hangingPunct="1">
-              <a:lnSpc>
-                <a:spcPct val="100000"/>
-              </a:lnSpc>
-              <a:spcBef>
-                <a:spcPct val="20000"/>
-              </a:spcBef>
-              <a:spcAft>
-                <a:spcPts val="0"/>
-              </a:spcAft>
-              <a:buClrTx/>
-              <a:buSzTx/>
-              <a:buFontTx/>
-              <a:buNone/>
-              <a:tabLst/>
-            </a:pPr>
-            <a:r>
-              <a:rPr kumimoji="0" lang="fr-FR" sz="1200" i="0" u="none" strike="noStrike" kern="0" cap="none" spc="0" normalizeH="0" baseline="0" noProof="0" dirty="0" smtClean="0">
-                <a:ln>
-                  <a:noFill/>
-                </a:ln>
-                <a:solidFill>
-                  <a:schemeClr val="tx1">
-                    <a:lumMod val="50000"/>
-                    <a:lumOff val="50000"/>
-                  </a:schemeClr>
-                </a:solidFill>
-                <a:effectLst/>
-                <a:uLnTx/>
-                <a:uFillTx/>
-                <a:latin typeface="+mn-lt"/>
-                <a:ea typeface="+mn-ea"/>
-                <a:cs typeface="+mn-cs"/>
-              </a:rPr>
-              <a:t>ATAM introduction</a:t>
-            </a:r>
+              <a:rPr lang="en-US" smtClean="0"/>
+              <a:t>Finally, </a:t>
+            </a:r>
+            <a:r>
+              <a:rPr lang="en-US" dirty="0" smtClean="0"/>
+              <a:t>ACME code can be directly translated into ADL 2 specific description</a:t>
+            </a:r>
+            <a:endParaRPr lang="en-US" dirty="0"/>
           </a:p>
         </p:txBody>
       </p:sp>
@@ -12279,14 +13088,10 @@
           <a:lstStyle/>
           <a:p>
             <a:r>
-              <a:rPr lang="en-GB" dirty="0" smtClean="0"/>
-              <a:t>2. ADL investigation and </a:t>
-            </a:r>
-            <a:r>
-              <a:rPr lang="en-GB" dirty="0" err="1" smtClean="0"/>
-              <a:t>choicE</a:t>
-            </a:r>
-            <a:endParaRPr lang="en-GB" dirty="0"/>
+              <a:rPr lang="en-US" dirty="0" smtClean="0"/>
+              <a:t>Acme transformation</a:t>
+            </a:r>
+            <a:endParaRPr lang="en-US" dirty="0"/>
           </a:p>
         </p:txBody>
       </p:sp>
@@ -12305,132 +13110,145 @@
           <a:bodyPr/>
           <a:lstStyle/>
           <a:p>
-            <a:r>
-              <a:rPr lang="en-GB" dirty="0" smtClean="0"/>
-              <a:t>Comparison between several available </a:t>
-            </a:r>
-            <a:r>
-              <a:rPr lang="en-GB" dirty="0" err="1" smtClean="0"/>
+            <a:endParaRPr lang="en-US" dirty="0"/>
+          </a:p>
+        </p:txBody>
+      </p:sp>
+    </p:spTree>
+  </p:cSld>
+  <p:clrMapOvr>
+    <a:masterClrMapping/>
+  </p:clrMapOvr>
+  <p:timing>
+    <p:tnLst>
+      <p:par>
+        <p:cTn id="1" dur="indefinite" restart="never" nodeType="tmRoot"/>
+      </p:par>
+    </p:tnLst>
+  </p:timing>
+</p:sld>
+</file>
+
+<file path=ppt/slides/slide6.xml><?xml version="1.0" encoding="utf-8"?>
+<p:sld xmlns:a="http://schemas.openxmlformats.org/drawingml/2006/main" xmlns:r="http://schemas.openxmlformats.org/officeDocument/2006/relationships" xmlns:mc="http://schemas.openxmlformats.org/markup-compatibility/2006" xmlns:mv="urn:schemas-microsoft-com:mac:vml" xmlns:p="http://schemas.openxmlformats.org/presentationml/2006/main" mc:Ignorable="mv" mc:PreserveAttributes="mv:*">
+  <p:cSld>
+    <p:spTree>
+      <p:nvGrpSpPr>
+        <p:cNvPr id="1" name=""/>
+        <p:cNvGrpSpPr/>
+        <p:nvPr/>
+      </p:nvGrpSpPr>
+      <p:grpSpPr>
+        <a:xfrm>
+          <a:off x="0" y="0"/>
+          <a:ext cx="0" cy="0"/>
+          <a:chOff x="0" y="0"/>
+          <a:chExt cx="0" cy="0"/>
+        </a:xfrm>
+      </p:grpSpPr>
+      <p:sp>
+        <p:nvSpPr>
+          <p:cNvPr id="2" name="Title 1"/>
+          <p:cNvSpPr>
+            <a:spLocks noGrp="1"/>
+          </p:cNvSpPr>
+          <p:nvPr>
+            <p:ph type="ctrTitle"/>
+          </p:nvPr>
+        </p:nvSpPr>
+        <p:spPr/>
+        <p:txBody>
+          <a:bodyPr/>
+          <a:lstStyle/>
+          <a:p>
+            <a:r>
+              <a:rPr lang="fr-FR" dirty="0" smtClean="0"/>
+              <a:t>1. </a:t>
+            </a:r>
+            <a:r>
+              <a:rPr lang="fr-FR" dirty="0" err="1" smtClean="0"/>
+              <a:t>Why</a:t>
+            </a:r>
+            <a:r>
+              <a:rPr lang="fr-FR" dirty="0" smtClean="0"/>
+              <a:t> do </a:t>
+            </a:r>
+            <a:r>
+              <a:rPr lang="fr-FR" dirty="0" err="1" smtClean="0"/>
+              <a:t>we</a:t>
+            </a:r>
+            <a:r>
+              <a:rPr lang="fr-FR" dirty="0" smtClean="0"/>
+              <a:t> use ADLS ?(</a:t>
+            </a:r>
+            <a:r>
+              <a:rPr lang="fr-FR" dirty="0" err="1" smtClean="0"/>
+              <a:t>cont</a:t>
+            </a:r>
+            <a:r>
+              <a:rPr lang="fr-FR" dirty="0" smtClean="0"/>
+              <a:t>.)</a:t>
+            </a:r>
+            <a:endParaRPr lang="en-GB" dirty="0"/>
+          </a:p>
+        </p:txBody>
+      </p:sp>
+      <p:sp>
+        <p:nvSpPr>
+          <p:cNvPr id="3" name="Text Placeholder 2"/>
+          <p:cNvSpPr>
+            <a:spLocks noGrp="1"/>
+          </p:cNvSpPr>
+          <p:nvPr>
+            <p:ph type="body" sz="quarter" idx="10"/>
+          </p:nvPr>
+        </p:nvSpPr>
+        <p:spPr>
+          <a:xfrm>
+            <a:off x="285750" y="1285860"/>
+            <a:ext cx="8643968" cy="5286390"/>
+          </a:xfrm>
+        </p:spPr>
+        <p:txBody>
+          <a:bodyPr/>
+          <a:lstStyle/>
+          <a:p>
+            <a:r>
+              <a:rPr lang="en-US" dirty="0" smtClean="0"/>
+              <a:t>An ADL is a language for modeling a software system’s conceptual architecture, distinguished from the system’s implementation</a:t>
+            </a:r>
+          </a:p>
+          <a:p>
+            <a:endParaRPr lang="en-US" dirty="0" smtClean="0"/>
+          </a:p>
+          <a:p>
+            <a:r>
+              <a:rPr lang="en-US" dirty="0" err="1" smtClean="0"/>
               <a:t>ADLs</a:t>
             </a:r>
-            <a:endParaRPr lang="en-GB" dirty="0" smtClean="0"/>
-          </a:p>
-          <a:p>
-            <a:pPr lvl="1"/>
-            <a:r>
-              <a:rPr lang="en-GB" dirty="0" smtClean="0"/>
-              <a:t>Abacus :</a:t>
-            </a:r>
-          </a:p>
-          <a:p>
-            <a:pPr lvl="2"/>
-            <a:r>
-              <a:rPr lang="en-GB" dirty="0" smtClean="0"/>
-              <a:t>No</a:t>
-            </a:r>
             <a:r>
               <a:rPr lang="en-US" dirty="0" smtClean="0"/>
-              <a:t>t well furnished (movies, tutorials,…) but not a lot of papers</a:t>
-            </a:r>
-          </a:p>
-          <a:p>
-            <a:pPr lvl="2"/>
+              <a:t> </a:t>
+            </a:r>
             <a:r>
               <a:rPr lang="en-US" dirty="0" smtClean="0"/>
-              <a:t>For professional &amp; enterprises</a:t>
-            </a:r>
-          </a:p>
-          <a:p>
-            <a:pPr lvl="2"/>
+              <a:t>bring the tools for architecture evolution and reusability</a:t>
+            </a:r>
+          </a:p>
+          <a:p>
+            <a:endParaRPr lang="en-US" dirty="0" smtClean="0"/>
+          </a:p>
+          <a:p>
             <a:r>
               <a:rPr lang="en-US" dirty="0" smtClean="0"/>
-              <a:t>Software : 30 day trial</a:t>
-            </a:r>
-            <a:endParaRPr lang="en-GB" dirty="0" smtClean="0"/>
-          </a:p>
-          <a:p>
-            <a:pPr lvl="1"/>
-            <a:r>
-              <a:rPr lang="en-GB" dirty="0" err="1" smtClean="0"/>
-              <a:t>Rapide</a:t>
-            </a:r>
-            <a:r>
-              <a:rPr lang="en-GB" dirty="0" smtClean="0"/>
-              <a:t> : </a:t>
-            </a:r>
-          </a:p>
-          <a:p>
-            <a:pPr lvl="2"/>
-            <a:r>
-              <a:rPr lang="en-US" dirty="0" smtClean="0"/>
-              <a:t>Best furnished  papers</a:t>
-            </a:r>
-          </a:p>
-          <a:p>
-            <a:pPr lvl="2"/>
-            <a:r>
-              <a:rPr lang="en-US" dirty="0" smtClean="0"/>
-              <a:t>Best example furniture</a:t>
-            </a:r>
-          </a:p>
-          <a:p>
-            <a:pPr lvl="2"/>
-            <a:r>
-              <a:rPr lang="en-US" dirty="0" smtClean="0"/>
-              <a:t>Software on Linux &amp; Solaris : free BUT NOT ACCESSIBLE</a:t>
-            </a:r>
-            <a:endParaRPr lang="en-GB" dirty="0" smtClean="0"/>
-          </a:p>
-          <a:p>
-            <a:pPr lvl="1"/>
-            <a:r>
-              <a:rPr lang="en-GB" dirty="0" smtClean="0"/>
-              <a:t>Wright</a:t>
-            </a:r>
-          </a:p>
-          <a:p>
-            <a:pPr lvl="2"/>
-            <a:r>
-              <a:rPr lang="en-US" dirty="0" smtClean="0"/>
-              <a:t>Not too much documents</a:t>
-            </a:r>
-          </a:p>
-          <a:p>
-            <a:pPr lvl="2"/>
-            <a:r>
-              <a:rPr lang="en-US" dirty="0" smtClean="0"/>
-              <a:t>Well furnished on Internet</a:t>
-            </a:r>
-          </a:p>
-          <a:p>
-            <a:pPr lvl="2"/>
-            <a:r>
-              <a:rPr lang="en-US" dirty="0" smtClean="0"/>
-              <a:t>No software</a:t>
-            </a:r>
-            <a:endParaRPr lang="en-GB" dirty="0" smtClean="0"/>
-          </a:p>
-          <a:p>
-            <a:pPr lvl="1"/>
-            <a:r>
-              <a:rPr lang="en-GB" dirty="0" err="1" smtClean="0"/>
-              <a:t>Unicon</a:t>
-            </a:r>
-            <a:endParaRPr lang="en-GB" dirty="0" smtClean="0"/>
-          </a:p>
-          <a:p>
-            <a:pPr lvl="2"/>
-            <a:r>
-              <a:rPr lang="en-GB" dirty="0" smtClean="0"/>
-              <a:t>Furnished</a:t>
-            </a:r>
-          </a:p>
-          <a:p>
-            <a:pPr lvl="2"/>
-            <a:r>
-              <a:rPr lang="en-GB" dirty="0" smtClean="0"/>
-              <a:t>Software not available</a:t>
-            </a:r>
+              <a:t>Makes the architecture assessable using external tools or methods</a:t>
+            </a:r>
+          </a:p>
+          <a:p>
+            <a:endParaRPr lang="en-US" dirty="0" smtClean="0"/>
+          </a:p>
+          <a:p>
+            <a:endParaRPr lang="en-GB" dirty="0"/>
           </a:p>
         </p:txBody>
       </p:sp>
@@ -12443,7 +13261,7 @@
         <p:spPr>
           <a:xfrm>
             <a:off x="500034" y="0"/>
-            <a:ext cx="1558440" cy="276999"/>
+            <a:ext cx="1643399" cy="276999"/>
           </a:xfrm>
           <a:prstGeom prst="rect">
             <a:avLst/>
@@ -12476,94 +13294,89 @@
               <a:tabLst/>
             </a:pPr>
             <a:r>
-              <a:rPr lang="fr-FR" sz="1200" kern="0" dirty="0" err="1" smtClean="0">
-                <a:solidFill>
-                  <a:schemeClr val="tx1">
-                    <a:lumMod val="50000"/>
-                    <a:lumOff val="50000"/>
-                  </a:schemeClr>
-                </a:solidFill>
-                <a:latin typeface="+mn-lt"/>
+              <a:rPr kumimoji="0" lang="fr-FR" sz="1200" b="1" i="0" u="sng" strike="noStrike" kern="0" cap="none" spc="0" normalizeH="0" baseline="0" noProof="0" dirty="0" err="1" smtClean="0">
+                <a:ln>
+                  <a:noFill/>
+                </a:ln>
+                <a:effectLst/>
+                <a:uLnTx/>
+                <a:uFillTx/>
+                <a:latin typeface="+mn-lt"/>
+                <a:ea typeface="+mn-ea"/>
                 <a:cs typeface="+mn-cs"/>
               </a:rPr>
               <a:t>Why</a:t>
             </a:r>
             <a:r>
-              <a:rPr lang="fr-FR" sz="1200" kern="0" dirty="0" smtClean="0">
-                <a:solidFill>
-                  <a:schemeClr val="tx1">
-                    <a:lumMod val="50000"/>
-                    <a:lumOff val="50000"/>
-                  </a:schemeClr>
-                </a:solidFill>
-                <a:latin typeface="+mn-lt"/>
+              <a:rPr kumimoji="0" lang="fr-FR" sz="1200" b="1" i="0" u="sng" strike="noStrike" kern="0" cap="none" spc="0" normalizeH="0" baseline="0" noProof="0" dirty="0" smtClean="0">
+                <a:ln>
+                  <a:noFill/>
+                </a:ln>
+                <a:effectLst/>
+                <a:uLnTx/>
+                <a:uFillTx/>
+                <a:latin typeface="+mn-lt"/>
+                <a:ea typeface="+mn-ea"/>
                 <a:cs typeface="+mn-cs"/>
               </a:rPr>
               <a:t> do </a:t>
             </a:r>
             <a:r>
-              <a:rPr lang="fr-FR" sz="1200" kern="0" dirty="0" err="1" smtClean="0">
-                <a:solidFill>
-                  <a:schemeClr val="tx1">
-                    <a:lumMod val="50000"/>
-                    <a:lumOff val="50000"/>
-                  </a:schemeClr>
-                </a:solidFill>
-                <a:latin typeface="+mn-lt"/>
+              <a:rPr kumimoji="0" lang="fr-FR" sz="1200" b="1" i="0" u="sng" strike="noStrike" kern="0" cap="none" spc="0" normalizeH="0" baseline="0" noProof="0" dirty="0" err="1" smtClean="0">
+                <a:ln>
+                  <a:noFill/>
+                </a:ln>
+                <a:effectLst/>
+                <a:uLnTx/>
+                <a:uFillTx/>
+                <a:latin typeface="+mn-lt"/>
+                <a:ea typeface="+mn-ea"/>
                 <a:cs typeface="+mn-cs"/>
               </a:rPr>
               <a:t>we</a:t>
             </a:r>
             <a:r>
-              <a:rPr lang="fr-FR" sz="1200" kern="0" dirty="0" smtClean="0">
-                <a:solidFill>
-                  <a:schemeClr val="tx1">
-                    <a:lumMod val="50000"/>
-                    <a:lumOff val="50000"/>
-                  </a:schemeClr>
-                </a:solidFill>
-                <a:latin typeface="+mn-lt"/>
+              <a:rPr kumimoji="0" lang="fr-FR" sz="1200" b="1" i="0" u="sng" strike="noStrike" kern="0" cap="none" spc="0" normalizeH="0" baseline="0" noProof="0" dirty="0" smtClean="0">
+                <a:ln>
+                  <a:noFill/>
+                </a:ln>
+                <a:effectLst/>
+                <a:uLnTx/>
+                <a:uFillTx/>
+                <a:latin typeface="+mn-lt"/>
+                <a:ea typeface="+mn-ea"/>
                 <a:cs typeface="+mn-cs"/>
               </a:rPr>
               <a:t> use </a:t>
             </a:r>
             <a:r>
-              <a:rPr lang="fr-FR" sz="1200" kern="0" dirty="0" err="1" smtClean="0">
-                <a:solidFill>
-                  <a:schemeClr val="tx1">
-                    <a:lumMod val="50000"/>
-                    <a:lumOff val="50000"/>
-                  </a:schemeClr>
-                </a:solidFill>
-                <a:latin typeface="+mn-lt"/>
+              <a:rPr kumimoji="0" lang="fr-FR" sz="1200" b="1" i="0" u="sng" strike="noStrike" kern="0" cap="none" spc="0" normalizeH="0" baseline="0" noProof="0" dirty="0" err="1" smtClean="0">
+                <a:ln>
+                  <a:noFill/>
+                </a:ln>
+                <a:effectLst/>
+                <a:uLnTx/>
+                <a:uFillTx/>
+                <a:latin typeface="+mn-lt"/>
+                <a:ea typeface="+mn-ea"/>
                 <a:cs typeface="+mn-cs"/>
               </a:rPr>
               <a:t>ADLs</a:t>
             </a:r>
             <a:r>
-              <a:rPr lang="fr-FR" sz="1200" kern="0" dirty="0" smtClean="0">
-                <a:solidFill>
-                  <a:schemeClr val="tx1">
-                    <a:lumMod val="50000"/>
-                    <a:lumOff val="50000"/>
-                  </a:schemeClr>
-                </a:solidFill>
-                <a:latin typeface="+mn-lt"/>
+              <a:rPr kumimoji="0" lang="fr-FR" sz="1200" b="1" i="0" u="sng" strike="noStrike" kern="0" cap="none" spc="0" normalizeH="0" baseline="0" noProof="0" dirty="0" smtClean="0">
+                <a:ln>
+                  <a:noFill/>
+                </a:ln>
+                <a:effectLst/>
+                <a:uLnTx/>
+                <a:uFillTx/>
+                <a:latin typeface="+mn-lt"/>
+                <a:ea typeface="+mn-ea"/>
                 <a:cs typeface="+mn-cs"/>
               </a:rPr>
               <a:t>?</a:t>
             </a:r>
-            <a:endParaRPr kumimoji="0" lang="fr-FR" sz="1200" b="1" i="0" u="sng" strike="noStrike" kern="0" cap="none" spc="0" normalizeH="0" baseline="0" noProof="0" dirty="0" smtClean="0">
-              <a:ln>
-                <a:noFill/>
-              </a:ln>
-              <a:effectLst/>
-              <a:uLnTx/>
-              <a:uFillTx/>
-              <a:latin typeface="+mn-lt"/>
-              <a:ea typeface="+mn-ea"/>
-              <a:cs typeface="+mn-cs"/>
-            </a:endParaRPr>
           </a:p>
         </p:txBody>
       </p:sp>
@@ -12575,62 +13388,8 @@
         </p:nvSpPr>
         <p:spPr>
           <a:xfrm>
-            <a:off x="2714612" y="0"/>
-            <a:ext cx="904415" cy="276999"/>
-          </a:xfrm>
-          <a:prstGeom prst="rect">
-            <a:avLst/>
-          </a:prstGeom>
-          <a:noFill/>
-          <a:ln>
-            <a:noFill/>
-          </a:ln>
-        </p:spPr>
-        <p:txBody>
-          <a:bodyPr wrap="none" rtlCol="0">
-            <a:spAutoFit/>
-          </a:bodyPr>
-          <a:lstStyle/>
-          <a:p>
-            <a:pPr fontAlgn="auto">
-              <a:spcBef>
-                <a:spcPct val="20000"/>
-              </a:spcBef>
-              <a:spcAft>
-                <a:spcPts val="0"/>
-              </a:spcAft>
-            </a:pPr>
-            <a:r>
-              <a:rPr lang="fr-FR" sz="1200" b="1" u="sng" kern="0" dirty="0" smtClean="0">
-                <a:latin typeface="+mn-lt"/>
-                <a:cs typeface="+mn-cs"/>
-              </a:rPr>
-              <a:t>ADL </a:t>
-            </a:r>
-            <a:r>
-              <a:rPr lang="fr-FR" sz="1200" b="1" u="sng" kern="0" dirty="0" err="1" smtClean="0">
-                <a:latin typeface="+mn-lt"/>
-                <a:cs typeface="+mn-cs"/>
-              </a:rPr>
-              <a:t>Choice</a:t>
-            </a:r>
-            <a:endParaRPr lang="fr-FR" sz="1200" b="1" u="sng" kern="0" dirty="0" smtClean="0">
-              <a:latin typeface="+mn-lt"/>
-              <a:cs typeface="+mn-cs"/>
-            </a:endParaRPr>
-          </a:p>
-        </p:txBody>
-      </p:sp>
-      <p:sp>
-        <p:nvSpPr>
-          <p:cNvPr id="6" name="ZoneTexte 5"/>
-          <p:cNvSpPr txBox="1"/>
-          <p:nvPr/>
-        </p:nvSpPr>
-        <p:spPr>
-          <a:xfrm>
-            <a:off x="4572000" y="0"/>
-            <a:ext cx="1399742" cy="276999"/>
+            <a:off x="2643174" y="0"/>
+            <a:ext cx="889987" cy="276999"/>
           </a:xfrm>
           <a:prstGeom prst="rect">
             <a:avLst/>
@@ -12680,7 +13439,7 @@
                 <a:ea typeface="+mn-ea"/>
                 <a:cs typeface="+mn-cs"/>
               </a:rPr>
-              <a:t>ACME </a:t>
+              <a:t>ADL </a:t>
             </a:r>
             <a:r>
               <a:rPr kumimoji="0" lang="fr-FR" sz="1200" i="0" u="none" strike="noStrike" kern="0" cap="none" spc="0" normalizeH="0" baseline="0" noProof="0" dirty="0" err="1" smtClean="0">
@@ -12700,7 +13459,7 @@
                 <a:ea typeface="+mn-ea"/>
                 <a:cs typeface="+mn-cs"/>
               </a:rPr>
-              <a:t>Presentation</a:t>
+              <a:t>Choice</a:t>
             </a:r>
             <a:endParaRPr kumimoji="0" lang="fr-FR" sz="1200" i="0" u="none" strike="noStrike" kern="0" cap="none" spc="0" normalizeH="0" baseline="0" noProof="0" dirty="0" smtClean="0">
               <a:ln>
@@ -12724,14 +13483,14 @@
       </p:sp>
       <p:sp>
         <p:nvSpPr>
-          <p:cNvPr id="7" name="ZoneTexte 6"/>
+          <p:cNvPr id="6" name="ZoneTexte 5"/>
           <p:cNvSpPr txBox="1"/>
           <p:nvPr/>
         </p:nvSpPr>
         <p:spPr>
           <a:xfrm>
-            <a:off x="6786578" y="0"/>
-            <a:ext cx="1382110" cy="276999"/>
+            <a:off x="4572000" y="0"/>
+            <a:ext cx="1399742" cy="276999"/>
           </a:xfrm>
           <a:prstGeom prst="rect">
             <a:avLst/>
@@ -12781,6 +13540,662 @@
                 <a:ea typeface="+mn-ea"/>
                 <a:cs typeface="+mn-cs"/>
               </a:rPr>
+              <a:t>ACME </a:t>
+            </a:r>
+            <a:r>
+              <a:rPr kumimoji="0" lang="fr-FR" sz="1200" i="0" u="none" strike="noStrike" kern="0" cap="none" spc="0" normalizeH="0" baseline="0" noProof="0" dirty="0" err="1" smtClean="0">
+                <a:ln>
+                  <a:noFill/>
+                </a:ln>
+                <a:solidFill>
+                  <a:schemeClr val="tx1">
+                    <a:lumMod val="50000"/>
+                    <a:lumOff val="50000"/>
+                  </a:schemeClr>
+                </a:solidFill>
+                <a:effectLst/>
+                <a:uLnTx/>
+                <a:uFillTx/>
+                <a:latin typeface="+mn-lt"/>
+                <a:ea typeface="+mn-ea"/>
+                <a:cs typeface="+mn-cs"/>
+              </a:rPr>
+              <a:t>Presentation</a:t>
+            </a:r>
+            <a:endParaRPr kumimoji="0" lang="fr-FR" sz="1200" i="0" u="none" strike="noStrike" kern="0" cap="none" spc="0" normalizeH="0" baseline="0" noProof="0" dirty="0" smtClean="0">
+              <a:ln>
+                <a:noFill/>
+              </a:ln>
+              <a:solidFill>
+                <a:schemeClr val="tx1">
+                  <a:lumMod val="50000"/>
+                  <a:lumOff val="50000"/>
+                </a:schemeClr>
+              </a:solidFill>
+              <a:effectLst/>
+              <a:uLnTx/>
+              <a:uFillTx/>
+              <a:latin typeface="+mn-lt"/>
+              <a:ea typeface="+mn-ea"/>
+              <a:cs typeface="+mn-cs"/>
+            </a:endParaRPr>
+          </a:p>
+        </p:txBody>
+      </p:sp>
+      <p:sp>
+        <p:nvSpPr>
+          <p:cNvPr id="7" name="ZoneTexte 6"/>
+          <p:cNvSpPr txBox="1"/>
+          <p:nvPr/>
+        </p:nvSpPr>
+        <p:spPr>
+          <a:xfrm>
+            <a:off x="6786578" y="0"/>
+            <a:ext cx="1382110" cy="276999"/>
+          </a:xfrm>
+          <a:prstGeom prst="rect">
+            <a:avLst/>
+          </a:prstGeom>
+          <a:noFill/>
+          <a:ln>
+            <a:noFill/>
+          </a:ln>
+        </p:spPr>
+        <p:txBody>
+          <a:bodyPr wrap="none" rtlCol="0">
+            <a:spAutoFit/>
+          </a:bodyPr>
+          <a:lstStyle/>
+          <a:p>
+            <a:pPr marL="0" marR="0" indent="0" algn="l" defTabSz="914400" rtl="0" eaLnBrk="1" fontAlgn="auto" latinLnBrk="0" hangingPunct="1">
+              <a:lnSpc>
+                <a:spcPct val="100000"/>
+              </a:lnSpc>
+              <a:spcBef>
+                <a:spcPct val="20000"/>
+              </a:spcBef>
+              <a:spcAft>
+                <a:spcPts val="0"/>
+              </a:spcAft>
+              <a:buClrTx/>
+              <a:buSzTx/>
+              <a:buFontTx/>
+              <a:buNone/>
+              <a:tabLst/>
+            </a:pPr>
+            <a:r>
+              <a:rPr kumimoji="0" lang="fr-FR" sz="1200" i="0" u="none" strike="noStrike" kern="0" cap="none" spc="0" normalizeH="0" baseline="0" noProof="0" dirty="0" smtClean="0">
+                <a:ln>
+                  <a:noFill/>
+                </a:ln>
+                <a:solidFill>
+                  <a:schemeClr val="tx1">
+                    <a:lumMod val="50000"/>
+                    <a:lumOff val="50000"/>
+                  </a:schemeClr>
+                </a:solidFill>
+                <a:effectLst/>
+                <a:uLnTx/>
+                <a:uFillTx/>
+                <a:latin typeface="+mn-lt"/>
+                <a:ea typeface="+mn-ea"/>
+                <a:cs typeface="+mn-cs"/>
+              </a:rPr>
+              <a:t>ATAM introduction</a:t>
+            </a:r>
+          </a:p>
+        </p:txBody>
+      </p:sp>
+    </p:spTree>
+  </p:cSld>
+  <p:clrMapOvr>
+    <a:masterClrMapping/>
+  </p:clrMapOvr>
+  <p:timing>
+    <p:tnLst>
+      <p:par>
+        <p:cTn id="1" dur="indefinite" restart="never" nodeType="tmRoot"/>
+      </p:par>
+    </p:tnLst>
+  </p:timing>
+</p:sld>
+</file>
+
+<file path=ppt/slides/slide7.xml><?xml version="1.0" encoding="utf-8"?>
+<p:sld xmlns:a="http://schemas.openxmlformats.org/drawingml/2006/main" xmlns:r="http://schemas.openxmlformats.org/officeDocument/2006/relationships" xmlns:mc="http://schemas.openxmlformats.org/markup-compatibility/2006" xmlns:mv="urn:schemas-microsoft-com:mac:vml" xmlns:p="http://schemas.openxmlformats.org/presentationml/2006/main" mc:Ignorable="mv" mc:PreserveAttributes="mv:*">
+  <p:cSld>
+    <p:spTree>
+      <p:nvGrpSpPr>
+        <p:cNvPr id="1" name=""/>
+        <p:cNvGrpSpPr/>
+        <p:nvPr/>
+      </p:nvGrpSpPr>
+      <p:grpSpPr>
+        <a:xfrm>
+          <a:off x="0" y="0"/>
+          <a:ext cx="0" cy="0"/>
+          <a:chOff x="0" y="0"/>
+          <a:chExt cx="0" cy="0"/>
+        </a:xfrm>
+      </p:grpSpPr>
+      <p:sp>
+        <p:nvSpPr>
+          <p:cNvPr id="2" name="Title 1"/>
+          <p:cNvSpPr>
+            <a:spLocks noGrp="1"/>
+          </p:cNvSpPr>
+          <p:nvPr>
+            <p:ph type="ctrTitle"/>
+          </p:nvPr>
+        </p:nvSpPr>
+        <p:spPr/>
+        <p:txBody>
+          <a:bodyPr/>
+          <a:lstStyle/>
+          <a:p>
+            <a:r>
+              <a:rPr lang="en-GB" dirty="0" smtClean="0"/>
+              <a:t>2. ADL investigation and </a:t>
+            </a:r>
+            <a:r>
+              <a:rPr lang="en-GB" dirty="0" err="1" smtClean="0"/>
+              <a:t>choicE</a:t>
+            </a:r>
+            <a:endParaRPr lang="en-GB" dirty="0"/>
+          </a:p>
+        </p:txBody>
+      </p:sp>
+      <p:sp>
+        <p:nvSpPr>
+          <p:cNvPr id="3" name="Text Placeholder 2"/>
+          <p:cNvSpPr>
+            <a:spLocks noGrp="1"/>
+          </p:cNvSpPr>
+          <p:nvPr>
+            <p:ph type="body" sz="quarter" idx="10"/>
+          </p:nvPr>
+        </p:nvSpPr>
+        <p:spPr/>
+        <p:txBody>
+          <a:bodyPr/>
+          <a:lstStyle/>
+          <a:p>
+            <a:r>
+              <a:rPr lang="en-GB" dirty="0" smtClean="0"/>
+              <a:t>Comparison between several available </a:t>
+            </a:r>
+            <a:r>
+              <a:rPr lang="en-GB" dirty="0" err="1" smtClean="0"/>
+              <a:t>ADLs</a:t>
+            </a:r>
+            <a:endParaRPr lang="en-GB" dirty="0" smtClean="0"/>
+          </a:p>
+          <a:p>
+            <a:pPr lvl="1"/>
+            <a:r>
+              <a:rPr lang="en-GB" dirty="0" smtClean="0"/>
+              <a:t>Abacus :</a:t>
+            </a:r>
+          </a:p>
+          <a:p>
+            <a:pPr lvl="2"/>
+            <a:r>
+              <a:rPr lang="en-GB" dirty="0" smtClean="0"/>
+              <a:t>No</a:t>
+            </a:r>
+            <a:r>
+              <a:rPr lang="en-US" dirty="0" smtClean="0"/>
+              <a:t>t well furnished (movies, tutorials,…) but not a lot of papers</a:t>
+            </a:r>
+          </a:p>
+          <a:p>
+            <a:pPr lvl="2"/>
+            <a:r>
+              <a:rPr lang="en-US" dirty="0" smtClean="0"/>
+              <a:t>For professional &amp; enterprises</a:t>
+            </a:r>
+          </a:p>
+          <a:p>
+            <a:pPr lvl="2"/>
+            <a:r>
+              <a:rPr lang="en-US" dirty="0" smtClean="0"/>
+              <a:t>Software : 30 day trial</a:t>
+            </a:r>
+            <a:endParaRPr lang="en-GB" dirty="0" smtClean="0"/>
+          </a:p>
+          <a:p>
+            <a:pPr lvl="1"/>
+            <a:r>
+              <a:rPr lang="en-GB" dirty="0" err="1" smtClean="0"/>
+              <a:t>Rapide</a:t>
+            </a:r>
+            <a:r>
+              <a:rPr lang="en-GB" dirty="0" smtClean="0"/>
+              <a:t> : </a:t>
+            </a:r>
+          </a:p>
+          <a:p>
+            <a:pPr lvl="2"/>
+            <a:r>
+              <a:rPr lang="en-US" dirty="0" smtClean="0"/>
+              <a:t>Best furnished  papers</a:t>
+            </a:r>
+          </a:p>
+          <a:p>
+            <a:pPr lvl="2"/>
+            <a:r>
+              <a:rPr lang="en-US" dirty="0" smtClean="0"/>
+              <a:t>Best example furniture</a:t>
+            </a:r>
+          </a:p>
+          <a:p>
+            <a:pPr lvl="2"/>
+            <a:r>
+              <a:rPr lang="en-US" dirty="0" smtClean="0"/>
+              <a:t>Software on Linux &amp; Solaris : free BUT NOT ACCESSIBLE</a:t>
+            </a:r>
+            <a:endParaRPr lang="en-GB" dirty="0" smtClean="0"/>
+          </a:p>
+          <a:p>
+            <a:pPr lvl="1"/>
+            <a:r>
+              <a:rPr lang="en-GB" dirty="0" smtClean="0"/>
+              <a:t>Wright</a:t>
+            </a:r>
+          </a:p>
+          <a:p>
+            <a:pPr lvl="2"/>
+            <a:r>
+              <a:rPr lang="en-US" dirty="0" smtClean="0"/>
+              <a:t>Not too much documents</a:t>
+            </a:r>
+          </a:p>
+          <a:p>
+            <a:pPr lvl="2"/>
+            <a:r>
+              <a:rPr lang="en-US" dirty="0" smtClean="0"/>
+              <a:t>Well furnished on Internet</a:t>
+            </a:r>
+          </a:p>
+          <a:p>
+            <a:pPr lvl="2"/>
+            <a:r>
+              <a:rPr lang="en-US" dirty="0" smtClean="0"/>
+              <a:t>No software</a:t>
+            </a:r>
+            <a:endParaRPr lang="en-GB" dirty="0" smtClean="0"/>
+          </a:p>
+          <a:p>
+            <a:pPr lvl="1"/>
+            <a:r>
+              <a:rPr lang="en-GB" dirty="0" err="1" smtClean="0"/>
+              <a:t>Unicon</a:t>
+            </a:r>
+            <a:endParaRPr lang="en-GB" dirty="0" smtClean="0"/>
+          </a:p>
+          <a:p>
+            <a:pPr lvl="2"/>
+            <a:r>
+              <a:rPr lang="en-GB" dirty="0" smtClean="0"/>
+              <a:t>Furnished</a:t>
+            </a:r>
+          </a:p>
+          <a:p>
+            <a:pPr lvl="2"/>
+            <a:r>
+              <a:rPr lang="en-GB" dirty="0" smtClean="0"/>
+              <a:t>Software not available</a:t>
+            </a:r>
+          </a:p>
+        </p:txBody>
+      </p:sp>
+      <p:sp>
+        <p:nvSpPr>
+          <p:cNvPr id="4" name="ZoneTexte 3"/>
+          <p:cNvSpPr txBox="1"/>
+          <p:nvPr/>
+        </p:nvSpPr>
+        <p:spPr>
+          <a:xfrm>
+            <a:off x="500034" y="0"/>
+            <a:ext cx="1558440" cy="276999"/>
+          </a:xfrm>
+          <a:prstGeom prst="rect">
+            <a:avLst/>
+          </a:prstGeom>
+          <a:noFill/>
+          <a:ln>
+            <a:noFill/>
+          </a:ln>
+        </p:spPr>
+        <p:txBody>
+          <a:bodyPr wrap="none" rtlCol="0">
+            <a:spAutoFit/>
+          </a:bodyPr>
+          <a:lstStyle/>
+          <a:p>
+            <a:pPr marL="0" marR="0" indent="0" algn="l" defTabSz="914400" rtl="0" eaLnBrk="1" fontAlgn="auto" latinLnBrk="0" hangingPunct="1">
+              <a:lnSpc>
+                <a:spcPct val="100000"/>
+              </a:lnSpc>
+              <a:spcBef>
+                <a:spcPct val="20000"/>
+              </a:spcBef>
+              <a:spcAft>
+                <a:spcPts val="0"/>
+              </a:spcAft>
+              <a:buClrTx/>
+              <a:buSzTx/>
+              <a:buFontTx/>
+              <a:buNone/>
+              <a:tabLst/>
+            </a:pPr>
+            <a:r>
+              <a:rPr lang="fr-FR" sz="1200" kern="0" dirty="0" err="1" smtClean="0">
+                <a:solidFill>
+                  <a:schemeClr val="tx1">
+                    <a:lumMod val="50000"/>
+                    <a:lumOff val="50000"/>
+                  </a:schemeClr>
+                </a:solidFill>
+                <a:latin typeface="+mn-lt"/>
+                <a:cs typeface="+mn-cs"/>
+              </a:rPr>
+              <a:t>Why</a:t>
+            </a:r>
+            <a:r>
+              <a:rPr lang="fr-FR" sz="1200" kern="0" dirty="0" smtClean="0">
+                <a:solidFill>
+                  <a:schemeClr val="tx1">
+                    <a:lumMod val="50000"/>
+                    <a:lumOff val="50000"/>
+                  </a:schemeClr>
+                </a:solidFill>
+                <a:latin typeface="+mn-lt"/>
+                <a:cs typeface="+mn-cs"/>
+              </a:rPr>
+              <a:t> do </a:t>
+            </a:r>
+            <a:r>
+              <a:rPr lang="fr-FR" sz="1200" kern="0" dirty="0" err="1" smtClean="0">
+                <a:solidFill>
+                  <a:schemeClr val="tx1">
+                    <a:lumMod val="50000"/>
+                    <a:lumOff val="50000"/>
+                  </a:schemeClr>
+                </a:solidFill>
+                <a:latin typeface="+mn-lt"/>
+                <a:cs typeface="+mn-cs"/>
+              </a:rPr>
+              <a:t>we</a:t>
+            </a:r>
+            <a:r>
+              <a:rPr lang="fr-FR" sz="1200" kern="0" dirty="0" smtClean="0">
+                <a:solidFill>
+                  <a:schemeClr val="tx1">
+                    <a:lumMod val="50000"/>
+                    <a:lumOff val="50000"/>
+                  </a:schemeClr>
+                </a:solidFill>
+                <a:latin typeface="+mn-lt"/>
+                <a:cs typeface="+mn-cs"/>
+              </a:rPr>
+              <a:t> use </a:t>
+            </a:r>
+            <a:r>
+              <a:rPr lang="fr-FR" sz="1200" kern="0" dirty="0" err="1" smtClean="0">
+                <a:solidFill>
+                  <a:schemeClr val="tx1">
+                    <a:lumMod val="50000"/>
+                    <a:lumOff val="50000"/>
+                  </a:schemeClr>
+                </a:solidFill>
+                <a:latin typeface="+mn-lt"/>
+                <a:cs typeface="+mn-cs"/>
+              </a:rPr>
+              <a:t>ADLs</a:t>
+            </a:r>
+            <a:r>
+              <a:rPr lang="fr-FR" sz="1200" kern="0" dirty="0" smtClean="0">
+                <a:solidFill>
+                  <a:schemeClr val="tx1">
+                    <a:lumMod val="50000"/>
+                    <a:lumOff val="50000"/>
+                  </a:schemeClr>
+                </a:solidFill>
+                <a:latin typeface="+mn-lt"/>
+                <a:cs typeface="+mn-cs"/>
+              </a:rPr>
+              <a:t>?</a:t>
+            </a:r>
+            <a:endParaRPr kumimoji="0" lang="fr-FR" sz="1200" b="1" i="0" u="sng" strike="noStrike" kern="0" cap="none" spc="0" normalizeH="0" baseline="0" noProof="0" dirty="0" smtClean="0">
+              <a:ln>
+                <a:noFill/>
+              </a:ln>
+              <a:effectLst/>
+              <a:uLnTx/>
+              <a:uFillTx/>
+              <a:latin typeface="+mn-lt"/>
+              <a:ea typeface="+mn-ea"/>
+              <a:cs typeface="+mn-cs"/>
+            </a:endParaRPr>
+          </a:p>
+        </p:txBody>
+      </p:sp>
+      <p:sp>
+        <p:nvSpPr>
+          <p:cNvPr id="5" name="ZoneTexte 4"/>
+          <p:cNvSpPr txBox="1"/>
+          <p:nvPr/>
+        </p:nvSpPr>
+        <p:spPr>
+          <a:xfrm>
+            <a:off x="2714612" y="0"/>
+            <a:ext cx="904415" cy="276999"/>
+          </a:xfrm>
+          <a:prstGeom prst="rect">
+            <a:avLst/>
+          </a:prstGeom>
+          <a:noFill/>
+          <a:ln>
+            <a:noFill/>
+          </a:ln>
+        </p:spPr>
+        <p:txBody>
+          <a:bodyPr wrap="none" rtlCol="0">
+            <a:spAutoFit/>
+          </a:bodyPr>
+          <a:lstStyle/>
+          <a:p>
+            <a:pPr fontAlgn="auto">
+              <a:spcBef>
+                <a:spcPct val="20000"/>
+              </a:spcBef>
+              <a:spcAft>
+                <a:spcPts val="0"/>
+              </a:spcAft>
+            </a:pPr>
+            <a:r>
+              <a:rPr lang="fr-FR" sz="1200" b="1" u="sng" kern="0" dirty="0" smtClean="0">
+                <a:latin typeface="+mn-lt"/>
+                <a:cs typeface="+mn-cs"/>
+              </a:rPr>
+              <a:t>ADL </a:t>
+            </a:r>
+            <a:r>
+              <a:rPr lang="fr-FR" sz="1200" b="1" u="sng" kern="0" dirty="0" err="1" smtClean="0">
+                <a:latin typeface="+mn-lt"/>
+                <a:cs typeface="+mn-cs"/>
+              </a:rPr>
+              <a:t>Choice</a:t>
+            </a:r>
+            <a:endParaRPr lang="fr-FR" sz="1200" b="1" u="sng" kern="0" dirty="0" smtClean="0">
+              <a:latin typeface="+mn-lt"/>
+              <a:cs typeface="+mn-cs"/>
+            </a:endParaRPr>
+          </a:p>
+        </p:txBody>
+      </p:sp>
+      <p:sp>
+        <p:nvSpPr>
+          <p:cNvPr id="6" name="ZoneTexte 5"/>
+          <p:cNvSpPr txBox="1"/>
+          <p:nvPr/>
+        </p:nvSpPr>
+        <p:spPr>
+          <a:xfrm>
+            <a:off x="4572000" y="0"/>
+            <a:ext cx="1399742" cy="276999"/>
+          </a:xfrm>
+          <a:prstGeom prst="rect">
+            <a:avLst/>
+          </a:prstGeom>
+          <a:noFill/>
+          <a:ln>
+            <a:noFill/>
+          </a:ln>
+        </p:spPr>
+        <p:txBody>
+          <a:bodyPr wrap="none" rtlCol="0">
+            <a:spAutoFit/>
+          </a:bodyPr>
+          <a:lstStyle/>
+          <a:p>
+            <a:pPr marL="0" marR="0" indent="0" algn="l" defTabSz="914400" rtl="0" eaLnBrk="1" fontAlgn="auto" latinLnBrk="0" hangingPunct="1">
+              <a:lnSpc>
+                <a:spcPct val="100000"/>
+              </a:lnSpc>
+              <a:spcBef>
+                <a:spcPct val="20000"/>
+              </a:spcBef>
+              <a:spcAft>
+                <a:spcPts val="0"/>
+              </a:spcAft>
+              <a:buClrTx/>
+              <a:buSzTx/>
+              <a:buFontTx/>
+              <a:buNone/>
+              <a:tabLst/>
+            </a:pPr>
+            <a:r>
+              <a:rPr kumimoji="0" lang="fr-FR" sz="1200" i="0" u="none" strike="noStrike" kern="0" cap="none" spc="0" normalizeH="0" baseline="0" noProof="0" dirty="0" smtClean="0">
+                <a:ln>
+                  <a:noFill/>
+                </a:ln>
+                <a:solidFill>
+                  <a:schemeClr val="tx1">
+                    <a:lumMod val="50000"/>
+                    <a:lumOff val="50000"/>
+                  </a:schemeClr>
+                </a:solidFill>
+                <a:effectLst/>
+                <a:uLnTx/>
+                <a:uFillTx/>
+                <a:latin typeface="+mn-lt"/>
+                <a:ea typeface="+mn-ea"/>
+                <a:cs typeface="+mn-cs"/>
+              </a:rPr>
+              <a:t>ACME </a:t>
+            </a:r>
+            <a:r>
+              <a:rPr kumimoji="0" lang="fr-FR" sz="1200" i="0" u="none" strike="noStrike" kern="0" cap="none" spc="0" normalizeH="0" baseline="0" noProof="0" dirty="0" err="1" smtClean="0">
+                <a:ln>
+                  <a:noFill/>
+                </a:ln>
+                <a:solidFill>
+                  <a:schemeClr val="tx1">
+                    <a:lumMod val="50000"/>
+                    <a:lumOff val="50000"/>
+                  </a:schemeClr>
+                </a:solidFill>
+                <a:effectLst/>
+                <a:uLnTx/>
+                <a:uFillTx/>
+                <a:latin typeface="+mn-lt"/>
+                <a:ea typeface="+mn-ea"/>
+                <a:cs typeface="+mn-cs"/>
+              </a:rPr>
+              <a:t>Presentation</a:t>
+            </a:r>
+            <a:endParaRPr kumimoji="0" lang="fr-FR" sz="1200" i="0" u="none" strike="noStrike" kern="0" cap="none" spc="0" normalizeH="0" baseline="0" noProof="0" dirty="0" smtClean="0">
+              <a:ln>
+                <a:noFill/>
+              </a:ln>
+              <a:solidFill>
+                <a:schemeClr val="tx1">
+                  <a:lumMod val="50000"/>
+                  <a:lumOff val="50000"/>
+                </a:schemeClr>
+              </a:solidFill>
+              <a:effectLst/>
+              <a:uLnTx/>
+              <a:uFillTx/>
+              <a:latin typeface="+mn-lt"/>
+              <a:ea typeface="+mn-ea"/>
+              <a:cs typeface="+mn-cs"/>
+            </a:endParaRPr>
+          </a:p>
+        </p:txBody>
+      </p:sp>
+      <p:sp>
+        <p:nvSpPr>
+          <p:cNvPr id="7" name="ZoneTexte 6"/>
+          <p:cNvSpPr txBox="1"/>
+          <p:nvPr/>
+        </p:nvSpPr>
+        <p:spPr>
+          <a:xfrm>
+            <a:off x="6786578" y="0"/>
+            <a:ext cx="1382110" cy="276999"/>
+          </a:xfrm>
+          <a:prstGeom prst="rect">
+            <a:avLst/>
+          </a:prstGeom>
+          <a:noFill/>
+          <a:ln>
+            <a:noFill/>
+          </a:ln>
+        </p:spPr>
+        <p:txBody>
+          <a:bodyPr wrap="none" rtlCol="0">
+            <a:spAutoFit/>
+          </a:bodyPr>
+          <a:lstStyle/>
+          <a:p>
+            <a:pPr marL="0" marR="0" indent="0" algn="l" defTabSz="914400" rtl="0" eaLnBrk="1" fontAlgn="auto" latinLnBrk="0" hangingPunct="1">
+              <a:lnSpc>
+                <a:spcPct val="100000"/>
+              </a:lnSpc>
+              <a:spcBef>
+                <a:spcPct val="20000"/>
+              </a:spcBef>
+              <a:spcAft>
+                <a:spcPts val="0"/>
+              </a:spcAft>
+              <a:buClrTx/>
+              <a:buSzTx/>
+              <a:buFontTx/>
+              <a:buNone/>
+              <a:tabLst/>
+            </a:pPr>
+            <a:r>
+              <a:rPr kumimoji="0" lang="fr-FR" sz="1200" i="0" u="none" strike="noStrike" kern="0" cap="none" spc="0" normalizeH="0" baseline="0" noProof="0" dirty="0" smtClean="0">
+                <a:ln>
+                  <a:noFill/>
+                </a:ln>
+                <a:solidFill>
+                  <a:schemeClr val="tx1">
+                    <a:lumMod val="50000"/>
+                    <a:lumOff val="50000"/>
+                  </a:schemeClr>
+                </a:solidFill>
+                <a:effectLst/>
+                <a:uLnTx/>
+                <a:uFillTx/>
+                <a:latin typeface="+mn-lt"/>
+                <a:ea typeface="+mn-ea"/>
+                <a:cs typeface="+mn-cs"/>
+              </a:rPr>
               <a:t>ATAM introduction</a:t>
             </a:r>
           </a:p>
@@ -12794,7 +14209,7 @@
 </p:sld>
 </file>
 
-<file path=ppt/slides/slide6.xml><?xml version="1.0" encoding="utf-8"?>
+<file path=ppt/slides/slide8.xml><?xml version="1.0" encoding="utf-8"?>
 <p:sld xmlns:a="http://schemas.openxmlformats.org/drawingml/2006/main" xmlns:r="http://schemas.openxmlformats.org/officeDocument/2006/relationships" xmlns:mc="http://schemas.openxmlformats.org/markup-compatibility/2006" xmlns:mv="urn:schemas-microsoft-com:mac:vml" xmlns:p="http://schemas.openxmlformats.org/presentationml/2006/main" mc:Ignorable="mv" mc:PreserveAttributes="mv:*">
   <p:cSld>
     <p:spTree>
@@ -13416,1039 +14831,6 @@
 </p:sld>
 </file>
 
-<file path=ppt/slides/slide7.xml><?xml version="1.0" encoding="utf-8"?>
-<p:sld xmlns:a="http://schemas.openxmlformats.org/drawingml/2006/main" xmlns:r="http://schemas.openxmlformats.org/officeDocument/2006/relationships" xmlns:mc="http://schemas.openxmlformats.org/markup-compatibility/2006" xmlns:mv="urn:schemas-microsoft-com:mac:vml" xmlns:p="http://schemas.openxmlformats.org/presentationml/2006/main" mc:Ignorable="mv" mc:PreserveAttributes="mv:*">
-  <p:cSld>
-    <p:spTree>
-      <p:nvGrpSpPr>
-        <p:cNvPr id="1" name=""/>
-        <p:cNvGrpSpPr/>
-        <p:nvPr/>
-      </p:nvGrpSpPr>
-      <p:grpSpPr>
-        <a:xfrm>
-          <a:off x="0" y="0"/>
-          <a:ext cx="0" cy="0"/>
-          <a:chOff x="0" y="0"/>
-          <a:chExt cx="0" cy="0"/>
-        </a:xfrm>
-      </p:grpSpPr>
-      <p:sp>
-        <p:nvSpPr>
-          <p:cNvPr id="4" name="Titre 3"/>
-          <p:cNvSpPr>
-            <a:spLocks noGrp="1"/>
-          </p:cNvSpPr>
-          <p:nvPr>
-            <p:ph type="ctrTitle"/>
-          </p:nvPr>
-        </p:nvSpPr>
-        <p:spPr/>
-        <p:txBody>
-          <a:bodyPr/>
-          <a:lstStyle/>
-          <a:p>
-            <a:r>
-              <a:rPr smtClean="0"/>
-              <a:t>3. What is acme ?</a:t>
-            </a:r>
-            <a:endParaRPr lang="fr-FR" dirty="0"/>
-          </a:p>
-        </p:txBody>
-      </p:sp>
-      <p:sp>
-        <p:nvSpPr>
-          <p:cNvPr id="5" name="Espace réservé du texte 4"/>
-          <p:cNvSpPr>
-            <a:spLocks noGrp="1"/>
-          </p:cNvSpPr>
-          <p:nvPr>
-            <p:ph type="body" sz="quarter" idx="10"/>
-          </p:nvPr>
-        </p:nvSpPr>
-        <p:spPr/>
-        <p:txBody>
-          <a:bodyPr/>
-          <a:lstStyle/>
-          <a:p>
-            <a:r>
-              <a:rPr lang="en-US" sz="2800" dirty="0" smtClean="0"/>
-              <a:t>Acme created in 1995 by Carnegie Mellon University</a:t>
-            </a:r>
-          </a:p>
-          <a:p>
-            <a:r>
-              <a:rPr lang="en-US" sz="2800" dirty="0" smtClean="0"/>
-              <a:t>The original goal was to provide a common language that could be used to support the interchange of architectural descriptions between a variety of architectural design tools.</a:t>
-            </a:r>
-          </a:p>
-          <a:p>
-            <a:r>
-              <a:rPr lang="en-US" sz="2800" dirty="0" smtClean="0"/>
-              <a:t>Provide a generic, extensible infrastructure for describing, representing, generating, and analyzing software architecture language description.</a:t>
-            </a:r>
-          </a:p>
-          <a:p>
-            <a:r>
-              <a:rPr lang="en-US" sz="2800" dirty="0" smtClean="0"/>
-              <a:t>Provide descriptions that are easy to understand for everyone</a:t>
-            </a:r>
-          </a:p>
-          <a:p>
-            <a:endParaRPr lang="en-US" sz="2800" dirty="0" smtClean="0"/>
-          </a:p>
-        </p:txBody>
-      </p:sp>
-      <p:sp>
-        <p:nvSpPr>
-          <p:cNvPr id="6" name="ZoneTexte 5"/>
-          <p:cNvSpPr txBox="1"/>
-          <p:nvPr/>
-        </p:nvSpPr>
-        <p:spPr>
-          <a:xfrm>
-            <a:off x="500034" y="0"/>
-            <a:ext cx="1558440" cy="276999"/>
-          </a:xfrm>
-          <a:prstGeom prst="rect">
-            <a:avLst/>
-          </a:prstGeom>
-          <a:noFill/>
-          <a:ln>
-            <a:noFill/>
-          </a:ln>
-        </p:spPr>
-        <p:txBody>
-          <a:bodyPr wrap="none" rtlCol="0">
-            <a:spAutoFit/>
-          </a:bodyPr>
-          <a:lstStyle/>
-          <a:p>
-            <a:pPr marL="0" marR="0" indent="0" algn="l" defTabSz="914400" rtl="0" eaLnBrk="1" fontAlgn="auto" latinLnBrk="0" hangingPunct="1">
-              <a:lnSpc>
-                <a:spcPct val="100000"/>
-              </a:lnSpc>
-              <a:spcBef>
-                <a:spcPct val="20000"/>
-              </a:spcBef>
-              <a:spcAft>
-                <a:spcPts val="0"/>
-              </a:spcAft>
-              <a:buClrTx/>
-              <a:buSzTx/>
-              <a:buFontTx/>
-              <a:buNone/>
-              <a:tabLst/>
-            </a:pPr>
-            <a:r>
-              <a:rPr lang="fr-FR" sz="1200" kern="0" dirty="0" err="1" smtClean="0">
-                <a:solidFill>
-                  <a:schemeClr val="tx1">
-                    <a:lumMod val="50000"/>
-                    <a:lumOff val="50000"/>
-                  </a:schemeClr>
-                </a:solidFill>
-                <a:latin typeface="+mn-lt"/>
-                <a:cs typeface="+mn-cs"/>
-              </a:rPr>
-              <a:t>Why</a:t>
-            </a:r>
-            <a:r>
-              <a:rPr lang="fr-FR" sz="1200" kern="0" dirty="0" smtClean="0">
-                <a:solidFill>
-                  <a:schemeClr val="tx1">
-                    <a:lumMod val="50000"/>
-                    <a:lumOff val="50000"/>
-                  </a:schemeClr>
-                </a:solidFill>
-                <a:latin typeface="+mn-lt"/>
-                <a:cs typeface="+mn-cs"/>
-              </a:rPr>
-              <a:t> do </a:t>
-            </a:r>
-            <a:r>
-              <a:rPr lang="fr-FR" sz="1200" kern="0" dirty="0" err="1" smtClean="0">
-                <a:solidFill>
-                  <a:schemeClr val="tx1">
-                    <a:lumMod val="50000"/>
-                    <a:lumOff val="50000"/>
-                  </a:schemeClr>
-                </a:solidFill>
-                <a:latin typeface="+mn-lt"/>
-                <a:cs typeface="+mn-cs"/>
-              </a:rPr>
-              <a:t>we</a:t>
-            </a:r>
-            <a:r>
-              <a:rPr lang="fr-FR" sz="1200" kern="0" dirty="0" smtClean="0">
-                <a:solidFill>
-                  <a:schemeClr val="tx1">
-                    <a:lumMod val="50000"/>
-                    <a:lumOff val="50000"/>
-                  </a:schemeClr>
-                </a:solidFill>
-                <a:latin typeface="+mn-lt"/>
-                <a:cs typeface="+mn-cs"/>
-              </a:rPr>
-              <a:t> use </a:t>
-            </a:r>
-            <a:r>
-              <a:rPr lang="fr-FR" sz="1200" kern="0" dirty="0" err="1" smtClean="0">
-                <a:solidFill>
-                  <a:schemeClr val="tx1">
-                    <a:lumMod val="50000"/>
-                    <a:lumOff val="50000"/>
-                  </a:schemeClr>
-                </a:solidFill>
-                <a:latin typeface="+mn-lt"/>
-                <a:cs typeface="+mn-cs"/>
-              </a:rPr>
-              <a:t>ADLs</a:t>
-            </a:r>
-            <a:r>
-              <a:rPr lang="fr-FR" sz="1200" kern="0" dirty="0" smtClean="0">
-                <a:solidFill>
-                  <a:schemeClr val="tx1">
-                    <a:lumMod val="50000"/>
-                    <a:lumOff val="50000"/>
-                  </a:schemeClr>
-                </a:solidFill>
-                <a:latin typeface="+mn-lt"/>
-                <a:cs typeface="+mn-cs"/>
-              </a:rPr>
-              <a:t>?</a:t>
-            </a:r>
-            <a:endParaRPr kumimoji="0" lang="fr-FR" sz="1200" b="1" i="0" u="sng" strike="noStrike" kern="0" cap="none" spc="0" normalizeH="0" baseline="0" noProof="0" dirty="0" smtClean="0">
-              <a:ln>
-                <a:noFill/>
-              </a:ln>
-              <a:effectLst/>
-              <a:uLnTx/>
-              <a:uFillTx/>
-              <a:latin typeface="+mn-lt"/>
-              <a:ea typeface="+mn-ea"/>
-              <a:cs typeface="+mn-cs"/>
-            </a:endParaRPr>
-          </a:p>
-        </p:txBody>
-      </p:sp>
-      <p:sp>
-        <p:nvSpPr>
-          <p:cNvPr id="7" name="ZoneTexte 6"/>
-          <p:cNvSpPr txBox="1"/>
-          <p:nvPr/>
-        </p:nvSpPr>
-        <p:spPr>
-          <a:xfrm>
-            <a:off x="2786050" y="0"/>
-            <a:ext cx="889987" cy="276999"/>
-          </a:xfrm>
-          <a:prstGeom prst="rect">
-            <a:avLst/>
-          </a:prstGeom>
-          <a:noFill/>
-          <a:ln>
-            <a:noFill/>
-          </a:ln>
-        </p:spPr>
-        <p:txBody>
-          <a:bodyPr wrap="none" rtlCol="0">
-            <a:spAutoFit/>
-          </a:bodyPr>
-          <a:lstStyle/>
-          <a:p>
-            <a:pPr fontAlgn="auto">
-              <a:spcBef>
-                <a:spcPct val="20000"/>
-              </a:spcBef>
-              <a:spcAft>
-                <a:spcPts val="0"/>
-              </a:spcAft>
-            </a:pPr>
-            <a:r>
-              <a:rPr lang="fr-FR" sz="1200" kern="0" dirty="0" smtClean="0">
-                <a:solidFill>
-                  <a:schemeClr val="tx1">
-                    <a:lumMod val="50000"/>
-                    <a:lumOff val="50000"/>
-                  </a:schemeClr>
-                </a:solidFill>
-                <a:latin typeface="+mn-lt"/>
-                <a:cs typeface="+mn-cs"/>
-              </a:rPr>
-              <a:t>ADL </a:t>
-            </a:r>
-            <a:r>
-              <a:rPr lang="fr-FR" sz="1200" kern="0" dirty="0" err="1" smtClean="0">
-                <a:solidFill>
-                  <a:schemeClr val="tx1">
-                    <a:lumMod val="50000"/>
-                    <a:lumOff val="50000"/>
-                  </a:schemeClr>
-                </a:solidFill>
-                <a:latin typeface="+mn-lt"/>
-                <a:cs typeface="+mn-cs"/>
-              </a:rPr>
-              <a:t>Choice</a:t>
-            </a:r>
-            <a:endParaRPr lang="fr-FR" sz="1200" kern="0" dirty="0" smtClean="0">
-              <a:solidFill>
-                <a:schemeClr val="tx1">
-                  <a:lumMod val="50000"/>
-                  <a:lumOff val="50000"/>
-                </a:schemeClr>
-              </a:solidFill>
-              <a:latin typeface="+mn-lt"/>
-              <a:cs typeface="+mn-cs"/>
-            </a:endParaRPr>
-          </a:p>
-        </p:txBody>
-      </p:sp>
-      <p:sp>
-        <p:nvSpPr>
-          <p:cNvPr id="8" name="ZoneTexte 7"/>
-          <p:cNvSpPr txBox="1"/>
-          <p:nvPr/>
-        </p:nvSpPr>
-        <p:spPr>
-          <a:xfrm>
-            <a:off x="4572000" y="0"/>
-            <a:ext cx="1418978" cy="276999"/>
-          </a:xfrm>
-          <a:prstGeom prst="rect">
-            <a:avLst/>
-          </a:prstGeom>
-          <a:noFill/>
-          <a:ln>
-            <a:noFill/>
-          </a:ln>
-        </p:spPr>
-        <p:txBody>
-          <a:bodyPr wrap="none" rtlCol="0">
-            <a:spAutoFit/>
-          </a:bodyPr>
-          <a:lstStyle/>
-          <a:p>
-            <a:pPr marL="0" marR="0" indent="0" algn="l" defTabSz="914400" rtl="0" eaLnBrk="1" fontAlgn="auto" latinLnBrk="0" hangingPunct="1">
-              <a:lnSpc>
-                <a:spcPct val="100000"/>
-              </a:lnSpc>
-              <a:spcBef>
-                <a:spcPct val="20000"/>
-              </a:spcBef>
-              <a:spcAft>
-                <a:spcPts val="0"/>
-              </a:spcAft>
-              <a:buClrTx/>
-              <a:buSzTx/>
-              <a:buFontTx/>
-              <a:buNone/>
-              <a:tabLst/>
-            </a:pPr>
-            <a:r>
-              <a:rPr lang="fr-FR" sz="1200" b="1" u="sng" kern="0" dirty="0" smtClean="0">
-                <a:latin typeface="+mn-lt"/>
-                <a:cs typeface="+mn-cs"/>
-              </a:rPr>
-              <a:t>ACME</a:t>
-            </a:r>
-            <a:r>
-              <a:rPr kumimoji="0" lang="fr-FR" sz="1200" i="0" u="none" strike="noStrike" kern="0" cap="none" spc="0" normalizeH="0" baseline="0" noProof="0" dirty="0" smtClean="0">
-                <a:ln>
-                  <a:noFill/>
-                </a:ln>
-                <a:solidFill>
-                  <a:schemeClr val="tx1">
-                    <a:lumMod val="50000"/>
-                    <a:lumOff val="50000"/>
-                  </a:schemeClr>
-                </a:solidFill>
-                <a:effectLst/>
-                <a:uLnTx/>
-                <a:uFillTx/>
-                <a:latin typeface="+mn-lt"/>
-                <a:ea typeface="+mn-ea"/>
-                <a:cs typeface="+mn-cs"/>
-              </a:rPr>
-              <a:t> </a:t>
-            </a:r>
-            <a:r>
-              <a:rPr lang="fr-FR" sz="1200" b="1" u="sng" kern="0" dirty="0" err="1" smtClean="0">
-                <a:latin typeface="+mn-lt"/>
-                <a:cs typeface="+mn-cs"/>
-              </a:rPr>
-              <a:t>Presentation</a:t>
-            </a:r>
-            <a:endParaRPr lang="fr-FR" sz="1200" b="1" u="sng" kern="0" dirty="0" smtClean="0">
-              <a:latin typeface="+mn-lt"/>
-              <a:cs typeface="+mn-cs"/>
-            </a:endParaRPr>
-          </a:p>
-        </p:txBody>
-      </p:sp>
-      <p:sp>
-        <p:nvSpPr>
-          <p:cNvPr id="9" name="ZoneTexte 8"/>
-          <p:cNvSpPr txBox="1"/>
-          <p:nvPr/>
-        </p:nvSpPr>
-        <p:spPr>
-          <a:xfrm>
-            <a:off x="6786578" y="0"/>
-            <a:ext cx="1382110" cy="276999"/>
-          </a:xfrm>
-          <a:prstGeom prst="rect">
-            <a:avLst/>
-          </a:prstGeom>
-          <a:noFill/>
-          <a:ln>
-            <a:noFill/>
-          </a:ln>
-        </p:spPr>
-        <p:txBody>
-          <a:bodyPr wrap="none" rtlCol="0">
-            <a:spAutoFit/>
-          </a:bodyPr>
-          <a:lstStyle/>
-          <a:p>
-            <a:pPr marL="0" marR="0" indent="0" algn="l" defTabSz="914400" rtl="0" eaLnBrk="1" fontAlgn="auto" latinLnBrk="0" hangingPunct="1">
-              <a:lnSpc>
-                <a:spcPct val="100000"/>
-              </a:lnSpc>
-              <a:spcBef>
-                <a:spcPct val="20000"/>
-              </a:spcBef>
-              <a:spcAft>
-                <a:spcPts val="0"/>
-              </a:spcAft>
-              <a:buClrTx/>
-              <a:buSzTx/>
-              <a:buFontTx/>
-              <a:buNone/>
-              <a:tabLst/>
-            </a:pPr>
-            <a:r>
-              <a:rPr kumimoji="0" lang="fr-FR" sz="1200" i="0" u="none" strike="noStrike" kern="0" cap="none" spc="0" normalizeH="0" baseline="0" noProof="0" dirty="0" smtClean="0">
-                <a:ln>
-                  <a:noFill/>
-                </a:ln>
-                <a:solidFill>
-                  <a:schemeClr val="tx1">
-                    <a:lumMod val="50000"/>
-                    <a:lumOff val="50000"/>
-                  </a:schemeClr>
-                </a:solidFill>
-                <a:effectLst/>
-                <a:uLnTx/>
-                <a:uFillTx/>
-                <a:latin typeface="+mn-lt"/>
-                <a:ea typeface="+mn-ea"/>
-                <a:cs typeface="+mn-cs"/>
-              </a:rPr>
-              <a:t>ATAM introduction</a:t>
-            </a:r>
-          </a:p>
-        </p:txBody>
-      </p:sp>
-    </p:spTree>
-  </p:cSld>
-  <p:clrMapOvr>
-    <a:masterClrMapping/>
-  </p:clrMapOvr>
-  <p:timing>
-    <p:tnLst>
-      <p:par>
-        <p:cTn id="1" dur="indefinite" restart="never" nodeType="tmRoot"/>
-      </p:par>
-    </p:tnLst>
-  </p:timing>
-</p:sld>
-</file>
-
-<file path=ppt/slides/slide8.xml><?xml version="1.0" encoding="utf-8"?>
-<p:sld xmlns:a="http://schemas.openxmlformats.org/drawingml/2006/main" xmlns:r="http://schemas.openxmlformats.org/officeDocument/2006/relationships" xmlns:mc="http://schemas.openxmlformats.org/markup-compatibility/2006" xmlns:mv="urn:schemas-microsoft-com:mac:vml" xmlns:p="http://schemas.openxmlformats.org/presentationml/2006/main" mc:Ignorable="mv" mc:PreserveAttributes="mv:*">
-  <p:cSld>
-    <p:spTree>
-      <p:nvGrpSpPr>
-        <p:cNvPr id="1" name=""/>
-        <p:cNvGrpSpPr/>
-        <p:nvPr/>
-      </p:nvGrpSpPr>
-      <p:grpSpPr>
-        <a:xfrm>
-          <a:off x="0" y="0"/>
-          <a:ext cx="0" cy="0"/>
-          <a:chOff x="0" y="0"/>
-          <a:chExt cx="0" cy="0"/>
-        </a:xfrm>
-      </p:grpSpPr>
-      <p:sp>
-        <p:nvSpPr>
-          <p:cNvPr id="2" name="Titre 1"/>
-          <p:cNvSpPr>
-            <a:spLocks noGrp="1"/>
-          </p:cNvSpPr>
-          <p:nvPr>
-            <p:ph type="ctrTitle"/>
-          </p:nvPr>
-        </p:nvSpPr>
-        <p:spPr/>
-        <p:txBody>
-          <a:bodyPr/>
-          <a:lstStyle/>
-          <a:p>
-            <a:r>
-              <a:rPr smtClean="0"/>
-              <a:t>3. Acme description</a:t>
-            </a:r>
-            <a:endParaRPr lang="fr-FR" dirty="0"/>
-          </a:p>
-        </p:txBody>
-      </p:sp>
-      <p:sp>
-        <p:nvSpPr>
-          <p:cNvPr id="3" name="Espace réservé du texte 2"/>
-          <p:cNvSpPr>
-            <a:spLocks noGrp="1"/>
-          </p:cNvSpPr>
-          <p:nvPr>
-            <p:ph type="body" sz="quarter" idx="10"/>
-          </p:nvPr>
-        </p:nvSpPr>
-        <p:spPr/>
-        <p:txBody>
-          <a:bodyPr/>
-          <a:lstStyle/>
-          <a:p>
-            <a:r>
-              <a:rPr lang="en-US" dirty="0" smtClean="0"/>
-              <a:t>ACME describes a whole system thanks to</a:t>
-            </a:r>
-          </a:p>
-          <a:p>
-            <a:pPr lvl="1"/>
-            <a:r>
-              <a:rPr lang="en-US" dirty="0" smtClean="0"/>
-              <a:t>Library of 7 architectural elements</a:t>
-            </a:r>
-          </a:p>
-          <a:p>
-            <a:pPr lvl="2"/>
-            <a:r>
-              <a:rPr lang="en-US" dirty="0" smtClean="0"/>
-              <a:t>Components</a:t>
-            </a:r>
-          </a:p>
-          <a:p>
-            <a:pPr lvl="2"/>
-            <a:r>
-              <a:rPr lang="en-US" dirty="0" smtClean="0"/>
-              <a:t>Connectors</a:t>
-            </a:r>
-          </a:p>
-          <a:p>
-            <a:pPr lvl="2"/>
-            <a:r>
-              <a:rPr lang="en-US" dirty="0" smtClean="0"/>
-              <a:t>Systems</a:t>
-            </a:r>
-          </a:p>
-          <a:p>
-            <a:pPr lvl="2"/>
-            <a:r>
-              <a:rPr lang="en-US" dirty="0" smtClean="0"/>
-              <a:t>Ports</a:t>
-            </a:r>
-          </a:p>
-          <a:p>
-            <a:pPr lvl="2"/>
-            <a:r>
-              <a:rPr lang="en-US" dirty="0" smtClean="0"/>
-              <a:t>Roles</a:t>
-            </a:r>
-          </a:p>
-          <a:p>
-            <a:pPr lvl="2"/>
-            <a:r>
-              <a:rPr lang="en-US" dirty="0" smtClean="0"/>
-              <a:t>Representations</a:t>
-            </a:r>
-          </a:p>
-          <a:p>
-            <a:pPr lvl="2"/>
-            <a:r>
-              <a:rPr lang="en-US" dirty="0" smtClean="0"/>
-              <a:t>Representation maps</a:t>
-            </a:r>
-          </a:p>
-          <a:p>
-            <a:pPr lvl="1"/>
-            <a:r>
-              <a:rPr smtClean="0"/>
-              <a:t>Architectural families</a:t>
-            </a:r>
-          </a:p>
-          <a:p>
-            <a:pPr lvl="2"/>
-            <a:r>
-              <a:rPr smtClean="0"/>
-              <a:t>Tiered</a:t>
-            </a:r>
-          </a:p>
-          <a:p>
-            <a:pPr lvl="2"/>
-            <a:r>
-              <a:rPr smtClean="0"/>
-              <a:t>Pipe &amp; filters</a:t>
-            </a:r>
-          </a:p>
-          <a:p>
-            <a:pPr lvl="2"/>
-            <a:r>
-              <a:rPr smtClean="0"/>
-              <a:t>Client &amp; servers</a:t>
-            </a:r>
-          </a:p>
-          <a:p>
-            <a:pPr lvl="2"/>
-            <a:r>
-              <a:rPr smtClean="0"/>
-              <a:t>Pub-Sub</a:t>
-            </a:r>
-          </a:p>
-          <a:p>
-            <a:pPr lvl="2"/>
-            <a:r>
-              <a:rPr smtClean="0"/>
-              <a:t>Shared data</a:t>
-            </a:r>
-          </a:p>
-          <a:p>
-            <a:pPr lvl="2"/>
-            <a:r>
-              <a:rPr lang="fr-FR" dirty="0" smtClean="0"/>
-              <a:t>T</a:t>
-            </a:r>
-            <a:r>
-              <a:rPr smtClean="0"/>
-              <a:t>hree-tiered</a:t>
-            </a:r>
-          </a:p>
-          <a:p>
-            <a:pPr lvl="1"/>
-            <a:endParaRPr smtClean="0"/>
-          </a:p>
-          <a:p>
-            <a:pPr lvl="1">
-              <a:buNone/>
-            </a:pPr>
-            <a:endParaRPr smtClean="0"/>
-          </a:p>
-        </p:txBody>
-      </p:sp>
-      <p:sp>
-        <p:nvSpPr>
-          <p:cNvPr id="4" name="ZoneTexte 3"/>
-          <p:cNvSpPr txBox="1"/>
-          <p:nvPr/>
-        </p:nvSpPr>
-        <p:spPr>
-          <a:xfrm>
-            <a:off x="500034" y="0"/>
-            <a:ext cx="1558440" cy="276999"/>
-          </a:xfrm>
-          <a:prstGeom prst="rect">
-            <a:avLst/>
-          </a:prstGeom>
-          <a:noFill/>
-          <a:ln>
-            <a:noFill/>
-          </a:ln>
-        </p:spPr>
-        <p:txBody>
-          <a:bodyPr wrap="none" rtlCol="0">
-            <a:spAutoFit/>
-          </a:bodyPr>
-          <a:lstStyle/>
-          <a:p>
-            <a:pPr marL="0" marR="0" indent="0" algn="l" defTabSz="914400" rtl="0" eaLnBrk="1" fontAlgn="auto" latinLnBrk="0" hangingPunct="1">
-              <a:lnSpc>
-                <a:spcPct val="100000"/>
-              </a:lnSpc>
-              <a:spcBef>
-                <a:spcPct val="20000"/>
-              </a:spcBef>
-              <a:spcAft>
-                <a:spcPts val="0"/>
-              </a:spcAft>
-              <a:buClrTx/>
-              <a:buSzTx/>
-              <a:buFontTx/>
-              <a:buNone/>
-              <a:tabLst/>
-            </a:pPr>
-            <a:r>
-              <a:rPr lang="fr-FR" sz="1200" kern="0" dirty="0" err="1" smtClean="0">
-                <a:solidFill>
-                  <a:schemeClr val="tx1">
-                    <a:lumMod val="50000"/>
-                    <a:lumOff val="50000"/>
-                  </a:schemeClr>
-                </a:solidFill>
-                <a:latin typeface="+mn-lt"/>
-                <a:cs typeface="+mn-cs"/>
-              </a:rPr>
-              <a:t>Why</a:t>
-            </a:r>
-            <a:r>
-              <a:rPr lang="fr-FR" sz="1200" kern="0" dirty="0" smtClean="0">
-                <a:solidFill>
-                  <a:schemeClr val="tx1">
-                    <a:lumMod val="50000"/>
-                    <a:lumOff val="50000"/>
-                  </a:schemeClr>
-                </a:solidFill>
-                <a:latin typeface="+mn-lt"/>
-                <a:cs typeface="+mn-cs"/>
-              </a:rPr>
-              <a:t> do </a:t>
-            </a:r>
-            <a:r>
-              <a:rPr lang="fr-FR" sz="1200" kern="0" dirty="0" err="1" smtClean="0">
-                <a:solidFill>
-                  <a:schemeClr val="tx1">
-                    <a:lumMod val="50000"/>
-                    <a:lumOff val="50000"/>
-                  </a:schemeClr>
-                </a:solidFill>
-                <a:latin typeface="+mn-lt"/>
-                <a:cs typeface="+mn-cs"/>
-              </a:rPr>
-              <a:t>we</a:t>
-            </a:r>
-            <a:r>
-              <a:rPr lang="fr-FR" sz="1200" kern="0" dirty="0" smtClean="0">
-                <a:solidFill>
-                  <a:schemeClr val="tx1">
-                    <a:lumMod val="50000"/>
-                    <a:lumOff val="50000"/>
-                  </a:schemeClr>
-                </a:solidFill>
-                <a:latin typeface="+mn-lt"/>
-                <a:cs typeface="+mn-cs"/>
-              </a:rPr>
-              <a:t> use </a:t>
-            </a:r>
-            <a:r>
-              <a:rPr lang="fr-FR" sz="1200" kern="0" dirty="0" err="1" smtClean="0">
-                <a:solidFill>
-                  <a:schemeClr val="tx1">
-                    <a:lumMod val="50000"/>
-                    <a:lumOff val="50000"/>
-                  </a:schemeClr>
-                </a:solidFill>
-                <a:latin typeface="+mn-lt"/>
-                <a:cs typeface="+mn-cs"/>
-              </a:rPr>
-              <a:t>ADLs</a:t>
-            </a:r>
-            <a:r>
-              <a:rPr lang="fr-FR" sz="1200" kern="0" dirty="0" smtClean="0">
-                <a:solidFill>
-                  <a:schemeClr val="tx1">
-                    <a:lumMod val="50000"/>
-                    <a:lumOff val="50000"/>
-                  </a:schemeClr>
-                </a:solidFill>
-                <a:latin typeface="+mn-lt"/>
-                <a:cs typeface="+mn-cs"/>
-              </a:rPr>
-              <a:t>?</a:t>
-            </a:r>
-            <a:endParaRPr kumimoji="0" lang="fr-FR" sz="1200" b="1" i="0" u="sng" strike="noStrike" kern="0" cap="none" spc="0" normalizeH="0" baseline="0" noProof="0" dirty="0" smtClean="0">
-              <a:ln>
-                <a:noFill/>
-              </a:ln>
-              <a:effectLst/>
-              <a:uLnTx/>
-              <a:uFillTx/>
-              <a:latin typeface="+mn-lt"/>
-              <a:ea typeface="+mn-ea"/>
-              <a:cs typeface="+mn-cs"/>
-            </a:endParaRPr>
-          </a:p>
-        </p:txBody>
-      </p:sp>
-      <p:sp>
-        <p:nvSpPr>
-          <p:cNvPr id="5" name="ZoneTexte 4"/>
-          <p:cNvSpPr txBox="1"/>
-          <p:nvPr/>
-        </p:nvSpPr>
-        <p:spPr>
-          <a:xfrm>
-            <a:off x="2786050" y="0"/>
-            <a:ext cx="889987" cy="276999"/>
-          </a:xfrm>
-          <a:prstGeom prst="rect">
-            <a:avLst/>
-          </a:prstGeom>
-          <a:noFill/>
-          <a:ln>
-            <a:noFill/>
-          </a:ln>
-        </p:spPr>
-        <p:txBody>
-          <a:bodyPr wrap="none" rtlCol="0">
-            <a:spAutoFit/>
-          </a:bodyPr>
-          <a:lstStyle/>
-          <a:p>
-            <a:pPr fontAlgn="auto">
-              <a:spcBef>
-                <a:spcPct val="20000"/>
-              </a:spcBef>
-              <a:spcAft>
-                <a:spcPts val="0"/>
-              </a:spcAft>
-            </a:pPr>
-            <a:r>
-              <a:rPr lang="fr-FR" sz="1200" kern="0" dirty="0" smtClean="0">
-                <a:solidFill>
-                  <a:schemeClr val="tx1">
-                    <a:lumMod val="50000"/>
-                    <a:lumOff val="50000"/>
-                  </a:schemeClr>
-                </a:solidFill>
-                <a:latin typeface="+mn-lt"/>
-                <a:cs typeface="+mn-cs"/>
-              </a:rPr>
-              <a:t>ADL </a:t>
-            </a:r>
-            <a:r>
-              <a:rPr lang="fr-FR" sz="1200" kern="0" dirty="0" err="1" smtClean="0">
-                <a:solidFill>
-                  <a:schemeClr val="tx1">
-                    <a:lumMod val="50000"/>
-                    <a:lumOff val="50000"/>
-                  </a:schemeClr>
-                </a:solidFill>
-                <a:latin typeface="+mn-lt"/>
-                <a:cs typeface="+mn-cs"/>
-              </a:rPr>
-              <a:t>Choice</a:t>
-            </a:r>
-            <a:endParaRPr lang="fr-FR" sz="1200" kern="0" dirty="0" smtClean="0">
-              <a:solidFill>
-                <a:schemeClr val="tx1">
-                  <a:lumMod val="50000"/>
-                  <a:lumOff val="50000"/>
-                </a:schemeClr>
-              </a:solidFill>
-              <a:latin typeface="+mn-lt"/>
-              <a:cs typeface="+mn-cs"/>
-            </a:endParaRPr>
-          </a:p>
-        </p:txBody>
-      </p:sp>
-      <p:sp>
-        <p:nvSpPr>
-          <p:cNvPr id="6" name="ZoneTexte 5"/>
-          <p:cNvSpPr txBox="1"/>
-          <p:nvPr/>
-        </p:nvSpPr>
-        <p:spPr>
-          <a:xfrm>
-            <a:off x="4572000" y="0"/>
-            <a:ext cx="1418978" cy="276999"/>
-          </a:xfrm>
-          <a:prstGeom prst="rect">
-            <a:avLst/>
-          </a:prstGeom>
-          <a:noFill/>
-          <a:ln>
-            <a:noFill/>
-          </a:ln>
-        </p:spPr>
-        <p:txBody>
-          <a:bodyPr wrap="none" rtlCol="0">
-            <a:spAutoFit/>
-          </a:bodyPr>
-          <a:lstStyle/>
-          <a:p>
-            <a:pPr marL="0" marR="0" indent="0" algn="l" defTabSz="914400" rtl="0" eaLnBrk="1" fontAlgn="auto" latinLnBrk="0" hangingPunct="1">
-              <a:lnSpc>
-                <a:spcPct val="100000"/>
-              </a:lnSpc>
-              <a:spcBef>
-                <a:spcPct val="20000"/>
-              </a:spcBef>
-              <a:spcAft>
-                <a:spcPts val="0"/>
-              </a:spcAft>
-              <a:buClrTx/>
-              <a:buSzTx/>
-              <a:buFontTx/>
-              <a:buNone/>
-              <a:tabLst/>
-            </a:pPr>
-            <a:r>
-              <a:rPr lang="fr-FR" sz="1200" b="1" u="sng" kern="0" dirty="0" smtClean="0">
-                <a:latin typeface="+mn-lt"/>
-                <a:cs typeface="+mn-cs"/>
-              </a:rPr>
-              <a:t>ACME</a:t>
-            </a:r>
-            <a:r>
-              <a:rPr kumimoji="0" lang="fr-FR" sz="1200" i="0" u="none" strike="noStrike" kern="0" cap="none" spc="0" normalizeH="0" baseline="0" noProof="0" dirty="0" smtClean="0">
-                <a:ln>
-                  <a:noFill/>
-                </a:ln>
-                <a:solidFill>
-                  <a:schemeClr val="tx1">
-                    <a:lumMod val="50000"/>
-                    <a:lumOff val="50000"/>
-                  </a:schemeClr>
-                </a:solidFill>
-                <a:effectLst/>
-                <a:uLnTx/>
-                <a:uFillTx/>
-                <a:latin typeface="+mn-lt"/>
-                <a:ea typeface="+mn-ea"/>
-                <a:cs typeface="+mn-cs"/>
-              </a:rPr>
-              <a:t> </a:t>
-            </a:r>
-            <a:r>
-              <a:rPr lang="fr-FR" sz="1200" b="1" u="sng" kern="0" dirty="0" err="1" smtClean="0">
-                <a:latin typeface="+mn-lt"/>
-                <a:cs typeface="+mn-cs"/>
-              </a:rPr>
-              <a:t>Presentation</a:t>
-            </a:r>
-            <a:endParaRPr lang="fr-FR" sz="1200" b="1" u="sng" kern="0" dirty="0" smtClean="0">
-              <a:latin typeface="+mn-lt"/>
-              <a:cs typeface="+mn-cs"/>
-            </a:endParaRPr>
-          </a:p>
-        </p:txBody>
-      </p:sp>
-      <p:sp>
-        <p:nvSpPr>
-          <p:cNvPr id="7" name="ZoneTexte 6"/>
-          <p:cNvSpPr txBox="1"/>
-          <p:nvPr/>
-        </p:nvSpPr>
-        <p:spPr>
-          <a:xfrm>
-            <a:off x="6786578" y="0"/>
-            <a:ext cx="1382110" cy="276999"/>
-          </a:xfrm>
-          <a:prstGeom prst="rect">
-            <a:avLst/>
-          </a:prstGeom>
-          <a:noFill/>
-          <a:ln>
-            <a:noFill/>
-          </a:ln>
-        </p:spPr>
-        <p:txBody>
-          <a:bodyPr wrap="none" rtlCol="0">
-            <a:spAutoFit/>
-          </a:bodyPr>
-          <a:lstStyle/>
-          <a:p>
-            <a:pPr marL="0" marR="0" indent="0" algn="l" defTabSz="914400" rtl="0" eaLnBrk="1" fontAlgn="auto" latinLnBrk="0" hangingPunct="1">
-              <a:lnSpc>
-                <a:spcPct val="100000"/>
-              </a:lnSpc>
-              <a:spcBef>
-                <a:spcPct val="20000"/>
-              </a:spcBef>
-              <a:spcAft>
-                <a:spcPts val="0"/>
-              </a:spcAft>
-              <a:buClrTx/>
-              <a:buSzTx/>
-              <a:buFontTx/>
-              <a:buNone/>
-              <a:tabLst/>
-            </a:pPr>
-            <a:r>
-              <a:rPr kumimoji="0" lang="fr-FR" sz="1200" i="0" u="none" strike="noStrike" kern="0" cap="none" spc="0" normalizeH="0" baseline="0" noProof="0" dirty="0" smtClean="0">
-                <a:ln>
-                  <a:noFill/>
-                </a:ln>
-                <a:solidFill>
-                  <a:schemeClr val="tx1">
-                    <a:lumMod val="50000"/>
-                    <a:lumOff val="50000"/>
-                  </a:schemeClr>
-                </a:solidFill>
-                <a:effectLst/>
-                <a:uLnTx/>
-                <a:uFillTx/>
-                <a:latin typeface="+mn-lt"/>
-                <a:ea typeface="+mn-ea"/>
-                <a:cs typeface="+mn-cs"/>
-              </a:rPr>
-              <a:t>ATAM introduction</a:t>
-            </a:r>
-          </a:p>
-        </p:txBody>
-      </p:sp>
-      <p:pic>
-        <p:nvPicPr>
-          <p:cNvPr id="8" name="Picture 2" descr="D:\Bureau\ElementsOfAnAcmeDescription.png"/>
-          <p:cNvPicPr>
-            <a:picLocks noChangeAspect="1" noChangeArrowheads="1"/>
-          </p:cNvPicPr>
-          <p:nvPr/>
-        </p:nvPicPr>
-        <p:blipFill>
-          <a:blip r:embed="rId2">
-            <a:clrChange>
-              <a:clrFrom>
-                <a:srgbClr val="FFFFFF"/>
-              </a:clrFrom>
-              <a:clrTo>
-                <a:srgbClr val="FFFFFF">
-                  <a:alpha val="0"/>
-                </a:srgbClr>
-              </a:clrTo>
-            </a:clrChange>
-          </a:blip>
-          <a:srcRect t="8887" b="8908"/>
-          <a:stretch>
-            <a:fillRect/>
-          </a:stretch>
-        </p:blipFill>
-        <p:spPr bwMode="auto">
-          <a:xfrm>
-            <a:off x="3857620" y="2357430"/>
-            <a:ext cx="4572032" cy="1990179"/>
-          </a:xfrm>
-          <a:prstGeom prst="rect">
-            <a:avLst/>
-          </a:prstGeom>
-          <a:noFill/>
-        </p:spPr>
-      </p:pic>
-    </p:spTree>
-  </p:cSld>
-  <p:clrMapOvr>
-    <a:masterClrMapping/>
-  </p:clrMapOvr>
-  <p:timing>
-    <p:tnLst>
-      <p:par>
-        <p:cTn id="1" dur="indefinite" restart="never" nodeType="tmRoot"/>
-      </p:par>
-    </p:tnLst>
-  </p:timing>
-</p:sld>
-</file>
-
 <file path=ppt/slides/slide9.xml><?xml version="1.0" encoding="utf-8"?>
 <p:sld xmlns:a="http://schemas.openxmlformats.org/drawingml/2006/main" xmlns:r="http://schemas.openxmlformats.org/officeDocument/2006/relationships" xmlns:mc="http://schemas.openxmlformats.org/markup-compatibility/2006" xmlns:mv="urn:schemas-microsoft-com:mac:vml" xmlns:p="http://schemas.openxmlformats.org/presentationml/2006/main" mc:Ignorable="mv" mc:PreserveAttributes="mv:*">
   <p:cSld>
@@ -14468,7 +14850,7 @@
       </p:grpSpPr>
       <p:sp>
         <p:nvSpPr>
-          <p:cNvPr id="2" name="Titre 1"/>
+          <p:cNvPr id="4" name="Titre 3"/>
           <p:cNvSpPr>
             <a:spLocks noGrp="1"/>
           </p:cNvSpPr>
@@ -14483,7 +14865,7 @@
           <a:p>
             <a:r>
               <a:rPr smtClean="0"/>
-              <a:t>3. Acme description</a:t>
+              <a:t>3. What is acme ?</a:t>
             </a:r>
             <a:endParaRPr lang="fr-FR" dirty="0"/>
           </a:p>
@@ -14491,7 +14873,7 @@
       </p:sp>
       <p:sp>
         <p:nvSpPr>
-          <p:cNvPr id="3" name="Espace réservé du texte 2"/>
+          <p:cNvPr id="5" name="Espace réservé du texte 4"/>
           <p:cNvSpPr>
             <a:spLocks noGrp="1"/>
           </p:cNvSpPr>
@@ -14505,190 +14887,36 @@
           <a:lstStyle/>
           <a:p>
             <a:r>
-              <a:rPr smtClean="0"/>
-              <a:t>Component</a:t>
-            </a:r>
-          </a:p>
-          <a:p>
-            <a:pPr lvl="1"/>
-            <a:r>
-              <a:rPr lang="fr-FR" dirty="0" smtClean="0"/>
-              <a:t>P</a:t>
-            </a:r>
-            <a:r>
-              <a:rPr smtClean="0"/>
-              <a:t>rimary computational elements &amp; data stores</a:t>
-            </a:r>
-          </a:p>
-          <a:p>
-            <a:pPr lvl="2"/>
-            <a:r>
-              <a:rPr smtClean="0"/>
-              <a:t>Filter</a:t>
-            </a:r>
-          </a:p>
-          <a:p>
-            <a:pPr lvl="2"/>
-            <a:r>
-              <a:rPr smtClean="0"/>
-              <a:t>Object</a:t>
-            </a:r>
-          </a:p>
-          <a:p>
-            <a:pPr lvl="2"/>
-            <a:r>
-              <a:rPr smtClean="0"/>
-              <a:t>Client/Server</a:t>
-            </a:r>
-          </a:p>
-          <a:p>
-            <a:pPr lvl="2"/>
-            <a:r>
-              <a:rPr smtClean="0"/>
-              <a:t>Database</a:t>
-            </a:r>
-          </a:p>
-          <a:p>
-            <a:pPr lvl="2"/>
-            <a:r>
-              <a:rPr smtClean="0"/>
-              <a:t>Black board</a:t>
-            </a:r>
-          </a:p>
-          <a:p>
-            <a:pPr lvl="2"/>
-            <a:endParaRPr smtClean="0"/>
-          </a:p>
-          <a:p>
-            <a:pPr lvl="2"/>
-            <a:endParaRPr smtClean="0"/>
-          </a:p>
-          <a:p>
-            <a:endParaRPr smtClean="0"/>
-          </a:p>
-          <a:p>
-            <a:r>
-              <a:rPr smtClean="0"/>
-              <a:t>Connectors</a:t>
-            </a:r>
-          </a:p>
-          <a:p>
-            <a:pPr lvl="1"/>
-            <a:r>
-              <a:rPr smtClean="0"/>
-              <a:t>Interaction among components</a:t>
-            </a:r>
-          </a:p>
-          <a:p>
-            <a:pPr lvl="1"/>
-            <a:r>
-              <a:rPr smtClean="0"/>
-              <a:t>Communication &amp; coordination among components</a:t>
-            </a:r>
-          </a:p>
-        </p:txBody>
-      </p:sp>
-      <p:sp>
-        <p:nvSpPr>
-          <p:cNvPr id="6" name="Rectangle 5"/>
-          <p:cNvSpPr/>
-          <p:nvPr/>
-        </p:nvSpPr>
-        <p:spPr>
-          <a:xfrm>
-            <a:off x="6929454" y="1643050"/>
-            <a:ext cx="1857388" cy="1071570"/>
-          </a:xfrm>
-          <a:prstGeom prst="rect">
-            <a:avLst/>
-          </a:prstGeom>
-          <a:effectLst>
-            <a:outerShdw blurRad="50800" dist="38100" dir="2700000" algn="tl" rotWithShape="0">
-              <a:prstClr val="black">
-                <a:alpha val="40000"/>
-              </a:prstClr>
-            </a:outerShdw>
-          </a:effectLst>
-        </p:spPr>
-        <p:style>
-          <a:lnRef idx="2">
-            <a:schemeClr val="accent6"/>
-          </a:lnRef>
-          <a:fillRef idx="1">
-            <a:schemeClr val="lt1"/>
-          </a:fillRef>
-          <a:effectRef idx="0">
-            <a:schemeClr val="accent6"/>
-          </a:effectRef>
-          <a:fontRef idx="minor">
-            <a:schemeClr val="dk1"/>
-          </a:fontRef>
-        </p:style>
-        <p:txBody>
-          <a:bodyPr rtlCol="0" anchor="ctr"/>
-          <a:lstStyle/>
-          <a:p>
-            <a:pPr algn="ctr"/>
-            <a:r>
-              <a:rPr lang="fr-FR" dirty="0" smtClean="0"/>
-              <a:t>Component</a:t>
-            </a:r>
-            <a:endParaRPr lang="fr-FR" dirty="0"/>
-          </a:p>
-        </p:txBody>
-      </p:sp>
-      <p:sp>
-        <p:nvSpPr>
-          <p:cNvPr id="7" name="Flèche droite 6"/>
-          <p:cNvSpPr/>
-          <p:nvPr/>
-        </p:nvSpPr>
-        <p:spPr>
-          <a:xfrm>
-            <a:off x="6929454" y="4786322"/>
-            <a:ext cx="1785950" cy="642942"/>
-          </a:xfrm>
-          <a:prstGeom prst="rightArrow">
-            <a:avLst/>
-          </a:prstGeom>
-          <a:effectLst>
-            <a:outerShdw blurRad="50800" dist="38100" dir="2700000" algn="tl" rotWithShape="0">
-              <a:prstClr val="black">
-                <a:alpha val="40000"/>
-              </a:prstClr>
-            </a:outerShdw>
-          </a:effectLst>
-        </p:spPr>
-        <p:style>
-          <a:lnRef idx="2">
-            <a:schemeClr val="accent6"/>
-          </a:lnRef>
-          <a:fillRef idx="1">
-            <a:schemeClr val="lt1"/>
-          </a:fillRef>
-          <a:effectRef idx="0">
-            <a:schemeClr val="accent6"/>
-          </a:effectRef>
-          <a:fontRef idx="minor">
-            <a:schemeClr val="dk1"/>
-          </a:fontRef>
-        </p:style>
-        <p:txBody>
-          <a:bodyPr rtlCol="0" anchor="ctr"/>
-          <a:lstStyle/>
-          <a:p>
-            <a:pPr algn="ctr"/>
-            <a:r>
-              <a:rPr lang="fr-FR" dirty="0" err="1" smtClean="0"/>
-              <a:t>Connector</a:t>
-            </a:r>
-            <a:endParaRPr lang="fr-FR" dirty="0"/>
-          </a:p>
-        </p:txBody>
-      </p:sp>
-      <p:sp>
-        <p:nvSpPr>
-          <p:cNvPr id="8" name="ZoneTexte 7"/>
+              <a:rPr lang="en-US" sz="2800" dirty="0" smtClean="0"/>
+              <a:t>Acme created in 1995 by Carnegie Mellon University</a:t>
+            </a:r>
+          </a:p>
+          <a:p>
+            <a:r>
+              <a:rPr lang="en-US" sz="2800" dirty="0" smtClean="0"/>
+              <a:t>The original goal was to provide a common language that could be used to support the interchange of architectural descriptions between a variety of architectural design tools.</a:t>
+            </a:r>
+          </a:p>
+          <a:p>
+            <a:r>
+              <a:rPr lang="en-US" sz="2800" dirty="0" smtClean="0"/>
+              <a:t>Provide a generic, extensible infrastructure for describing, representing, generating, and analyzing software architecture language description.</a:t>
+            </a:r>
+          </a:p>
+          <a:p>
+            <a:r>
+              <a:rPr lang="en-US" sz="2800" dirty="0" smtClean="0"/>
+              <a:t>Provide descriptions that are easy to understand for everyone</a:t>
+            </a:r>
+          </a:p>
+          <a:p>
+            <a:endParaRPr lang="en-US" sz="2800" dirty="0" smtClean="0"/>
+          </a:p>
+        </p:txBody>
+      </p:sp>
+      <p:sp>
+        <p:nvSpPr>
+          <p:cNvPr id="6" name="ZoneTexte 5"/>
           <p:cNvSpPr txBox="1"/>
           <p:nvPr/>
         </p:nvSpPr>
@@ -14821,7 +15049,7 @@
       </p:sp>
       <p:sp>
         <p:nvSpPr>
-          <p:cNvPr id="9" name="ZoneTexte 8"/>
+          <p:cNvPr id="7" name="ZoneTexte 6"/>
           <p:cNvSpPr txBox="1"/>
           <p:nvPr/>
         </p:nvSpPr>
@@ -14893,7 +15121,7 @@
       </p:sp>
       <p:sp>
         <p:nvSpPr>
-          <p:cNvPr id="10" name="ZoneTexte 9"/>
+          <p:cNvPr id="8" name="ZoneTexte 7"/>
           <p:cNvSpPr txBox="1"/>
           <p:nvPr/>
         </p:nvSpPr>
@@ -14975,7 +15203,7 @@
       </p:sp>
       <p:sp>
         <p:nvSpPr>
-          <p:cNvPr id="11" name="ZoneTexte 10"/>
+          <p:cNvPr id="9" name="ZoneTexte 8"/>
           <p:cNvSpPr txBox="1"/>
           <p:nvPr/>
         </p:nvSpPr>

--- a/Project 2/Part2/CS554_EuroTeam_Project2_OP5_mikko.pptx
+++ b/Project 2/Part2/CS554_EuroTeam_Project2_OP5_mikko.pptx
@@ -13036,12 +13036,8 @@
               <a:buAutoNum type="arabicPeriod"/>
             </a:pPr>
             <a:r>
-              <a:rPr lang="en-US" smtClean="0"/>
-              <a:t>Finally, </a:t>
-            </a:r>
-            <a:r>
               <a:rPr lang="en-US" dirty="0" smtClean="0"/>
-              <a:t>ACME code can be directly translated into ADL 2 specific description</a:t>
+              <a:t>Finally, ACME code can be directly translated into ADL 2 specific description</a:t>
             </a:r>
             <a:endParaRPr lang="en-US" dirty="0"/>
           </a:p>
@@ -13114,6 +13110,744 @@
           </a:p>
         </p:txBody>
       </p:sp>
+      <p:sp>
+        <p:nvSpPr>
+          <p:cNvPr id="6" name="Rounded Rectangle 5"/>
+          <p:cNvSpPr/>
+          <p:nvPr/>
+        </p:nvSpPr>
+        <p:spPr>
+          <a:xfrm>
+            <a:off x="914400" y="1752600"/>
+            <a:ext cx="2057400" cy="381000"/>
+          </a:xfrm>
+          <a:prstGeom prst="roundRect">
+            <a:avLst/>
+          </a:prstGeom>
+        </p:spPr>
+        <p:style>
+          <a:lnRef idx="1">
+            <a:schemeClr val="accent1"/>
+          </a:lnRef>
+          <a:fillRef idx="3">
+            <a:schemeClr val="accent1"/>
+          </a:fillRef>
+          <a:effectRef idx="2">
+            <a:schemeClr val="accent1"/>
+          </a:effectRef>
+          <a:fontRef idx="minor">
+            <a:schemeClr val="lt1"/>
+          </a:fontRef>
+        </p:style>
+        <p:txBody>
+          <a:bodyPr rtlCol="0" anchor="ctr"/>
+          <a:lstStyle/>
+          <a:p>
+            <a:pPr algn="ctr"/>
+            <a:r>
+              <a:rPr lang="en-US" sz="1600" dirty="0" smtClean="0"/>
+              <a:t>Model Checking Tool</a:t>
+            </a:r>
+            <a:endParaRPr lang="en-US" sz="1600" dirty="0"/>
+          </a:p>
+        </p:txBody>
+      </p:sp>
+      <p:sp>
+        <p:nvSpPr>
+          <p:cNvPr id="7" name="Rounded Rectangle 6"/>
+          <p:cNvSpPr/>
+          <p:nvPr/>
+        </p:nvSpPr>
+        <p:spPr>
+          <a:xfrm>
+            <a:off x="3429000" y="1752600"/>
+            <a:ext cx="1905000" cy="1447800"/>
+          </a:xfrm>
+          <a:prstGeom prst="roundRect">
+            <a:avLst/>
+          </a:prstGeom>
+        </p:spPr>
+        <p:style>
+          <a:lnRef idx="1">
+            <a:schemeClr val="accent1"/>
+          </a:lnRef>
+          <a:fillRef idx="3">
+            <a:schemeClr val="accent1"/>
+          </a:fillRef>
+          <a:effectRef idx="2">
+            <a:schemeClr val="accent1"/>
+          </a:effectRef>
+          <a:fontRef idx="minor">
+            <a:schemeClr val="lt1"/>
+          </a:fontRef>
+        </p:style>
+        <p:txBody>
+          <a:bodyPr rtlCol="0" anchor="ctr"/>
+          <a:lstStyle/>
+          <a:p>
+            <a:pPr algn="ctr"/>
+            <a:r>
+              <a:rPr lang="en-US" dirty="0" smtClean="0"/>
+              <a:t>Acme Tools Layout Tool Aesop</a:t>
+            </a:r>
+            <a:endParaRPr lang="en-US" dirty="0"/>
+          </a:p>
+        </p:txBody>
+      </p:sp>
+      <p:sp>
+        <p:nvSpPr>
+          <p:cNvPr id="8" name="Rounded Rectangle 7"/>
+          <p:cNvSpPr/>
+          <p:nvPr/>
+        </p:nvSpPr>
+        <p:spPr>
+          <a:xfrm>
+            <a:off x="6477000" y="1752600"/>
+            <a:ext cx="1828800" cy="457200"/>
+          </a:xfrm>
+          <a:prstGeom prst="roundRect">
+            <a:avLst/>
+          </a:prstGeom>
+        </p:spPr>
+        <p:style>
+          <a:lnRef idx="1">
+            <a:schemeClr val="accent1"/>
+          </a:lnRef>
+          <a:fillRef idx="3">
+            <a:schemeClr val="accent1"/>
+          </a:fillRef>
+          <a:effectRef idx="2">
+            <a:schemeClr val="accent1"/>
+          </a:effectRef>
+          <a:fontRef idx="minor">
+            <a:schemeClr val="lt1"/>
+          </a:fontRef>
+        </p:style>
+        <p:txBody>
+          <a:bodyPr rtlCol="0" anchor="ctr"/>
+          <a:lstStyle/>
+          <a:p>
+            <a:pPr algn="ctr"/>
+            <a:r>
+              <a:rPr lang="en-US" dirty="0" smtClean="0"/>
+              <a:t>Simulation Tool</a:t>
+            </a:r>
+            <a:endParaRPr lang="en-US" dirty="0"/>
+          </a:p>
+        </p:txBody>
+      </p:sp>
+      <p:sp>
+        <p:nvSpPr>
+          <p:cNvPr id="9" name="Frame 8"/>
+          <p:cNvSpPr/>
+          <p:nvPr/>
+        </p:nvSpPr>
+        <p:spPr>
+          <a:xfrm>
+            <a:off x="990600" y="2590800"/>
+            <a:ext cx="1981200" cy="457200"/>
+          </a:xfrm>
+          <a:prstGeom prst="frame">
+            <a:avLst/>
+          </a:prstGeom>
+        </p:spPr>
+        <p:style>
+          <a:lnRef idx="1">
+            <a:schemeClr val="accent1"/>
+          </a:lnRef>
+          <a:fillRef idx="3">
+            <a:schemeClr val="accent1"/>
+          </a:fillRef>
+          <a:effectRef idx="2">
+            <a:schemeClr val="accent1"/>
+          </a:effectRef>
+          <a:fontRef idx="minor">
+            <a:schemeClr val="lt1"/>
+          </a:fontRef>
+        </p:style>
+        <p:txBody>
+          <a:bodyPr rtlCol="0" anchor="ctr"/>
+          <a:lstStyle/>
+          <a:p>
+            <a:pPr algn="ctr"/>
+            <a:r>
+              <a:rPr lang="en-US" sz="1600" dirty="0" smtClean="0">
+                <a:solidFill>
+                  <a:schemeClr val="tx1"/>
+                </a:solidFill>
+              </a:rPr>
+              <a:t>Wright Specification</a:t>
+            </a:r>
+            <a:endParaRPr lang="en-US" sz="1600" dirty="0">
+              <a:solidFill>
+                <a:schemeClr val="tx1"/>
+              </a:solidFill>
+            </a:endParaRPr>
+          </a:p>
+        </p:txBody>
+      </p:sp>
+      <p:sp>
+        <p:nvSpPr>
+          <p:cNvPr id="10" name="Frame 9"/>
+          <p:cNvSpPr/>
+          <p:nvPr/>
+        </p:nvSpPr>
+        <p:spPr>
+          <a:xfrm>
+            <a:off x="6477000" y="2667000"/>
+            <a:ext cx="1828800" cy="533400"/>
+          </a:xfrm>
+          <a:prstGeom prst="frame">
+            <a:avLst/>
+          </a:prstGeom>
+        </p:spPr>
+        <p:style>
+          <a:lnRef idx="1">
+            <a:schemeClr val="accent1"/>
+          </a:lnRef>
+          <a:fillRef idx="3">
+            <a:schemeClr val="accent1"/>
+          </a:fillRef>
+          <a:effectRef idx="2">
+            <a:schemeClr val="accent1"/>
+          </a:effectRef>
+          <a:fontRef idx="minor">
+            <a:schemeClr val="lt1"/>
+          </a:fontRef>
+        </p:style>
+        <p:txBody>
+          <a:bodyPr rtlCol="0" anchor="ctr"/>
+          <a:lstStyle/>
+          <a:p>
+            <a:pPr algn="ctr"/>
+            <a:r>
+              <a:rPr lang="en-US" sz="1400" dirty="0" err="1" smtClean="0">
+                <a:solidFill>
+                  <a:schemeClr val="tx1"/>
+                </a:solidFill>
+              </a:rPr>
+              <a:t>Rapide</a:t>
+            </a:r>
+            <a:r>
+              <a:rPr lang="en-US" sz="1400" dirty="0" smtClean="0">
+                <a:solidFill>
+                  <a:schemeClr val="tx1"/>
+                </a:solidFill>
+              </a:rPr>
+              <a:t> Specification</a:t>
+            </a:r>
+            <a:endParaRPr lang="en-US" sz="1400" dirty="0">
+              <a:solidFill>
+                <a:schemeClr val="tx1"/>
+              </a:solidFill>
+            </a:endParaRPr>
+          </a:p>
+        </p:txBody>
+      </p:sp>
+      <p:sp>
+        <p:nvSpPr>
+          <p:cNvPr id="11" name="Frame 10"/>
+          <p:cNvSpPr/>
+          <p:nvPr/>
+        </p:nvSpPr>
+        <p:spPr>
+          <a:xfrm>
+            <a:off x="4572000" y="3810000"/>
+            <a:ext cx="3200400" cy="838200"/>
+          </a:xfrm>
+          <a:prstGeom prst="frame">
+            <a:avLst/>
+          </a:prstGeom>
+        </p:spPr>
+        <p:style>
+          <a:lnRef idx="1">
+            <a:schemeClr val="accent1"/>
+          </a:lnRef>
+          <a:fillRef idx="3">
+            <a:schemeClr val="accent1"/>
+          </a:fillRef>
+          <a:effectRef idx="2">
+            <a:schemeClr val="accent1"/>
+          </a:effectRef>
+          <a:fontRef idx="minor">
+            <a:schemeClr val="lt1"/>
+          </a:fontRef>
+        </p:style>
+        <p:txBody>
+          <a:bodyPr rtlCol="0" anchor="ctr"/>
+          <a:lstStyle/>
+          <a:p>
+            <a:pPr algn="ctr"/>
+            <a:r>
+              <a:rPr lang="en-US" dirty="0" smtClean="0">
+                <a:solidFill>
+                  <a:schemeClr val="tx1"/>
+                </a:solidFill>
+              </a:rPr>
+              <a:t>Acme Specification with </a:t>
+            </a:r>
+            <a:r>
+              <a:rPr lang="en-US" dirty="0" err="1" smtClean="0">
+                <a:solidFill>
+                  <a:schemeClr val="tx1"/>
+                </a:solidFill>
+              </a:rPr>
+              <a:t>Rapide</a:t>
+            </a:r>
+            <a:r>
+              <a:rPr lang="en-US" dirty="0" smtClean="0">
+                <a:solidFill>
+                  <a:schemeClr val="tx1"/>
+                </a:solidFill>
+              </a:rPr>
+              <a:t> annotations</a:t>
+            </a:r>
+            <a:endParaRPr lang="en-US" dirty="0">
+              <a:solidFill>
+                <a:schemeClr val="tx1"/>
+              </a:solidFill>
+            </a:endParaRPr>
+          </a:p>
+        </p:txBody>
+      </p:sp>
+      <p:sp>
+        <p:nvSpPr>
+          <p:cNvPr id="12" name="Frame 11"/>
+          <p:cNvSpPr/>
+          <p:nvPr/>
+        </p:nvSpPr>
+        <p:spPr>
+          <a:xfrm>
+            <a:off x="990600" y="3810000"/>
+            <a:ext cx="3124200" cy="838200"/>
+          </a:xfrm>
+          <a:prstGeom prst="frame">
+            <a:avLst/>
+          </a:prstGeom>
+        </p:spPr>
+        <p:style>
+          <a:lnRef idx="1">
+            <a:schemeClr val="accent1"/>
+          </a:lnRef>
+          <a:fillRef idx="3">
+            <a:schemeClr val="accent1"/>
+          </a:fillRef>
+          <a:effectRef idx="2">
+            <a:schemeClr val="accent1"/>
+          </a:effectRef>
+          <a:fontRef idx="minor">
+            <a:schemeClr val="lt1"/>
+          </a:fontRef>
+        </p:style>
+        <p:txBody>
+          <a:bodyPr rtlCol="0" anchor="ctr"/>
+          <a:lstStyle/>
+          <a:p>
+            <a:pPr algn="ctr"/>
+            <a:r>
+              <a:rPr lang="en-US" dirty="0" smtClean="0">
+                <a:solidFill>
+                  <a:schemeClr val="tx1"/>
+                </a:solidFill>
+              </a:rPr>
+              <a:t>Acme Specification with Wright annotations</a:t>
+            </a:r>
+            <a:endParaRPr lang="en-US" dirty="0">
+              <a:solidFill>
+                <a:schemeClr val="tx1"/>
+              </a:solidFill>
+            </a:endParaRPr>
+          </a:p>
+        </p:txBody>
+      </p:sp>
+      <p:sp>
+        <p:nvSpPr>
+          <p:cNvPr id="13" name="Rounded Rectangle 12"/>
+          <p:cNvSpPr/>
+          <p:nvPr/>
+        </p:nvSpPr>
+        <p:spPr>
+          <a:xfrm>
+            <a:off x="1066800" y="5257800"/>
+            <a:ext cx="1371600" cy="381000"/>
+          </a:xfrm>
+          <a:prstGeom prst="roundRect">
+            <a:avLst/>
+          </a:prstGeom>
+        </p:spPr>
+        <p:style>
+          <a:lnRef idx="1">
+            <a:schemeClr val="accent1"/>
+          </a:lnRef>
+          <a:fillRef idx="3">
+            <a:schemeClr val="accent1"/>
+          </a:fillRef>
+          <a:effectRef idx="2">
+            <a:schemeClr val="accent1"/>
+          </a:effectRef>
+          <a:fontRef idx="minor">
+            <a:schemeClr val="lt1"/>
+          </a:fontRef>
+        </p:style>
+        <p:txBody>
+          <a:bodyPr rtlCol="0" anchor="ctr"/>
+          <a:lstStyle/>
+          <a:p>
+            <a:pPr algn="ctr"/>
+            <a:endParaRPr lang="en-US"/>
+          </a:p>
+        </p:txBody>
+      </p:sp>
+      <p:sp>
+        <p:nvSpPr>
+          <p:cNvPr id="14" name="Frame 13"/>
+          <p:cNvSpPr/>
+          <p:nvPr/>
+        </p:nvSpPr>
+        <p:spPr>
+          <a:xfrm>
+            <a:off x="990600" y="5943600"/>
+            <a:ext cx="1447800" cy="381000"/>
+          </a:xfrm>
+          <a:prstGeom prst="frame">
+            <a:avLst/>
+          </a:prstGeom>
+        </p:spPr>
+        <p:style>
+          <a:lnRef idx="1">
+            <a:schemeClr val="accent1"/>
+          </a:lnRef>
+          <a:fillRef idx="3">
+            <a:schemeClr val="accent1"/>
+          </a:fillRef>
+          <a:effectRef idx="2">
+            <a:schemeClr val="accent1"/>
+          </a:effectRef>
+          <a:fontRef idx="minor">
+            <a:schemeClr val="lt1"/>
+          </a:fontRef>
+        </p:style>
+        <p:txBody>
+          <a:bodyPr rtlCol="0" anchor="ctr"/>
+          <a:lstStyle/>
+          <a:p>
+            <a:pPr algn="ctr"/>
+            <a:endParaRPr lang="en-US">
+              <a:solidFill>
+                <a:schemeClr val="tx1"/>
+              </a:solidFill>
+            </a:endParaRPr>
+          </a:p>
+        </p:txBody>
+      </p:sp>
+      <p:cxnSp>
+        <p:nvCxnSpPr>
+          <p:cNvPr id="16" name="Straight Arrow Connector 15"/>
+          <p:cNvCxnSpPr>
+            <a:stCxn id="12" idx="3"/>
+            <a:endCxn id="11" idx="1"/>
+          </p:cNvCxnSpPr>
+          <p:nvPr/>
+        </p:nvCxnSpPr>
+        <p:spPr>
+          <a:xfrm>
+            <a:off x="4114800" y="4229100"/>
+            <a:ext cx="457200" cy="1588"/>
+          </a:xfrm>
+          <a:prstGeom prst="straightConnector1">
+            <a:avLst/>
+          </a:prstGeom>
+          <a:ln>
+            <a:tailEnd type="arrow"/>
+          </a:ln>
+        </p:spPr>
+        <p:style>
+          <a:lnRef idx="2">
+            <a:schemeClr val="accent1"/>
+          </a:lnRef>
+          <a:fillRef idx="0">
+            <a:schemeClr val="accent1"/>
+          </a:fillRef>
+          <a:effectRef idx="1">
+            <a:schemeClr val="accent1"/>
+          </a:effectRef>
+          <a:fontRef idx="minor">
+            <a:schemeClr val="tx1"/>
+          </a:fontRef>
+        </p:style>
+      </p:cxnSp>
+      <p:cxnSp>
+        <p:nvCxnSpPr>
+          <p:cNvPr id="19" name="Straight Arrow Connector 18"/>
+          <p:cNvCxnSpPr/>
+          <p:nvPr/>
+        </p:nvCxnSpPr>
+        <p:spPr>
+          <a:xfrm rot="5400000" flipH="1" flipV="1">
+            <a:off x="7124700" y="3467100"/>
+            <a:ext cx="685800" cy="1588"/>
+          </a:xfrm>
+          <a:prstGeom prst="straightConnector1">
+            <a:avLst/>
+          </a:prstGeom>
+          <a:ln>
+            <a:tailEnd type="arrow"/>
+          </a:ln>
+        </p:spPr>
+        <p:style>
+          <a:lnRef idx="2">
+            <a:schemeClr val="accent1"/>
+          </a:lnRef>
+          <a:fillRef idx="0">
+            <a:schemeClr val="accent1"/>
+          </a:fillRef>
+          <a:effectRef idx="1">
+            <a:schemeClr val="accent1"/>
+          </a:effectRef>
+          <a:fontRef idx="minor">
+            <a:schemeClr val="tx1"/>
+          </a:fontRef>
+        </p:style>
+      </p:cxnSp>
+      <p:cxnSp>
+        <p:nvCxnSpPr>
+          <p:cNvPr id="21" name="Straight Arrow Connector 20"/>
+          <p:cNvCxnSpPr/>
+          <p:nvPr/>
+        </p:nvCxnSpPr>
+        <p:spPr>
+          <a:xfrm rot="5400000">
+            <a:off x="1295400" y="3429000"/>
+            <a:ext cx="762000" cy="1588"/>
+          </a:xfrm>
+          <a:prstGeom prst="straightConnector1">
+            <a:avLst/>
+          </a:prstGeom>
+          <a:ln>
+            <a:headEnd type="arrow"/>
+            <a:tailEnd type="arrow"/>
+          </a:ln>
+        </p:spPr>
+        <p:style>
+          <a:lnRef idx="2">
+            <a:schemeClr val="accent1"/>
+          </a:lnRef>
+          <a:fillRef idx="0">
+            <a:schemeClr val="accent1"/>
+          </a:fillRef>
+          <a:effectRef idx="1">
+            <a:schemeClr val="accent1"/>
+          </a:effectRef>
+          <a:fontRef idx="minor">
+            <a:schemeClr val="tx1"/>
+          </a:fontRef>
+        </p:style>
+      </p:cxnSp>
+      <p:cxnSp>
+        <p:nvCxnSpPr>
+          <p:cNvPr id="23" name="Straight Arrow Connector 22"/>
+          <p:cNvCxnSpPr/>
+          <p:nvPr/>
+        </p:nvCxnSpPr>
+        <p:spPr>
+          <a:xfrm rot="5400000">
+            <a:off x="1524794" y="2437606"/>
+            <a:ext cx="457200" cy="1588"/>
+          </a:xfrm>
+          <a:prstGeom prst="straightConnector1">
+            <a:avLst/>
+          </a:prstGeom>
+          <a:ln>
+            <a:prstDash val="sysDash"/>
+            <a:tailEnd type="arrow"/>
+          </a:ln>
+        </p:spPr>
+        <p:style>
+          <a:lnRef idx="2">
+            <a:schemeClr val="accent1"/>
+          </a:lnRef>
+          <a:fillRef idx="0">
+            <a:schemeClr val="accent1"/>
+          </a:fillRef>
+          <a:effectRef idx="1">
+            <a:schemeClr val="accent1"/>
+          </a:effectRef>
+          <a:fontRef idx="minor">
+            <a:schemeClr val="tx1"/>
+          </a:fontRef>
+        </p:style>
+      </p:cxnSp>
+      <p:cxnSp>
+        <p:nvCxnSpPr>
+          <p:cNvPr id="25" name="Straight Arrow Connector 24"/>
+          <p:cNvCxnSpPr>
+            <a:stCxn id="8" idx="2"/>
+          </p:cNvCxnSpPr>
+          <p:nvPr/>
+        </p:nvCxnSpPr>
+        <p:spPr>
+          <a:xfrm rot="5400000">
+            <a:off x="7162800" y="2438400"/>
+            <a:ext cx="457200" cy="1588"/>
+          </a:xfrm>
+          <a:prstGeom prst="straightConnector1">
+            <a:avLst/>
+          </a:prstGeom>
+          <a:ln>
+            <a:prstDash val="sysDash"/>
+            <a:tailEnd type="arrow"/>
+          </a:ln>
+        </p:spPr>
+        <p:style>
+          <a:lnRef idx="2">
+            <a:schemeClr val="accent1"/>
+          </a:lnRef>
+          <a:fillRef idx="0">
+            <a:schemeClr val="accent1"/>
+          </a:fillRef>
+          <a:effectRef idx="1">
+            <a:schemeClr val="accent1"/>
+          </a:effectRef>
+          <a:fontRef idx="minor">
+            <a:schemeClr val="tx1"/>
+          </a:fontRef>
+        </p:style>
+      </p:cxnSp>
+      <p:cxnSp>
+        <p:nvCxnSpPr>
+          <p:cNvPr id="27" name="Straight Arrow Connector 26"/>
+          <p:cNvCxnSpPr/>
+          <p:nvPr/>
+        </p:nvCxnSpPr>
+        <p:spPr>
+          <a:xfrm rot="5400000">
+            <a:off x="3505200" y="3505200"/>
+            <a:ext cx="609600" cy="1588"/>
+          </a:xfrm>
+          <a:prstGeom prst="straightConnector1">
+            <a:avLst/>
+          </a:prstGeom>
+          <a:ln>
+            <a:prstDash val="sysDash"/>
+            <a:tailEnd type="arrow"/>
+          </a:ln>
+        </p:spPr>
+        <p:style>
+          <a:lnRef idx="2">
+            <a:schemeClr val="accent1"/>
+          </a:lnRef>
+          <a:fillRef idx="0">
+            <a:schemeClr val="accent1"/>
+          </a:fillRef>
+          <a:effectRef idx="1">
+            <a:schemeClr val="accent1"/>
+          </a:effectRef>
+          <a:fontRef idx="minor">
+            <a:schemeClr val="tx1"/>
+          </a:fontRef>
+        </p:style>
+      </p:cxnSp>
+      <p:cxnSp>
+        <p:nvCxnSpPr>
+          <p:cNvPr id="29" name="Straight Arrow Connector 28"/>
+          <p:cNvCxnSpPr/>
+          <p:nvPr/>
+        </p:nvCxnSpPr>
+        <p:spPr>
+          <a:xfrm rot="5400000">
+            <a:off x="4648200" y="3505200"/>
+            <a:ext cx="609600" cy="1588"/>
+          </a:xfrm>
+          <a:prstGeom prst="straightConnector1">
+            <a:avLst/>
+          </a:prstGeom>
+          <a:ln>
+            <a:prstDash val="sysDash"/>
+            <a:tailEnd type="arrow"/>
+          </a:ln>
+        </p:spPr>
+        <p:style>
+          <a:lnRef idx="2">
+            <a:schemeClr val="accent1"/>
+          </a:lnRef>
+          <a:fillRef idx="0">
+            <a:schemeClr val="accent1"/>
+          </a:fillRef>
+          <a:effectRef idx="1">
+            <a:schemeClr val="accent1"/>
+          </a:effectRef>
+          <a:fontRef idx="minor">
+            <a:schemeClr val="tx1"/>
+          </a:fontRef>
+        </p:style>
+      </p:cxnSp>
+      <p:cxnSp>
+        <p:nvCxnSpPr>
+          <p:cNvPr id="31" name="Straight Arrow Connector 30"/>
+          <p:cNvCxnSpPr/>
+          <p:nvPr/>
+        </p:nvCxnSpPr>
+        <p:spPr>
+          <a:xfrm>
+            <a:off x="3505200" y="6096000"/>
+            <a:ext cx="1295400" cy="1588"/>
+          </a:xfrm>
+          <a:prstGeom prst="straightConnector1">
+            <a:avLst/>
+          </a:prstGeom>
+          <a:ln>
+            <a:tailEnd type="arrow"/>
+          </a:ln>
+        </p:spPr>
+        <p:style>
+          <a:lnRef idx="2">
+            <a:schemeClr val="accent1"/>
+          </a:lnRef>
+          <a:fillRef idx="0">
+            <a:schemeClr val="accent1"/>
+          </a:fillRef>
+          <a:effectRef idx="1">
+            <a:schemeClr val="accent1"/>
+          </a:effectRef>
+          <a:fontRef idx="minor">
+            <a:schemeClr val="tx1"/>
+          </a:fontRef>
+        </p:style>
+      </p:cxnSp>
+      <p:cxnSp>
+        <p:nvCxnSpPr>
+          <p:cNvPr id="33" name="Straight Arrow Connector 32"/>
+          <p:cNvCxnSpPr/>
+          <p:nvPr/>
+        </p:nvCxnSpPr>
+        <p:spPr>
+          <a:xfrm>
+            <a:off x="3429000" y="5410200"/>
+            <a:ext cx="1447800" cy="1588"/>
+          </a:xfrm>
+          <a:prstGeom prst="straightConnector1">
+            <a:avLst/>
+          </a:prstGeom>
+          <a:ln>
+            <a:prstDash val="sysDash"/>
+            <a:tailEnd type="arrow"/>
+          </a:ln>
+        </p:spPr>
+        <p:style>
+          <a:lnRef idx="2">
+            <a:schemeClr val="accent1"/>
+          </a:lnRef>
+          <a:fillRef idx="0">
+            <a:schemeClr val="accent1"/>
+          </a:fillRef>
+          <a:effectRef idx="1">
+            <a:schemeClr val="accent1"/>
+          </a:effectRef>
+          <a:fontRef idx="minor">
+            <a:schemeClr val="tx1"/>
+          </a:fontRef>
+        </p:style>
+      </p:cxnSp>
     </p:spTree>
   </p:cSld>
   <p:clrMapOvr>

--- a/Project 2/Part2/CS554_EuroTeam_Project2_OP5_mikko.pptx
+++ b/Project 2/Part2/CS554_EuroTeam_Project2_OP5_mikko.pptx
@@ -1,6 +1,6 @@
 
 <file path=ppt/presentation.xml><?xml version="1.0" encoding="utf-8"?>
-<p:presentation xmlns:a="http://schemas.openxmlformats.org/drawingml/2006/main" xmlns:r="http://schemas.openxmlformats.org/officeDocument/2006/relationships" xmlns:mc="http://schemas.openxmlformats.org/markup-compatibility/2006" xmlns:mv="urn:schemas-microsoft-com:mac:vml" xmlns:p="http://schemas.openxmlformats.org/presentationml/2006/main" mc:Ignorable="mv" mc:PreserveAttributes="mv:*" saveSubsetFonts="1">
+<p:presentation xmlns:a="http://schemas.openxmlformats.org/drawingml/2006/main" xmlns:r="http://schemas.openxmlformats.org/officeDocument/2006/relationships" xmlns:p="http://schemas.openxmlformats.org/presentationml/2006/main" saveSubsetFonts="1">
   <p:sldMasterIdLst>
     <p:sldMasterId id="2147483660" r:id="rId2"/>
   </p:sldMasterIdLst>
@@ -167,7 +167,7 @@
 </file>
 
 <file path=ppt/handoutMasters/handoutMaster1.xml><?xml version="1.0" encoding="utf-8"?>
-<p:handoutMaster xmlns:a="http://schemas.openxmlformats.org/drawingml/2006/main" xmlns:r="http://schemas.openxmlformats.org/officeDocument/2006/relationships" xmlns:mc="http://schemas.openxmlformats.org/markup-compatibility/2006" xmlns:mv="urn:schemas-microsoft-com:mac:vml" xmlns:p="http://schemas.openxmlformats.org/presentationml/2006/main" mc:Ignorable="mv" mc:PreserveAttributes="mv:*">
+<p:handoutMaster xmlns:a="http://schemas.openxmlformats.org/drawingml/2006/main" xmlns:r="http://schemas.openxmlformats.org/officeDocument/2006/relationships" xmlns:p="http://schemas.openxmlformats.org/presentationml/2006/main">
   <p:cSld>
     <p:bg>
       <p:bgRef idx="1001">
@@ -270,7 +270,7 @@
               <a:pPr>
                 <a:defRPr/>
               </a:pPr>
-              <a:t>11/18/09</a:t>
+              <a:t>19/11/2009</a:t>
             </a:fld>
             <a:endParaRPr lang="fr-FR" altLang="ko-KR"/>
           </a:p>
@@ -358,7 +358,7 @@
               <a:pPr>
                 <a:defRPr/>
               </a:pPr>
-              <a:t>‹#›</a:t>
+              <a:t>‹N°›</a:t>
             </a:fld>
             <a:endParaRPr lang="fr-FR" altLang="ko-KR"/>
           </a:p>
@@ -367,7 +367,7 @@
     </p:spTree>
     <p:extLst>
       <p:ext uri="{BB962C8B-B14F-4D97-AF65-F5344CB8AC3E}">
-        <p14:creationId xmlns:p14="http://schemas.microsoft.com/office/powerpoint/2007/7/12/main" xmlns="" xmlns:p="http://schemas.openxmlformats.org/presentationml/2006/main" xmlns:r="http://schemas.openxmlformats.org/officeDocument/2006/relationships" xmlns:a="http://schemas.openxmlformats.org/drawingml/2006/main" val="3216856891"/>
+        <p14:creationId xmlns="" xmlns:p14="http://schemas.microsoft.com/office/powerpoint/2007/7/12/main" xmlns:mv="urn:schemas-microsoft-com:mac:vml" xmlns:mc="http://schemas.openxmlformats.org/markup-compatibility/2006" val="3216856891"/>
       </p:ext>
     </p:extLst>
   </p:cSld>
@@ -376,7 +376,7 @@
 </file>
 
 <file path=ppt/notesMasters/notesMaster1.xml><?xml version="1.0" encoding="utf-8"?>
-<p:notesMaster xmlns:a="http://schemas.openxmlformats.org/drawingml/2006/main" xmlns:r="http://schemas.openxmlformats.org/officeDocument/2006/relationships" xmlns:mc="http://schemas.openxmlformats.org/markup-compatibility/2006" xmlns:mv="urn:schemas-microsoft-com:mac:vml" xmlns:p="http://schemas.openxmlformats.org/presentationml/2006/main" mc:Ignorable="mv" mc:PreserveAttributes="mv:*">
+<p:notesMaster xmlns:a="http://schemas.openxmlformats.org/drawingml/2006/main" xmlns:r="http://schemas.openxmlformats.org/officeDocument/2006/relationships" xmlns:p="http://schemas.openxmlformats.org/presentationml/2006/main">
   <p:cSld>
     <p:bg>
       <p:bgRef idx="1001">
@@ -479,7 +479,7 @@
               <a:pPr>
                 <a:defRPr/>
               </a:pPr>
-              <a:t>11/18/09</a:t>
+              <a:t>19/11/2009</a:t>
             </a:fld>
             <a:endParaRPr lang="fr-FR" altLang="ko-KR"/>
           </a:p>
@@ -663,7 +663,7 @@
               <a:pPr>
                 <a:defRPr/>
               </a:pPr>
-              <a:t>‹#›</a:t>
+              <a:t>‹N°›</a:t>
             </a:fld>
             <a:endParaRPr lang="fr-FR" altLang="ko-KR"/>
           </a:p>
@@ -672,7 +672,7 @@
     </p:spTree>
     <p:extLst>
       <p:ext uri="{BB962C8B-B14F-4D97-AF65-F5344CB8AC3E}">
-        <p14:creationId xmlns:p14="http://schemas.microsoft.com/office/powerpoint/2007/7/12/main" xmlns="" xmlns:p="http://schemas.openxmlformats.org/presentationml/2006/main" xmlns:r="http://schemas.openxmlformats.org/officeDocument/2006/relationships" xmlns:a="http://schemas.openxmlformats.org/drawingml/2006/main" val="3483236166"/>
+        <p14:creationId xmlns="" xmlns:p14="http://schemas.microsoft.com/office/powerpoint/2007/7/12/main" xmlns:mv="urn:schemas-microsoft-com:mac:vml" xmlns:mc="http://schemas.openxmlformats.org/markup-compatibility/2006" val="3483236166"/>
       </p:ext>
     </p:extLst>
   </p:cSld>
@@ -803,7 +803,7 @@
 </file>
 
 <file path=ppt/slideLayouts/slideLayout1.xml><?xml version="1.0" encoding="utf-8"?>
-<p:sldLayout xmlns:a="http://schemas.openxmlformats.org/drawingml/2006/main" xmlns:r="http://schemas.openxmlformats.org/officeDocument/2006/relationships" xmlns:mc="http://schemas.openxmlformats.org/markup-compatibility/2006" xmlns:mv="urn:schemas-microsoft-com:mac:vml" xmlns:p="http://schemas.openxmlformats.org/presentationml/2006/main" mc:Ignorable="mv" mc:PreserveAttributes="mv:*" showMasterSp="0" preserve="1" userDrawn="1">
+<p:sldLayout xmlns:a="http://schemas.openxmlformats.org/drawingml/2006/main" xmlns:r="http://schemas.openxmlformats.org/officeDocument/2006/relationships" xmlns:p="http://schemas.openxmlformats.org/presentationml/2006/main" showMasterSp="0" preserve="1" userDrawn="1">
   <p:cSld name="Titre">
     <p:bg>
       <p:bgPr>
@@ -1319,7 +1319,7 @@
 </file>
 
 <file path=ppt/slideLayouts/slideLayout2.xml><?xml version="1.0" encoding="utf-8"?>
-<p:sldLayout xmlns:a="http://schemas.openxmlformats.org/drawingml/2006/main" xmlns:r="http://schemas.openxmlformats.org/officeDocument/2006/relationships" xmlns:mc="http://schemas.openxmlformats.org/markup-compatibility/2006" xmlns:mv="urn:schemas-microsoft-com:mac:vml" xmlns:p="http://schemas.openxmlformats.org/presentationml/2006/main" mc:Ignorable="mv" mc:PreserveAttributes="mv:*" showMasterSp="0" preserve="1" userDrawn="1">
+<p:sldLayout xmlns:a="http://schemas.openxmlformats.org/drawingml/2006/main" xmlns:r="http://schemas.openxmlformats.org/officeDocument/2006/relationships" xmlns:p="http://schemas.openxmlformats.org/presentationml/2006/main" showMasterSp="0" preserve="1" userDrawn="1">
   <p:cSld name="Sommaire">
     <p:spTree>
       <p:nvGrpSpPr>
@@ -1633,7 +1633,7 @@
 </file>
 
 <file path=ppt/slideLayouts/slideLayout3.xml><?xml version="1.0" encoding="utf-8"?>
-<p:sldLayout xmlns:a="http://schemas.openxmlformats.org/drawingml/2006/main" xmlns:r="http://schemas.openxmlformats.org/officeDocument/2006/relationships" xmlns:mc="http://schemas.openxmlformats.org/markup-compatibility/2006" xmlns:mv="urn:schemas-microsoft-com:mac:vml" xmlns:p="http://schemas.openxmlformats.org/presentationml/2006/main" mc:Ignorable="mv" mc:PreserveAttributes="mv:*" preserve="1" userDrawn="1">
+<p:sldLayout xmlns:a="http://schemas.openxmlformats.org/drawingml/2006/main" xmlns:r="http://schemas.openxmlformats.org/officeDocument/2006/relationships" xmlns:p="http://schemas.openxmlformats.org/presentationml/2006/main" preserve="1" userDrawn="1">
   <p:cSld name="Diapo classique">
     <p:spTree>
       <p:nvGrpSpPr>
@@ -1910,7 +1910,7 @@
 </file>
 
 <file path=ppt/slideLayouts/slideLayout4.xml><?xml version="1.0" encoding="utf-8"?>
-<p:sldLayout xmlns:a="http://schemas.openxmlformats.org/drawingml/2006/main" xmlns:r="http://schemas.openxmlformats.org/officeDocument/2006/relationships" xmlns:mc="http://schemas.openxmlformats.org/markup-compatibility/2006" xmlns:mv="urn:schemas-microsoft-com:mac:vml" xmlns:p="http://schemas.openxmlformats.org/presentationml/2006/main" mc:Ignorable="mv" mc:PreserveAttributes="mv:*" preserve="1" userDrawn="1">
+<p:sldLayout xmlns:a="http://schemas.openxmlformats.org/drawingml/2006/main" xmlns:r="http://schemas.openxmlformats.org/officeDocument/2006/relationships" xmlns:p="http://schemas.openxmlformats.org/presentationml/2006/main" preserve="1" userDrawn="1">
   <p:cSld name="Disposition personnalisée">
     <p:spTree>
       <p:nvGrpSpPr>
@@ -2544,7 +2544,7 @@
           <a:blip r:embed="rId4">
             <a:extLst>
               <a:ext uri="28A0092B-C50C-407e-A947-70E740481C1C">
-                <a14:useLocalDpi xmlns:a14="http://schemas.microsoft.com/office/drawing/2007/7/7/main" xmlns="" xmlns:p="http://schemas.openxmlformats.org/presentationml/2006/main" xmlns:r="http://schemas.openxmlformats.org/officeDocument/2006/relationships" xmlns:a="http://schemas.openxmlformats.org/drawingml/2006/main" val="0"/>
+                <a14:useLocalDpi xmlns="" xmlns:a14="http://schemas.microsoft.com/office/drawing/2007/7/7/main" xmlns:mv="urn:schemas-microsoft-com:mac:vml" xmlns:mc="http://schemas.openxmlformats.org/markup-compatibility/2006" val="0"/>
               </a:ext>
             </a:extLst>
           </a:blip>
@@ -2564,14 +2564,14 @@
           <a:noFill/>
           <a:extLst>
             <a:ext uri="{909E8E84-426E-40dd-AFC4-6F175D3DCCD1}">
-              <a14:hiddenFill xmlns:a14="http://schemas.microsoft.com/office/drawing/2007/7/7/main" xmlns="" xmlns:p="http://schemas.openxmlformats.org/presentationml/2006/main" xmlns:r="http://schemas.openxmlformats.org/officeDocument/2006/relationships" xmlns:a="http://schemas.openxmlformats.org/drawingml/2006/main">
+              <a14:hiddenFill xmlns="" xmlns:a14="http://schemas.microsoft.com/office/drawing/2007/7/7/main" xmlns:mv="urn:schemas-microsoft-com:mac:vml" xmlns:mc="http://schemas.openxmlformats.org/markup-compatibility/2006">
                 <a:solidFill>
                   <a:schemeClr val="accent1"/>
                 </a:solidFill>
               </a14:hiddenFill>
             </a:ext>
             <a:ext uri="{91240B29-F687-4f45-9708-019B960494DF}">
-              <a14:hiddenLine xmlns:a14="http://schemas.microsoft.com/office/drawing/2007/7/7/main" xmlns="" xmlns:p="http://schemas.openxmlformats.org/presentationml/2006/main" xmlns:r="http://schemas.openxmlformats.org/officeDocument/2006/relationships" xmlns:a="http://schemas.openxmlformats.org/drawingml/2006/main" w="9525">
+              <a14:hiddenLine xmlns="" xmlns:a14="http://schemas.microsoft.com/office/drawing/2007/7/7/main" xmlns:mv="urn:schemas-microsoft-com:mac:vml" xmlns:mc="http://schemas.openxmlformats.org/markup-compatibility/2006" w="9525">
                 <a:solidFill>
                   <a:schemeClr val="tx1"/>
                 </a:solidFill>
@@ -2581,7 +2581,7 @@
               </a14:hiddenLine>
             </a:ext>
             <a:ext uri="{AF507438-7753-43e0-B8FC-AC1667EBCBE1}">
-              <a14:hiddenEffects xmlns:a14="http://schemas.microsoft.com/office/drawing/2007/7/7/main" xmlns="" xmlns:p="http://schemas.openxmlformats.org/presentationml/2006/main" xmlns:r="http://schemas.openxmlformats.org/officeDocument/2006/relationships" xmlns:a="http://schemas.openxmlformats.org/drawingml/2006/main">
+              <a14:hiddenEffects xmlns="" xmlns:a14="http://schemas.microsoft.com/office/drawing/2007/7/7/main" xmlns:mv="urn:schemas-microsoft-com:mac:vml" xmlns:mc="http://schemas.openxmlformats.org/markup-compatibility/2006">
                 <a:effectLst>
                   <a:outerShdw dist="35921" dir="2700000" algn="ctr" rotWithShape="0">
                     <a:schemeClr val="bg2"/>
@@ -2595,7 +2595,7 @@
     </p:spTree>
     <p:extLst>
       <p:ext uri="{BB962C8B-B14F-4D97-AF65-F5344CB8AC3E}">
-        <p14:creationId xmlns:p14="http://schemas.microsoft.com/office/powerpoint/2007/7/12/main" xmlns="" xmlns:p="http://schemas.openxmlformats.org/presentationml/2006/main" xmlns:r="http://schemas.openxmlformats.org/officeDocument/2006/relationships" xmlns:a="http://schemas.openxmlformats.org/drawingml/2006/main" val="1066328049"/>
+        <p14:creationId xmlns="" xmlns:p14="http://schemas.microsoft.com/office/powerpoint/2007/7/12/main" xmlns:mv="urn:schemas-microsoft-com:mac:vml" xmlns:mc="http://schemas.openxmlformats.org/markup-compatibility/2006" val="1066328049"/>
       </p:ext>
     </p:extLst>
   </p:cSld>
@@ -2613,7 +2613,7 @@
 </file>
 
 <file path=ppt/slideMasters/slideMaster1.xml><?xml version="1.0" encoding="utf-8"?>
-<p:sldMaster xmlns:a="http://schemas.openxmlformats.org/drawingml/2006/main" xmlns:r="http://schemas.openxmlformats.org/officeDocument/2006/relationships" xmlns:mc="http://schemas.openxmlformats.org/markup-compatibility/2006" xmlns:mv="urn:schemas-microsoft-com:mac:vml" xmlns:p="http://schemas.openxmlformats.org/presentationml/2006/main" mc:Ignorable="mv" mc:PreserveAttributes="mv:*" preserve="1">
+<p:sldMaster xmlns:a="http://schemas.openxmlformats.org/drawingml/2006/main" xmlns:r="http://schemas.openxmlformats.org/officeDocument/2006/relationships" xmlns:p="http://schemas.openxmlformats.org/presentationml/2006/main" preserve="1">
   <p:cSld>
     <p:bg>
       <p:bgRef idx="1003">
@@ -3037,7 +3037,7 @@
                 </a:spcAft>
                 <a:defRPr/>
               </a:pPr>
-              <a:t>‹#›</a:t>
+              <a:t>‹N°›</a:t>
             </a:fld>
             <a:r>
               <a:rPr lang="fr-FR" sz="1100" b="1" kern="0" dirty="0" smtClean="0">
@@ -3561,7 +3561,7 @@
 </file>
 
 <file path=ppt/slides/slide1.xml><?xml version="1.0" encoding="utf-8"?>
-<p:sld xmlns:a="http://schemas.openxmlformats.org/drawingml/2006/main" xmlns:r="http://schemas.openxmlformats.org/officeDocument/2006/relationships" xmlns:mc="http://schemas.openxmlformats.org/markup-compatibility/2006" xmlns:mv="urn:schemas-microsoft-com:mac:vml" xmlns:p="http://schemas.openxmlformats.org/presentationml/2006/main" mc:Ignorable="mv" mc:PreserveAttributes="mv:*">
+<p:sld xmlns:a="http://schemas.openxmlformats.org/drawingml/2006/main" xmlns:r="http://schemas.openxmlformats.org/officeDocument/2006/relationships" xmlns:p="http://schemas.openxmlformats.org/presentationml/2006/main">
   <p:cSld>
     <p:spTree>
       <p:nvGrpSpPr>
@@ -3783,24 +3783,6 @@
                 </a:effectLst>
               </a:rPr>
             </a:br>
-            <a:r>
-              <a:rPr b="0" cap="none" smtClean="0">
-                <a:ln>
-                  <a:noFill/>
-                </a:ln>
-                <a:solidFill>
-                  <a:schemeClr val="tx1"/>
-                </a:solidFill>
-                <a:effectLst>
-                  <a:outerShdw blurRad="38100" dist="38100" dir="2700000" algn="tl">
-                    <a:srgbClr val="000000">
-                      <a:alpha val="43137"/>
-                    </a:srgbClr>
-                  </a:outerShdw>
-                </a:effectLst>
-              </a:rPr>
-              <a:t>   </a:t>
-            </a:r>
             <a:r>
               <a:rPr b="0" i="1" cap="none" smtClean="0">
                 <a:ln>
@@ -3866,7 +3848,7 @@
             </a:pPr>
             <a:r>
               <a:rPr dirty="0" smtClean="0"/>
-              <a:t>CS554 - Design for Software &amp; </a:t>
+              <a:t>CS554 - Design for Software &amp;</a:t>
             </a:r>
             <a:r>
               <a:rPr dirty="0" err="1" smtClean="0"/>
@@ -4085,7 +4067,7 @@
 </file>
 
 <file path=ppt/slides/slide10.xml><?xml version="1.0" encoding="utf-8"?>
-<p:sld xmlns:a="http://schemas.openxmlformats.org/drawingml/2006/main" xmlns:r="http://schemas.openxmlformats.org/officeDocument/2006/relationships" xmlns:mc="http://schemas.openxmlformats.org/markup-compatibility/2006" xmlns:mv="urn:schemas-microsoft-com:mac:vml" xmlns:p="http://schemas.openxmlformats.org/presentationml/2006/main" mc:Ignorable="mv" mc:PreserveAttributes="mv:*">
+<p:sld xmlns:a="http://schemas.openxmlformats.org/drawingml/2006/main" xmlns:r="http://schemas.openxmlformats.org/officeDocument/2006/relationships" xmlns:p="http://schemas.openxmlformats.org/presentationml/2006/main">
   <p:cSld>
     <p:spTree>
       <p:nvGrpSpPr>
@@ -4517,26 +4499,6 @@
                 <a:cs typeface="+mn-cs"/>
               </a:rPr>
               <a:t>ACME</a:t>
-            </a:r>
-            <a:r>
-              <a:rPr kumimoji="0" lang="fr-FR" sz="1200" i="0" u="none" strike="noStrike" kern="0" cap="none" spc="0" normalizeH="0" baseline="0" noProof="0" dirty="0" smtClean="0">
-                <a:ln>
-                  <a:noFill/>
-                </a:ln>
-                <a:solidFill>
-                  <a:schemeClr val="tx1">
-                    <a:lumMod val="50000"/>
-                    <a:lumOff val="50000"/>
-                  </a:schemeClr>
-                </a:solidFill>
-                <a:effectLst/>
-                <a:uLnTx/>
-                <a:uFillTx/>
-                <a:latin typeface="+mn-lt"/>
-                <a:ea typeface="+mn-ea"/>
-                <a:cs typeface="+mn-cs"/>
-              </a:rPr>
-              <a:t> </a:t>
             </a:r>
             <a:r>
               <a:rPr lang="fr-FR" sz="1200" b="1" u="sng" kern="0" dirty="0" err="1" smtClean="0">
@@ -4669,7 +4631,7 @@
 </file>
 
 <file path=ppt/slides/slide11.xml><?xml version="1.0" encoding="utf-8"?>
-<p:sld xmlns:a="http://schemas.openxmlformats.org/drawingml/2006/main" xmlns:r="http://schemas.openxmlformats.org/officeDocument/2006/relationships" xmlns:mc="http://schemas.openxmlformats.org/markup-compatibility/2006" xmlns:mv="urn:schemas-microsoft-com:mac:vml" xmlns:p="http://schemas.openxmlformats.org/presentationml/2006/main" mc:Ignorable="mv" mc:PreserveAttributes="mv:*">
+<p:sld xmlns:a="http://schemas.openxmlformats.org/drawingml/2006/main" xmlns:r="http://schemas.openxmlformats.org/officeDocument/2006/relationships" xmlns:p="http://schemas.openxmlformats.org/presentationml/2006/main">
   <p:cSld>
     <p:spTree>
       <p:nvGrpSpPr>
@@ -5159,26 +5121,6 @@
               <a:t>ACME</a:t>
             </a:r>
             <a:r>
-              <a:rPr kumimoji="0" lang="fr-FR" sz="1200" i="0" u="none" strike="noStrike" kern="0" cap="none" spc="0" normalizeH="0" baseline="0" noProof="0" dirty="0" smtClean="0">
-                <a:ln>
-                  <a:noFill/>
-                </a:ln>
-                <a:solidFill>
-                  <a:schemeClr val="tx1">
-                    <a:lumMod val="50000"/>
-                    <a:lumOff val="50000"/>
-                  </a:schemeClr>
-                </a:solidFill>
-                <a:effectLst/>
-                <a:uLnTx/>
-                <a:uFillTx/>
-                <a:latin typeface="+mn-lt"/>
-                <a:ea typeface="+mn-ea"/>
-                <a:cs typeface="+mn-cs"/>
-              </a:rPr>
-              <a:t> </a:t>
-            </a:r>
-            <a:r>
               <a:rPr lang="fr-FR" sz="1200" b="1" u="sng" kern="0" dirty="0" err="1" smtClean="0">
                 <a:latin typeface="+mn-lt"/>
                 <a:cs typeface="+mn-cs"/>
@@ -5272,7 +5214,7 @@
 </file>
 
 <file path=ppt/slides/slide12.xml><?xml version="1.0" encoding="utf-8"?>
-<p:sld xmlns:a="http://schemas.openxmlformats.org/drawingml/2006/main" xmlns:r="http://schemas.openxmlformats.org/officeDocument/2006/relationships" xmlns:mc="http://schemas.openxmlformats.org/markup-compatibility/2006" xmlns:mv="urn:schemas-microsoft-com:mac:vml" xmlns:p="http://schemas.openxmlformats.org/presentationml/2006/main" mc:Ignorable="mv" mc:PreserveAttributes="mv:*">
+<p:sld xmlns:a="http://schemas.openxmlformats.org/drawingml/2006/main" xmlns:r="http://schemas.openxmlformats.org/officeDocument/2006/relationships" xmlns:p="http://schemas.openxmlformats.org/presentationml/2006/main">
   <p:cSld>
     <p:spTree>
       <p:nvGrpSpPr>
@@ -5972,26 +5914,6 @@
               <a:t>ACME</a:t>
             </a:r>
             <a:r>
-              <a:rPr kumimoji="0" lang="fr-FR" sz="1200" i="0" u="none" strike="noStrike" kern="0" cap="none" spc="0" normalizeH="0" baseline="0" noProof="0" dirty="0" smtClean="0">
-                <a:ln>
-                  <a:noFill/>
-                </a:ln>
-                <a:solidFill>
-                  <a:schemeClr val="tx1">
-                    <a:lumMod val="50000"/>
-                    <a:lumOff val="50000"/>
-                  </a:schemeClr>
-                </a:solidFill>
-                <a:effectLst/>
-                <a:uLnTx/>
-                <a:uFillTx/>
-                <a:latin typeface="+mn-lt"/>
-                <a:ea typeface="+mn-ea"/>
-                <a:cs typeface="+mn-cs"/>
-              </a:rPr>
-              <a:t> </a:t>
-            </a:r>
-            <a:r>
               <a:rPr lang="fr-FR" sz="1200" b="1" u="sng" kern="0" dirty="0" err="1" smtClean="0">
                 <a:latin typeface="+mn-lt"/>
                 <a:cs typeface="+mn-cs"/>
@@ -6235,7 +6157,7 @@
 </file>
 
 <file path=ppt/slides/slide13.xml><?xml version="1.0" encoding="utf-8"?>
-<p:sld xmlns:a="http://schemas.openxmlformats.org/drawingml/2006/main" xmlns:r="http://schemas.openxmlformats.org/officeDocument/2006/relationships" xmlns:mc="http://schemas.openxmlformats.org/markup-compatibility/2006" xmlns:mv="urn:schemas-microsoft-com:mac:vml" xmlns:p="http://schemas.openxmlformats.org/presentationml/2006/main" mc:Ignorable="mv" mc:PreserveAttributes="mv:*">
+<p:sld xmlns:a="http://schemas.openxmlformats.org/drawingml/2006/main" xmlns:r="http://schemas.openxmlformats.org/officeDocument/2006/relationships" xmlns:p="http://schemas.openxmlformats.org/presentationml/2006/main">
   <p:cSld>
     <p:spTree>
       <p:nvGrpSpPr>
@@ -7137,26 +7059,6 @@
                 <a:cs typeface="+mn-cs"/>
               </a:rPr>
               <a:t>ACME</a:t>
-            </a:r>
-            <a:r>
-              <a:rPr kumimoji="0" lang="fr-FR" sz="1200" i="0" u="none" strike="noStrike" kern="0" cap="none" spc="0" normalizeH="0" baseline="0" noProof="0" dirty="0" smtClean="0">
-                <a:ln>
-                  <a:noFill/>
-                </a:ln>
-                <a:solidFill>
-                  <a:schemeClr val="tx1">
-                    <a:lumMod val="50000"/>
-                    <a:lumOff val="50000"/>
-                  </a:schemeClr>
-                </a:solidFill>
-                <a:effectLst/>
-                <a:uLnTx/>
-                <a:uFillTx/>
-                <a:latin typeface="+mn-lt"/>
-                <a:ea typeface="+mn-ea"/>
-                <a:cs typeface="+mn-cs"/>
-              </a:rPr>
-              <a:t> </a:t>
             </a:r>
             <a:r>
               <a:rPr lang="fr-FR" sz="1200" b="1" u="sng" kern="0" dirty="0" err="1" smtClean="0">
@@ -7341,7 +7243,7 @@
 </file>
 
 <file path=ppt/slides/slide14.xml><?xml version="1.0" encoding="utf-8"?>
-<p:sld xmlns:a="http://schemas.openxmlformats.org/drawingml/2006/main" xmlns:r="http://schemas.openxmlformats.org/officeDocument/2006/relationships" xmlns:mc="http://schemas.openxmlformats.org/markup-compatibility/2006" xmlns:mv="urn:schemas-microsoft-com:mac:vml" xmlns:p="http://schemas.openxmlformats.org/presentationml/2006/main" mc:Ignorable="mv" mc:PreserveAttributes="mv:*">
+<p:sld xmlns:a="http://schemas.openxmlformats.org/drawingml/2006/main" xmlns:r="http://schemas.openxmlformats.org/officeDocument/2006/relationships" xmlns:p="http://schemas.openxmlformats.org/presentationml/2006/main">
   <p:cSld>
     <p:spTree>
       <p:nvGrpSpPr>
@@ -7745,26 +7647,6 @@
               <a:t>ACME</a:t>
             </a:r>
             <a:r>
-              <a:rPr kumimoji="0" lang="fr-FR" sz="1200" i="0" u="none" strike="noStrike" kern="0" cap="none" spc="0" normalizeH="0" baseline="0" noProof="0" dirty="0" smtClean="0">
-                <a:ln>
-                  <a:noFill/>
-                </a:ln>
-                <a:solidFill>
-                  <a:schemeClr val="tx1">
-                    <a:lumMod val="50000"/>
-                    <a:lumOff val="50000"/>
-                  </a:schemeClr>
-                </a:solidFill>
-                <a:effectLst/>
-                <a:uLnTx/>
-                <a:uFillTx/>
-                <a:latin typeface="+mn-lt"/>
-                <a:ea typeface="+mn-ea"/>
-                <a:cs typeface="+mn-cs"/>
-              </a:rPr>
-              <a:t> </a:t>
-            </a:r>
-            <a:r>
               <a:rPr lang="fr-FR" sz="1200" b="1" u="sng" kern="0" dirty="0" err="1" smtClean="0">
                 <a:latin typeface="+mn-lt"/>
                 <a:cs typeface="+mn-cs"/>
@@ -7858,7 +7740,7 @@
 </file>
 
 <file path=ppt/slides/slide15.xml><?xml version="1.0" encoding="utf-8"?>
-<p:sld xmlns:a="http://schemas.openxmlformats.org/drawingml/2006/main" xmlns:r="http://schemas.openxmlformats.org/officeDocument/2006/relationships" xmlns:mc="http://schemas.openxmlformats.org/markup-compatibility/2006" xmlns:mv="urn:schemas-microsoft-com:mac:vml" xmlns:p="http://schemas.openxmlformats.org/presentationml/2006/main" mc:Ignorable="mv" mc:PreserveAttributes="mv:*">
+<p:sld xmlns:a="http://schemas.openxmlformats.org/drawingml/2006/main" xmlns:r="http://schemas.openxmlformats.org/officeDocument/2006/relationships" xmlns:p="http://schemas.openxmlformats.org/presentationml/2006/main">
   <p:cSld>
     <p:spTree>
       <p:nvGrpSpPr>
@@ -8245,26 +8127,6 @@
               <a:t>ACME</a:t>
             </a:r>
             <a:r>
-              <a:rPr kumimoji="0" lang="fr-FR" sz="1200" i="0" u="none" strike="noStrike" kern="0" cap="none" spc="0" normalizeH="0" baseline="0" noProof="0" dirty="0" smtClean="0">
-                <a:ln>
-                  <a:noFill/>
-                </a:ln>
-                <a:solidFill>
-                  <a:schemeClr val="tx1">
-                    <a:lumMod val="50000"/>
-                    <a:lumOff val="50000"/>
-                  </a:schemeClr>
-                </a:solidFill>
-                <a:effectLst/>
-                <a:uLnTx/>
-                <a:uFillTx/>
-                <a:latin typeface="+mn-lt"/>
-                <a:ea typeface="+mn-ea"/>
-                <a:cs typeface="+mn-cs"/>
-              </a:rPr>
-              <a:t> </a:t>
-            </a:r>
-            <a:r>
               <a:rPr lang="fr-FR" sz="1200" b="1" u="sng" kern="0" dirty="0" err="1" smtClean="0">
                 <a:latin typeface="+mn-lt"/>
                 <a:cs typeface="+mn-cs"/>
@@ -8358,7 +8220,7 @@
 </file>
 
 <file path=ppt/slides/slide16.xml><?xml version="1.0" encoding="utf-8"?>
-<p:sld xmlns:a="http://schemas.openxmlformats.org/drawingml/2006/main" xmlns:r="http://schemas.openxmlformats.org/officeDocument/2006/relationships" xmlns:mc="http://schemas.openxmlformats.org/markup-compatibility/2006" xmlns:mv="urn:schemas-microsoft-com:mac:vml" xmlns:p="http://schemas.openxmlformats.org/presentationml/2006/main" mc:Ignorable="mv" mc:PreserveAttributes="mv:*">
+<p:sld xmlns:a="http://schemas.openxmlformats.org/drawingml/2006/main" xmlns:r="http://schemas.openxmlformats.org/officeDocument/2006/relationships" xmlns:p="http://schemas.openxmlformats.org/presentationml/2006/main">
   <p:cSld>
     <p:spTree>
       <p:nvGrpSpPr>
@@ -8739,26 +8601,6 @@
               <a:t>ACME</a:t>
             </a:r>
             <a:r>
-              <a:rPr kumimoji="0" lang="fr-FR" sz="1200" i="0" u="none" strike="noStrike" kern="0" cap="none" spc="0" normalizeH="0" baseline="0" noProof="0" dirty="0" smtClean="0">
-                <a:ln>
-                  <a:noFill/>
-                </a:ln>
-                <a:solidFill>
-                  <a:schemeClr val="tx1">
-                    <a:lumMod val="50000"/>
-                    <a:lumOff val="50000"/>
-                  </a:schemeClr>
-                </a:solidFill>
-                <a:effectLst/>
-                <a:uLnTx/>
-                <a:uFillTx/>
-                <a:latin typeface="+mn-lt"/>
-                <a:ea typeface="+mn-ea"/>
-                <a:cs typeface="+mn-cs"/>
-              </a:rPr>
-              <a:t> </a:t>
-            </a:r>
-            <a:r>
               <a:rPr lang="fr-FR" sz="1200" b="1" u="sng" kern="0" dirty="0" err="1" smtClean="0">
                 <a:latin typeface="+mn-lt"/>
                 <a:cs typeface="+mn-cs"/>
@@ -8846,7 +8688,7 @@
 </file>
 
 <file path=ppt/slides/slide17.xml><?xml version="1.0" encoding="utf-8"?>
-<p:sld xmlns:a="http://schemas.openxmlformats.org/drawingml/2006/main" xmlns:r="http://schemas.openxmlformats.org/officeDocument/2006/relationships" xmlns:mc="http://schemas.openxmlformats.org/markup-compatibility/2006" xmlns:mv="urn:schemas-microsoft-com:mac:vml" xmlns:p="http://schemas.openxmlformats.org/presentationml/2006/main" mc:Ignorable="mv" mc:PreserveAttributes="mv:*">
+<p:sld xmlns:a="http://schemas.openxmlformats.org/drawingml/2006/main" xmlns:r="http://schemas.openxmlformats.org/officeDocument/2006/relationships" xmlns:p="http://schemas.openxmlformats.org/presentationml/2006/main">
   <p:cSld>
     <p:spTree>
       <p:nvGrpSpPr>
@@ -8913,7 +8755,7 @@
 </file>
 
 <file path=ppt/slides/slide18.xml><?xml version="1.0" encoding="utf-8"?>
-<p:sld xmlns:a="http://schemas.openxmlformats.org/drawingml/2006/main" xmlns:r="http://schemas.openxmlformats.org/officeDocument/2006/relationships" xmlns:mc="http://schemas.openxmlformats.org/markup-compatibility/2006" xmlns:mv="urn:schemas-microsoft-com:mac:vml" xmlns:p="http://schemas.openxmlformats.org/presentationml/2006/main" mc:Ignorable="mv" mc:PreserveAttributes="mv:*">
+<p:sld xmlns:a="http://schemas.openxmlformats.org/drawingml/2006/main" xmlns:r="http://schemas.openxmlformats.org/officeDocument/2006/relationships" xmlns:p="http://schemas.openxmlformats.org/presentationml/2006/main">
   <p:cSld>
     <p:spTree>
       <p:nvGrpSpPr>
@@ -9326,26 +9168,6 @@
               <a:t>ACME</a:t>
             </a:r>
             <a:r>
-              <a:rPr kumimoji="0" lang="fr-FR" sz="1200" i="0" u="none" strike="noStrike" kern="0" cap="none" spc="0" normalizeH="0" baseline="0" noProof="0" dirty="0" smtClean="0">
-                <a:ln>
-                  <a:noFill/>
-                </a:ln>
-                <a:solidFill>
-                  <a:schemeClr val="tx1">
-                    <a:lumMod val="50000"/>
-                    <a:lumOff val="50000"/>
-                  </a:schemeClr>
-                </a:solidFill>
-                <a:effectLst/>
-                <a:uLnTx/>
-                <a:uFillTx/>
-                <a:latin typeface="+mn-lt"/>
-                <a:ea typeface="+mn-ea"/>
-                <a:cs typeface="+mn-cs"/>
-              </a:rPr>
-              <a:t> </a:t>
-            </a:r>
-            <a:r>
               <a:rPr lang="fr-FR" sz="1200" b="1" u="sng" kern="0" dirty="0" err="1" smtClean="0">
                 <a:latin typeface="+mn-lt"/>
                 <a:cs typeface="+mn-cs"/>
@@ -9439,7 +9261,7 @@
 </file>
 
 <file path=ppt/slides/slide19.xml><?xml version="1.0" encoding="utf-8"?>
-<p:sld xmlns:a="http://schemas.openxmlformats.org/drawingml/2006/main" xmlns:r="http://schemas.openxmlformats.org/officeDocument/2006/relationships" xmlns:mc="http://schemas.openxmlformats.org/markup-compatibility/2006" xmlns:mv="urn:schemas-microsoft-com:mac:vml" xmlns:p="http://schemas.openxmlformats.org/presentationml/2006/main" mc:Ignorable="mv" mc:PreserveAttributes="mv:*">
+<p:sld xmlns:a="http://schemas.openxmlformats.org/drawingml/2006/main" xmlns:r="http://schemas.openxmlformats.org/officeDocument/2006/relationships" xmlns:p="http://schemas.openxmlformats.org/presentationml/2006/main">
   <p:cSld>
     <p:spTree>
       <p:nvGrpSpPr>
@@ -9790,26 +9612,6 @@
               <a:t>ACME</a:t>
             </a:r>
             <a:r>
-              <a:rPr kumimoji="0" lang="fr-FR" sz="1200" i="0" u="none" strike="noStrike" kern="0" cap="none" spc="0" normalizeH="0" baseline="0" noProof="0" dirty="0" smtClean="0">
-                <a:ln>
-                  <a:noFill/>
-                </a:ln>
-                <a:solidFill>
-                  <a:schemeClr val="tx1">
-                    <a:lumMod val="50000"/>
-                    <a:lumOff val="50000"/>
-                  </a:schemeClr>
-                </a:solidFill>
-                <a:effectLst/>
-                <a:uLnTx/>
-                <a:uFillTx/>
-                <a:latin typeface="+mn-lt"/>
-                <a:ea typeface="+mn-ea"/>
-                <a:cs typeface="+mn-cs"/>
-              </a:rPr>
-              <a:t> </a:t>
-            </a:r>
-            <a:r>
               <a:rPr lang="fr-FR" sz="1200" b="1" u="sng" kern="0" dirty="0" err="1" smtClean="0">
                 <a:latin typeface="+mn-lt"/>
                 <a:cs typeface="+mn-cs"/>
@@ -9903,7 +9705,7 @@
 </file>
 
 <file path=ppt/slides/slide2.xml><?xml version="1.0" encoding="utf-8"?>
-<p:sld xmlns:a="http://schemas.openxmlformats.org/drawingml/2006/main" xmlns:r="http://schemas.openxmlformats.org/officeDocument/2006/relationships" xmlns:mc="http://schemas.openxmlformats.org/markup-compatibility/2006" xmlns:mv="urn:schemas-microsoft-com:mac:vml" xmlns:p="http://schemas.openxmlformats.org/presentationml/2006/main" mc:Ignorable="mv" mc:PreserveAttributes="mv:*">
+<p:sld xmlns:a="http://schemas.openxmlformats.org/drawingml/2006/main" xmlns:r="http://schemas.openxmlformats.org/officeDocument/2006/relationships" xmlns:p="http://schemas.openxmlformats.org/presentationml/2006/main">
   <p:cSld>
     <p:spTree>
       <p:nvGrpSpPr>
@@ -10148,7 +9950,7 @@
 </file>
 
 <file path=ppt/slides/slide20.xml><?xml version="1.0" encoding="utf-8"?>
-<p:sld xmlns:a="http://schemas.openxmlformats.org/drawingml/2006/main" xmlns:r="http://schemas.openxmlformats.org/officeDocument/2006/relationships" xmlns:mc="http://schemas.openxmlformats.org/markup-compatibility/2006" xmlns:mv="urn:schemas-microsoft-com:mac:vml" xmlns:p="http://schemas.openxmlformats.org/presentationml/2006/main" mc:Ignorable="mv" mc:PreserveAttributes="mv:*">
+<p:sld xmlns:a="http://schemas.openxmlformats.org/drawingml/2006/main" xmlns:r="http://schemas.openxmlformats.org/officeDocument/2006/relationships" xmlns:p="http://schemas.openxmlformats.org/presentationml/2006/main">
   <p:cSld>
     <p:spTree>
       <p:nvGrpSpPr>
@@ -10499,26 +10301,6 @@
               <a:t>ACME</a:t>
             </a:r>
             <a:r>
-              <a:rPr kumimoji="0" lang="fr-FR" sz="1200" i="0" u="none" strike="noStrike" kern="0" cap="none" spc="0" normalizeH="0" baseline="0" noProof="0" dirty="0" smtClean="0">
-                <a:ln>
-                  <a:noFill/>
-                </a:ln>
-                <a:solidFill>
-                  <a:schemeClr val="tx1">
-                    <a:lumMod val="50000"/>
-                    <a:lumOff val="50000"/>
-                  </a:schemeClr>
-                </a:solidFill>
-                <a:effectLst/>
-                <a:uLnTx/>
-                <a:uFillTx/>
-                <a:latin typeface="+mn-lt"/>
-                <a:ea typeface="+mn-ea"/>
-                <a:cs typeface="+mn-cs"/>
-              </a:rPr>
-              <a:t> </a:t>
-            </a:r>
-            <a:r>
               <a:rPr lang="fr-FR" sz="1200" b="1" u="sng" kern="0" dirty="0" err="1" smtClean="0">
                 <a:latin typeface="+mn-lt"/>
                 <a:cs typeface="+mn-cs"/>
@@ -10612,7 +10394,7 @@
 </file>
 
 <file path=ppt/slides/slide21.xml><?xml version="1.0" encoding="utf-8"?>
-<p:sld xmlns:a="http://schemas.openxmlformats.org/drawingml/2006/main" xmlns:r="http://schemas.openxmlformats.org/officeDocument/2006/relationships" xmlns:mc="http://schemas.openxmlformats.org/markup-compatibility/2006" xmlns:mv="urn:schemas-microsoft-com:mac:vml" xmlns:p="http://schemas.openxmlformats.org/presentationml/2006/main" mc:Ignorable="mv" mc:PreserveAttributes="mv:*">
+<p:sld xmlns:a="http://schemas.openxmlformats.org/drawingml/2006/main" xmlns:r="http://schemas.openxmlformats.org/officeDocument/2006/relationships" xmlns:p="http://schemas.openxmlformats.org/presentationml/2006/main">
   <p:cSld>
     <p:spTree>
       <p:nvGrpSpPr>
@@ -10963,26 +10745,6 @@
               <a:t>ACME</a:t>
             </a:r>
             <a:r>
-              <a:rPr kumimoji="0" lang="fr-FR" sz="1200" i="0" u="none" strike="noStrike" kern="0" cap="none" spc="0" normalizeH="0" baseline="0" noProof="0" dirty="0" smtClean="0">
-                <a:ln>
-                  <a:noFill/>
-                </a:ln>
-                <a:solidFill>
-                  <a:schemeClr val="tx1">
-                    <a:lumMod val="50000"/>
-                    <a:lumOff val="50000"/>
-                  </a:schemeClr>
-                </a:solidFill>
-                <a:effectLst/>
-                <a:uLnTx/>
-                <a:uFillTx/>
-                <a:latin typeface="+mn-lt"/>
-                <a:ea typeface="+mn-ea"/>
-                <a:cs typeface="+mn-cs"/>
-              </a:rPr>
-              <a:t> </a:t>
-            </a:r>
-            <a:r>
               <a:rPr lang="fr-FR" sz="1200" b="1" u="sng" kern="0" dirty="0" err="1" smtClean="0">
                 <a:latin typeface="+mn-lt"/>
                 <a:cs typeface="+mn-cs"/>
@@ -11076,7 +10838,7 @@
 </file>
 
 <file path=ppt/slides/slide22.xml><?xml version="1.0" encoding="utf-8"?>
-<p:sld xmlns:a="http://schemas.openxmlformats.org/drawingml/2006/main" xmlns:r="http://schemas.openxmlformats.org/officeDocument/2006/relationships" xmlns:mc="http://schemas.openxmlformats.org/markup-compatibility/2006" xmlns:mv="urn:schemas-microsoft-com:mac:vml" xmlns:p="http://schemas.openxmlformats.org/presentationml/2006/main" mc:Ignorable="mv" mc:PreserveAttributes="mv:*">
+<p:sld xmlns:a="http://schemas.openxmlformats.org/drawingml/2006/main" xmlns:r="http://schemas.openxmlformats.org/officeDocument/2006/relationships" xmlns:p="http://schemas.openxmlformats.org/presentationml/2006/main">
   <p:cSld>
     <p:spTree>
       <p:nvGrpSpPr>
@@ -11427,26 +11189,6 @@
               <a:t>ACME</a:t>
             </a:r>
             <a:r>
-              <a:rPr kumimoji="0" lang="fr-FR" sz="1200" i="0" u="none" strike="noStrike" kern="0" cap="none" spc="0" normalizeH="0" baseline="0" noProof="0" dirty="0" smtClean="0">
-                <a:ln>
-                  <a:noFill/>
-                </a:ln>
-                <a:solidFill>
-                  <a:schemeClr val="tx1">
-                    <a:lumMod val="50000"/>
-                    <a:lumOff val="50000"/>
-                  </a:schemeClr>
-                </a:solidFill>
-                <a:effectLst/>
-                <a:uLnTx/>
-                <a:uFillTx/>
-                <a:latin typeface="+mn-lt"/>
-                <a:ea typeface="+mn-ea"/>
-                <a:cs typeface="+mn-cs"/>
-              </a:rPr>
-              <a:t> </a:t>
-            </a:r>
-            <a:r>
               <a:rPr lang="fr-FR" sz="1200" b="1" u="sng" kern="0" dirty="0" err="1" smtClean="0">
                 <a:latin typeface="+mn-lt"/>
                 <a:cs typeface="+mn-cs"/>
@@ -11540,7 +11282,7 @@
 </file>
 
 <file path=ppt/slides/slide23.xml><?xml version="1.0" encoding="utf-8"?>
-<p:sld xmlns:a="http://schemas.openxmlformats.org/drawingml/2006/main" xmlns:r="http://schemas.openxmlformats.org/officeDocument/2006/relationships" xmlns:mc="http://schemas.openxmlformats.org/markup-compatibility/2006" xmlns:mv="urn:schemas-microsoft-com:mac:vml" xmlns:p="http://schemas.openxmlformats.org/presentationml/2006/main" mc:Ignorable="mv" mc:PreserveAttributes="mv:*">
+<p:sld xmlns:a="http://schemas.openxmlformats.org/drawingml/2006/main" xmlns:r="http://schemas.openxmlformats.org/officeDocument/2006/relationships" xmlns:p="http://schemas.openxmlformats.org/presentationml/2006/main">
   <p:cSld>
     <p:spTree>
       <p:nvGrpSpPr>
@@ -11607,23 +11349,7 @@
                   <a:schemeClr val="accent6"/>
                 </a:solidFill>
               </a:rPr>
-              <a:t>Thank</a:t>
-            </a:r>
-            <a:r>
-              <a:rPr lang="fr-FR" sz="2400" b="1" i="1" dirty="0" smtClean="0">
-                <a:solidFill>
-                  <a:schemeClr val="accent6"/>
-                </a:solidFill>
-              </a:rPr>
-              <a:t> </a:t>
-            </a:r>
-            <a:r>
-              <a:rPr lang="fr-FR" sz="2400" b="1" i="1" dirty="0" err="1" smtClean="0">
-                <a:solidFill>
-                  <a:schemeClr val="accent6"/>
-                </a:solidFill>
-              </a:rPr>
-              <a:t>you</a:t>
+              <a:t>Thankyou</a:t>
             </a:r>
             <a:r>
               <a:rPr lang="fr-FR" sz="2400" b="1" i="1" dirty="0" smtClean="0">
@@ -11847,24 +11573,6 @@
                 </a:effectLst>
               </a:rPr>
             </a:br>
-            <a:r>
-              <a:rPr b="0" cap="none" smtClean="0">
-                <a:ln>
-                  <a:noFill/>
-                </a:ln>
-                <a:solidFill>
-                  <a:schemeClr val="tx1"/>
-                </a:solidFill>
-                <a:effectLst>
-                  <a:outerShdw blurRad="38100" dist="38100" dir="2700000" algn="tl">
-                    <a:srgbClr val="000000">
-                      <a:alpha val="43137"/>
-                    </a:srgbClr>
-                  </a:outerShdw>
-                </a:effectLst>
-              </a:rPr>
-              <a:t>   </a:t>
-            </a:r>
             <a:r>
               <a:rPr b="0" i="1" cap="none" smtClean="0">
                 <a:ln>
@@ -11930,7 +11638,7 @@
             </a:pPr>
             <a:r>
               <a:rPr dirty="0" smtClean="0"/>
-              <a:t>CS554 - Design for Software &amp; </a:t>
+              <a:t>CS554 - Design for Software &amp;</a:t>
             </a:r>
             <a:r>
               <a:rPr dirty="0" err="1" smtClean="0"/>
@@ -12150,7 +11858,7 @@
 </file>
 
 <file path=ppt/slides/slide24.xml><?xml version="1.0" encoding="utf-8"?>
-<p:sld xmlns:a="http://schemas.openxmlformats.org/drawingml/2006/main" xmlns:r="http://schemas.openxmlformats.org/officeDocument/2006/relationships" xmlns:mc="http://schemas.openxmlformats.org/markup-compatibility/2006" xmlns:mv="urn:schemas-microsoft-com:mac:vml" xmlns:p="http://schemas.openxmlformats.org/presentationml/2006/main" mc:Ignorable="mv" mc:PreserveAttributes="mv:*">
+<p:sld xmlns:a="http://schemas.openxmlformats.org/drawingml/2006/main" xmlns:r="http://schemas.openxmlformats.org/officeDocument/2006/relationships" xmlns:p="http://schemas.openxmlformats.org/presentationml/2006/main">
   <p:cSld>
     <p:spTree>
       <p:nvGrpSpPr>
@@ -12314,7 +12022,7 @@
 </file>
 
 <file path=ppt/slides/slide3.xml><?xml version="1.0" encoding="utf-8"?>
-<p:sld xmlns:a="http://schemas.openxmlformats.org/drawingml/2006/main" xmlns:r="http://schemas.openxmlformats.org/officeDocument/2006/relationships" xmlns:mc="http://schemas.openxmlformats.org/markup-compatibility/2006" xmlns:mv="urn:schemas-microsoft-com:mac:vml" xmlns:p="http://schemas.openxmlformats.org/presentationml/2006/main" mc:Ignorable="mv" mc:PreserveAttributes="mv:*">
+<p:sld xmlns:a="http://schemas.openxmlformats.org/drawingml/2006/main" xmlns:r="http://schemas.openxmlformats.org/officeDocument/2006/relationships" xmlns:p="http://schemas.openxmlformats.org/presentationml/2006/main">
   <p:cSld>
     <p:spTree>
       <p:nvGrpSpPr>
@@ -12893,7 +12601,7 @@
     </p:spTree>
     <p:extLst>
       <p:ext uri="{BB962C8B-B14F-4D97-AF65-F5344CB8AC3E}">
-        <p14:creationId xmlns="" xmlns:p14="http://schemas.microsoft.com/office/powerpoint/2007/7/12/main" xmlns:mv="urn:schemas-microsoft-com:mac:vml" xmlns:mc="http://schemas.openxmlformats.org/markup-compatibility/2006" xmlns:p="http://schemas.openxmlformats.org/presentationml/2006/main" xmlns:r="http://schemas.openxmlformats.org/officeDocument/2006/relationships" xmlns:a="http://schemas.openxmlformats.org/drawingml/2006/main" val="3707259682"/>
+        <p14:creationId xmlns:mc="http://schemas.openxmlformats.org/markup-compatibility/2006" xmlns:mv="urn:schemas-microsoft-com:mac:vml" xmlns:p14="http://schemas.microsoft.com/office/powerpoint/2007/7/12/main" xmlns="" val="3707259682"/>
       </p:ext>
     </p:extLst>
   </p:cSld>
@@ -12911,7 +12619,7 @@
 </file>
 
 <file path=ppt/slides/slide4.xml><?xml version="1.0" encoding="utf-8"?>
-<p:sld xmlns:a="http://schemas.openxmlformats.org/drawingml/2006/main" xmlns:r="http://schemas.openxmlformats.org/officeDocument/2006/relationships" xmlns:mc="http://schemas.openxmlformats.org/markup-compatibility/2006" xmlns:mv="urn:schemas-microsoft-com:mac:vml" xmlns:p="http://schemas.openxmlformats.org/presentationml/2006/main" mc:Ignorable="mv" mc:PreserveAttributes="mv:*">
+<p:sld xmlns:a="http://schemas.openxmlformats.org/drawingml/2006/main" xmlns:r="http://schemas.openxmlformats.org/officeDocument/2006/relationships" xmlns:p="http://schemas.openxmlformats.org/presentationml/2006/main">
   <p:cSld>
     <p:spTree>
       <p:nvGrpSpPr>
@@ -13052,7 +12760,7 @@
 </file>
 
 <file path=ppt/slides/slide5.xml><?xml version="1.0" encoding="utf-8"?>
-<p:sld xmlns:a="http://schemas.openxmlformats.org/drawingml/2006/main" xmlns:r="http://schemas.openxmlformats.org/officeDocument/2006/relationships" xmlns:mc="http://schemas.openxmlformats.org/markup-compatibility/2006" xmlns:mv="urn:schemas-microsoft-com:mac:vml" xmlns:p="http://schemas.openxmlformats.org/presentationml/2006/main" mc:Ignorable="mv" mc:PreserveAttributes="mv:*">
+<p:sld xmlns:a="http://schemas.openxmlformats.org/drawingml/2006/main" xmlns:r="http://schemas.openxmlformats.org/officeDocument/2006/relationships" xmlns:p="http://schemas.openxmlformats.org/presentationml/2006/main">
   <p:cSld>
     <p:spTree>
       <p:nvGrpSpPr>
@@ -13106,6 +12814,9 @@
           <a:bodyPr/>
           <a:lstStyle/>
           <a:p>
+            <a:pPr>
+              <a:buNone/>
+            </a:pPr>
             <a:endParaRPr lang="en-US" dirty="0"/>
           </a:p>
         </p:txBody>
@@ -13494,7 +13205,7 @@
           <a:lstStyle/>
           <a:p>
             <a:pPr algn="ctr"/>
-            <a:endParaRPr lang="en-US"/>
+            <a:endParaRPr lang="en-US" dirty="0"/>
           </a:p>
         </p:txBody>
       </p:sp>
@@ -13506,7 +13217,7 @@
         </p:nvSpPr>
         <p:spPr>
           <a:xfrm>
-            <a:off x="990600" y="5943600"/>
+            <a:off x="1000100" y="5929330"/>
             <a:ext cx="1447800" cy="381000"/>
           </a:xfrm>
           <a:prstGeom prst="frame">
@@ -13789,7 +13500,7 @@
         </p:nvCxnSpPr>
         <p:spPr>
           <a:xfrm>
-            <a:off x="3505200" y="6096000"/>
+            <a:off x="4500562" y="6143644"/>
             <a:ext cx="1295400" cy="1588"/>
           </a:xfrm>
           <a:prstGeom prst="straightConnector1">
@@ -13822,7 +13533,7 @@
         </p:nvCxnSpPr>
         <p:spPr>
           <a:xfrm>
-            <a:off x="3429000" y="5410200"/>
+            <a:off x="4357686" y="5429264"/>
             <a:ext cx="1447800" cy="1588"/>
           </a:xfrm>
           <a:prstGeom prst="straightConnector1">
@@ -13848,6 +13559,348 @@
           </a:fontRef>
         </p:style>
       </p:cxnSp>
+      <p:sp>
+        <p:nvSpPr>
+          <p:cNvPr id="22" name="ZoneTexte 21"/>
+          <p:cNvSpPr txBox="1"/>
+          <p:nvPr/>
+        </p:nvSpPr>
+        <p:spPr>
+          <a:xfrm>
+            <a:off x="2786050" y="5286388"/>
+            <a:ext cx="1071570" cy="307777"/>
+          </a:xfrm>
+          <a:prstGeom prst="rect">
+            <a:avLst/>
+          </a:prstGeom>
+          <a:noFill/>
+        </p:spPr>
+        <p:txBody>
+          <a:bodyPr wrap="square" rtlCol="0">
+            <a:spAutoFit/>
+          </a:bodyPr>
+          <a:lstStyle/>
+          <a:p>
+            <a:pPr marL="0" marR="0" indent="0" algn="l" defTabSz="914400" rtl="0" eaLnBrk="1" fontAlgn="auto" latinLnBrk="0" hangingPunct="1">
+              <a:lnSpc>
+                <a:spcPct val="100000"/>
+              </a:lnSpc>
+              <a:spcBef>
+                <a:spcPct val="20000"/>
+              </a:spcBef>
+              <a:spcAft>
+                <a:spcPts val="0"/>
+              </a:spcAft>
+              <a:buClrTx/>
+              <a:buSzTx/>
+              <a:buFontTx/>
+              <a:buNone/>
+              <a:tabLst/>
+            </a:pPr>
+            <a:r>
+              <a:rPr kumimoji="0" lang="en-US" sz="1400" b="1" i="0" u="none" strike="noStrike" kern="0" cap="none" spc="0" normalizeH="0" baseline="0" noProof="0" dirty="0" smtClean="0">
+                <a:ln>
+                  <a:noFill/>
+                </a:ln>
+                <a:solidFill>
+                  <a:schemeClr val="accent4">
+                    <a:shade val="50000"/>
+                  </a:schemeClr>
+                </a:solidFill>
+                <a:effectLst/>
+                <a:uLnTx/>
+                <a:uFillTx/>
+                <a:latin typeface="+mn-lt"/>
+                <a:ea typeface="+mn-ea"/>
+                <a:cs typeface="+mn-cs"/>
+              </a:rPr>
+              <a:t>Tools</a:t>
+            </a:r>
+            <a:endParaRPr kumimoji="0" lang="en-US" sz="1400" b="1" i="0" u="none" strike="noStrike" kern="0" cap="none" spc="0" normalizeH="0" baseline="0" noProof="0" dirty="0" smtClean="0">
+              <a:ln>
+                <a:noFill/>
+              </a:ln>
+              <a:solidFill>
+                <a:schemeClr val="accent4">
+                  <a:shade val="50000"/>
+                </a:schemeClr>
+              </a:solidFill>
+              <a:effectLst/>
+              <a:uLnTx/>
+              <a:uFillTx/>
+              <a:latin typeface="+mn-lt"/>
+              <a:ea typeface="+mn-ea"/>
+              <a:cs typeface="+mn-cs"/>
+            </a:endParaRPr>
+          </a:p>
+        </p:txBody>
+      </p:sp>
+      <p:sp>
+        <p:nvSpPr>
+          <p:cNvPr id="24" name="ZoneTexte 23"/>
+          <p:cNvSpPr txBox="1"/>
+          <p:nvPr/>
+        </p:nvSpPr>
+        <p:spPr>
+          <a:xfrm>
+            <a:off x="2786050" y="6000768"/>
+            <a:ext cx="1214446" cy="307777"/>
+          </a:xfrm>
+          <a:prstGeom prst="rect">
+            <a:avLst/>
+          </a:prstGeom>
+          <a:noFill/>
+        </p:spPr>
+        <p:txBody>
+          <a:bodyPr wrap="square" rtlCol="0">
+            <a:spAutoFit/>
+          </a:bodyPr>
+          <a:lstStyle/>
+          <a:p>
+            <a:pPr marL="0" marR="0" indent="0" algn="l" defTabSz="914400" rtl="0" eaLnBrk="1" fontAlgn="auto" latinLnBrk="0" hangingPunct="1">
+              <a:lnSpc>
+                <a:spcPct val="100000"/>
+              </a:lnSpc>
+              <a:spcBef>
+                <a:spcPct val="20000"/>
+              </a:spcBef>
+              <a:spcAft>
+                <a:spcPts val="0"/>
+              </a:spcAft>
+              <a:buClrTx/>
+              <a:buSzTx/>
+              <a:buFontTx/>
+              <a:buNone/>
+              <a:tabLst/>
+            </a:pPr>
+            <a:r>
+              <a:rPr kumimoji="0" lang="en-US" sz="1400" b="1" i="0" u="none" strike="noStrike" kern="0" cap="none" spc="0" normalizeH="0" baseline="0" noProof="0" dirty="0" smtClean="0">
+                <a:ln>
+                  <a:noFill/>
+                </a:ln>
+                <a:solidFill>
+                  <a:schemeClr val="accent4">
+                    <a:shade val="50000"/>
+                  </a:schemeClr>
+                </a:solidFill>
+                <a:effectLst/>
+                <a:uLnTx/>
+                <a:uFillTx/>
+                <a:latin typeface="+mn-lt"/>
+                <a:ea typeface="+mn-ea"/>
+                <a:cs typeface="+mn-cs"/>
+              </a:rPr>
+              <a:t>Specifications</a:t>
+            </a:r>
+            <a:endParaRPr kumimoji="0" lang="en-US" sz="1400" b="1" i="0" u="none" strike="noStrike" kern="0" cap="none" spc="0" normalizeH="0" baseline="0" noProof="0" dirty="0" smtClean="0">
+              <a:ln>
+                <a:noFill/>
+              </a:ln>
+              <a:solidFill>
+                <a:schemeClr val="accent4">
+                  <a:shade val="50000"/>
+                </a:schemeClr>
+              </a:solidFill>
+              <a:effectLst/>
+              <a:uLnTx/>
+              <a:uFillTx/>
+              <a:latin typeface="+mn-lt"/>
+              <a:ea typeface="+mn-ea"/>
+              <a:cs typeface="+mn-cs"/>
+            </a:endParaRPr>
+          </a:p>
+        </p:txBody>
+      </p:sp>
+      <p:sp>
+        <p:nvSpPr>
+          <p:cNvPr id="28" name="ZoneTexte 27"/>
+          <p:cNvSpPr txBox="1"/>
+          <p:nvPr/>
+        </p:nvSpPr>
+        <p:spPr>
+          <a:xfrm>
+            <a:off x="6143636" y="5286388"/>
+            <a:ext cx="1857388" cy="307777"/>
+          </a:xfrm>
+          <a:prstGeom prst="rect">
+            <a:avLst/>
+          </a:prstGeom>
+          <a:noFill/>
+        </p:spPr>
+        <p:txBody>
+          <a:bodyPr wrap="square" rtlCol="0">
+            <a:spAutoFit/>
+          </a:bodyPr>
+          <a:lstStyle/>
+          <a:p>
+            <a:pPr marL="0" marR="0" indent="0" algn="l" defTabSz="914400" rtl="0" eaLnBrk="1" fontAlgn="auto" latinLnBrk="0" hangingPunct="1">
+              <a:lnSpc>
+                <a:spcPct val="100000"/>
+              </a:lnSpc>
+              <a:spcBef>
+                <a:spcPct val="20000"/>
+              </a:spcBef>
+              <a:spcAft>
+                <a:spcPts val="0"/>
+              </a:spcAft>
+              <a:buClrTx/>
+              <a:buSzTx/>
+              <a:buFontTx/>
+              <a:buNone/>
+              <a:tabLst/>
+            </a:pPr>
+            <a:r>
+              <a:rPr kumimoji="0" lang="en-US" sz="1400" b="1" i="0" u="none" strike="noStrike" kern="0" cap="none" spc="0" normalizeH="0" baseline="0" noProof="0" dirty="0" smtClean="0">
+                <a:ln>
+                  <a:noFill/>
+                </a:ln>
+                <a:solidFill>
+                  <a:schemeClr val="accent4">
+                    <a:shade val="50000"/>
+                  </a:schemeClr>
+                </a:solidFill>
+                <a:effectLst/>
+                <a:uLnTx/>
+                <a:uFillTx/>
+                <a:latin typeface="+mn-lt"/>
+                <a:ea typeface="+mn-ea"/>
+                <a:cs typeface="+mn-cs"/>
+              </a:rPr>
+              <a:t>ADL</a:t>
+            </a:r>
+            <a:r>
+              <a:rPr kumimoji="0" lang="en-US" sz="1400" b="1" i="0" u="none" strike="noStrike" kern="0" cap="none" spc="0" normalizeH="0" noProof="0" dirty="0" smtClean="0">
+                <a:ln>
+                  <a:noFill/>
+                </a:ln>
+                <a:solidFill>
+                  <a:schemeClr val="accent4">
+                    <a:shade val="50000"/>
+                  </a:schemeClr>
+                </a:solidFill>
+                <a:effectLst/>
+                <a:uLnTx/>
+                <a:uFillTx/>
+                <a:latin typeface="+mn-lt"/>
+                <a:ea typeface="+mn-ea"/>
+                <a:cs typeface="+mn-cs"/>
+              </a:rPr>
+              <a:t> </a:t>
+            </a:r>
+            <a:r>
+              <a:rPr kumimoji="0" lang="en-US" sz="1400" b="1" i="0" u="none" strike="noStrike" kern="0" cap="none" spc="0" normalizeH="0" baseline="0" noProof="0" dirty="0" smtClean="0">
+                <a:ln>
+                  <a:noFill/>
+                </a:ln>
+                <a:solidFill>
+                  <a:schemeClr val="accent4">
+                    <a:shade val="50000"/>
+                  </a:schemeClr>
+                </a:solidFill>
+                <a:effectLst/>
+                <a:uLnTx/>
+                <a:uFillTx/>
+                <a:latin typeface="+mn-lt"/>
+                <a:ea typeface="+mn-ea"/>
+                <a:cs typeface="+mn-cs"/>
+              </a:rPr>
+              <a:t>Tools Application</a:t>
+            </a:r>
+            <a:endParaRPr kumimoji="0" lang="en-US" sz="1400" b="1" i="0" u="none" strike="noStrike" kern="0" cap="none" spc="0" normalizeH="0" baseline="0" noProof="0" dirty="0" smtClean="0">
+              <a:ln>
+                <a:noFill/>
+              </a:ln>
+              <a:solidFill>
+                <a:schemeClr val="accent4">
+                  <a:shade val="50000"/>
+                </a:schemeClr>
+              </a:solidFill>
+              <a:effectLst/>
+              <a:uLnTx/>
+              <a:uFillTx/>
+              <a:latin typeface="+mn-lt"/>
+              <a:ea typeface="+mn-ea"/>
+              <a:cs typeface="+mn-cs"/>
+            </a:endParaRPr>
+          </a:p>
+        </p:txBody>
+      </p:sp>
+      <p:sp>
+        <p:nvSpPr>
+          <p:cNvPr id="32" name="ZoneTexte 31"/>
+          <p:cNvSpPr txBox="1"/>
+          <p:nvPr/>
+        </p:nvSpPr>
+        <p:spPr>
+          <a:xfrm>
+            <a:off x="6143636" y="5929330"/>
+            <a:ext cx="2571768" cy="307777"/>
+          </a:xfrm>
+          <a:prstGeom prst="rect">
+            <a:avLst/>
+          </a:prstGeom>
+          <a:noFill/>
+        </p:spPr>
+        <p:txBody>
+          <a:bodyPr wrap="square" rtlCol="0">
+            <a:spAutoFit/>
+          </a:bodyPr>
+          <a:lstStyle/>
+          <a:p>
+            <a:pPr marL="0" marR="0" indent="0" algn="l" defTabSz="914400" rtl="0" eaLnBrk="1" fontAlgn="auto" latinLnBrk="0" hangingPunct="1">
+              <a:lnSpc>
+                <a:spcPct val="100000"/>
+              </a:lnSpc>
+              <a:spcBef>
+                <a:spcPct val="20000"/>
+              </a:spcBef>
+              <a:spcAft>
+                <a:spcPts val="0"/>
+              </a:spcAft>
+              <a:buClrTx/>
+              <a:buSzTx/>
+              <a:buFontTx/>
+              <a:buNone/>
+              <a:tabLst/>
+            </a:pPr>
+            <a:r>
+              <a:rPr kumimoji="0" lang="en-US" sz="1400" b="1" i="0" u="none" strike="noStrike" kern="0" cap="none" spc="0" normalizeH="0" baseline="0" noProof="0" dirty="0" smtClean="0">
+                <a:ln>
+                  <a:noFill/>
+                </a:ln>
+                <a:solidFill>
+                  <a:schemeClr val="accent4">
+                    <a:shade val="50000"/>
+                  </a:schemeClr>
+                </a:solidFill>
+                <a:effectLst/>
+                <a:uLnTx/>
+                <a:uFillTx/>
+                <a:latin typeface="+mn-lt"/>
+                <a:ea typeface="+mn-ea"/>
+                <a:cs typeface="+mn-cs"/>
+              </a:rPr>
+              <a:t>Specification transformation</a:t>
+            </a:r>
+            <a:endParaRPr kumimoji="0" lang="en-US" sz="1400" b="1" i="0" u="none" strike="noStrike" kern="0" cap="none" spc="0" normalizeH="0" baseline="0" noProof="0" dirty="0" smtClean="0">
+              <a:ln>
+                <a:noFill/>
+              </a:ln>
+              <a:solidFill>
+                <a:schemeClr val="accent4">
+                  <a:shade val="50000"/>
+                </a:schemeClr>
+              </a:solidFill>
+              <a:effectLst/>
+              <a:uLnTx/>
+              <a:uFillTx/>
+              <a:latin typeface="+mn-lt"/>
+              <a:ea typeface="+mn-ea"/>
+              <a:cs typeface="+mn-cs"/>
+            </a:endParaRPr>
+          </a:p>
+        </p:txBody>
+      </p:sp>
     </p:spTree>
   </p:cSld>
   <p:clrMapOvr>
@@ -13864,7 +13917,7 @@
 </file>
 
 <file path=ppt/slides/slide6.xml><?xml version="1.0" encoding="utf-8"?>
-<p:sld xmlns:a="http://schemas.openxmlformats.org/drawingml/2006/main" xmlns:r="http://schemas.openxmlformats.org/officeDocument/2006/relationships" xmlns:mc="http://schemas.openxmlformats.org/markup-compatibility/2006" xmlns:mv="urn:schemas-microsoft-com:mac:vml" xmlns:p="http://schemas.openxmlformats.org/presentationml/2006/main" mc:Ignorable="mv" mc:PreserveAttributes="mv:*">
+<p:sld xmlns:a="http://schemas.openxmlformats.org/drawingml/2006/main" xmlns:r="http://schemas.openxmlformats.org/officeDocument/2006/relationships" xmlns:p="http://schemas.openxmlformats.org/presentationml/2006/main">
   <p:cSld>
     <p:spTree>
       <p:nvGrpSpPr>
@@ -13959,10 +14012,6 @@
             <a:r>
               <a:rPr lang="en-US" dirty="0" err="1" smtClean="0"/>
               <a:t>ADLs</a:t>
-            </a:r>
-            <a:r>
-              <a:rPr lang="en-US" dirty="0" smtClean="0"/>
-              <a:t> </a:t>
             </a:r>
             <a:r>
               <a:rPr lang="en-US" dirty="0" smtClean="0"/>
@@ -14380,6 +14429,65 @@
           </a:p>
         </p:txBody>
       </p:sp>
+      <p:sp>
+        <p:nvSpPr>
+          <p:cNvPr id="8" name="ZoneTexte 7"/>
+          <p:cNvSpPr txBox="1"/>
+          <p:nvPr/>
+        </p:nvSpPr>
+        <p:spPr>
+          <a:xfrm>
+            <a:off x="3357554" y="5286388"/>
+            <a:ext cx="785818" cy="307777"/>
+          </a:xfrm>
+          <a:prstGeom prst="rect">
+            <a:avLst/>
+          </a:prstGeom>
+          <a:solidFill>
+            <a:schemeClr val="bg1"/>
+          </a:solidFill>
+        </p:spPr>
+        <p:txBody>
+          <a:bodyPr wrap="square" rtlCol="0">
+            <a:spAutoFit/>
+          </a:bodyPr>
+          <a:lstStyle/>
+          <a:p>
+            <a:pPr marL="0" marR="0" indent="0" algn="l" defTabSz="914400" rtl="0" eaLnBrk="1" fontAlgn="auto" latinLnBrk="0" hangingPunct="1">
+              <a:lnSpc>
+                <a:spcPct val="100000"/>
+              </a:lnSpc>
+              <a:spcBef>
+                <a:spcPct val="20000"/>
+              </a:spcBef>
+              <a:spcAft>
+                <a:spcPts val="0"/>
+              </a:spcAft>
+              <a:buClrTx/>
+              <a:buSzTx/>
+              <a:buFontTx/>
+              <a:buNone/>
+              <a:tabLst/>
+            </a:pPr>
+            <a:endParaRPr kumimoji="0" lang="en-US" sz="1400" b="1" i="0" u="none" strike="noStrike" kern="0" cap="none" spc="0" normalizeH="0" baseline="0" noProof="0" dirty="0" smtClean="0">
+              <a:ln>
+                <a:noFill/>
+              </a:ln>
+              <a:solidFill>
+                <a:schemeClr val="accent4">
+                  <a:shade val="50000"/>
+                </a:schemeClr>
+              </a:solidFill>
+              <a:effectLst/>
+              <a:uLnTx/>
+              <a:uFillTx/>
+              <a:latin typeface="+mn-lt"/>
+              <a:ea typeface="+mn-ea"/>
+              <a:cs typeface="+mn-cs"/>
+            </a:endParaRPr>
+          </a:p>
+        </p:txBody>
+      </p:sp>
     </p:spTree>
   </p:cSld>
   <p:clrMapOvr>
@@ -14396,7 +14504,7 @@
 </file>
 
 <file path=ppt/slides/slide7.xml><?xml version="1.0" encoding="utf-8"?>
-<p:sld xmlns:a="http://schemas.openxmlformats.org/drawingml/2006/main" xmlns:r="http://schemas.openxmlformats.org/officeDocument/2006/relationships" xmlns:mc="http://schemas.openxmlformats.org/markup-compatibility/2006" xmlns:mv="urn:schemas-microsoft-com:mac:vml" xmlns:p="http://schemas.openxmlformats.org/presentationml/2006/main" mc:Ignorable="mv" mc:PreserveAttributes="mv:*">
+<p:sld xmlns:a="http://schemas.openxmlformats.org/drawingml/2006/main" xmlns:r="http://schemas.openxmlformats.org/officeDocument/2006/relationships" xmlns:p="http://schemas.openxmlformats.org/presentationml/2006/main">
   <p:cSld>
     <p:spTree>
       <p:nvGrpSpPr>
@@ -14944,7 +15052,7 @@
 </file>
 
 <file path=ppt/slides/slide8.xml><?xml version="1.0" encoding="utf-8"?>
-<p:sld xmlns:a="http://schemas.openxmlformats.org/drawingml/2006/main" xmlns:r="http://schemas.openxmlformats.org/officeDocument/2006/relationships" xmlns:mc="http://schemas.openxmlformats.org/markup-compatibility/2006" xmlns:mv="urn:schemas-microsoft-com:mac:vml" xmlns:p="http://schemas.openxmlformats.org/presentationml/2006/main" mc:Ignorable="mv" mc:PreserveAttributes="mv:*">
+<p:sld xmlns:a="http://schemas.openxmlformats.org/drawingml/2006/main" xmlns:r="http://schemas.openxmlformats.org/officeDocument/2006/relationships" xmlns:p="http://schemas.openxmlformats.org/presentationml/2006/main">
   <p:cSld>
     <p:spTree>
       <p:nvGrpSpPr>
@@ -15566,7 +15674,7 @@
 </file>
 
 <file path=ppt/slides/slide9.xml><?xml version="1.0" encoding="utf-8"?>
-<p:sld xmlns:a="http://schemas.openxmlformats.org/drawingml/2006/main" xmlns:r="http://schemas.openxmlformats.org/officeDocument/2006/relationships" xmlns:mc="http://schemas.openxmlformats.org/markup-compatibility/2006" xmlns:mv="urn:schemas-microsoft-com:mac:vml" xmlns:p="http://schemas.openxmlformats.org/presentationml/2006/main" mc:Ignorable="mv" mc:PreserveAttributes="mv:*">
+<p:sld xmlns:a="http://schemas.openxmlformats.org/drawingml/2006/main" xmlns:r="http://schemas.openxmlformats.org/officeDocument/2006/relationships" xmlns:p="http://schemas.openxmlformats.org/presentationml/2006/main">
   <p:cSld>
     <p:spTree>
       <p:nvGrpSpPr>
@@ -15900,26 +16008,6 @@
                 <a:cs typeface="+mn-cs"/>
               </a:rPr>
               <a:t>ACME</a:t>
-            </a:r>
-            <a:r>
-              <a:rPr kumimoji="0" lang="fr-FR" sz="1200" i="0" u="none" strike="noStrike" kern="0" cap="none" spc="0" normalizeH="0" baseline="0" noProof="0" dirty="0" smtClean="0">
-                <a:ln>
-                  <a:noFill/>
-                </a:ln>
-                <a:solidFill>
-                  <a:schemeClr val="tx1">
-                    <a:lumMod val="50000"/>
-                    <a:lumOff val="50000"/>
-                  </a:schemeClr>
-                </a:solidFill>
-                <a:effectLst/>
-                <a:uLnTx/>
-                <a:uFillTx/>
-                <a:latin typeface="+mn-lt"/>
-                <a:ea typeface="+mn-ea"/>
-                <a:cs typeface="+mn-cs"/>
-              </a:rPr>
-              <a:t> </a:t>
             </a:r>
             <a:r>
               <a:rPr lang="fr-FR" sz="1200" b="1" u="sng" kern="0" dirty="0" err="1" smtClean="0">
